--- a/docs/Regelmotorer.pptx
+++ b/docs/Regelmotorer.pptx
@@ -28,6 +28,26 @@
     <p:sldId id="273" r:id="rId23"/>
     <p:sldId id="274" r:id="rId24"/>
     <p:sldId id="275" r:id="rId25"/>
+    <p:sldId id="276" r:id="rId26"/>
+    <p:sldId id="277" r:id="rId27"/>
+    <p:sldId id="278" r:id="rId28"/>
+    <p:sldId id="279" r:id="rId29"/>
+    <p:sldId id="280" r:id="rId30"/>
+    <p:sldId id="281" r:id="rId31"/>
+    <p:sldId id="282" r:id="rId32"/>
+    <p:sldId id="283" r:id="rId33"/>
+    <p:sldId id="284" r:id="rId34"/>
+    <p:sldId id="285" r:id="rId35"/>
+    <p:sldId id="286" r:id="rId36"/>
+    <p:sldId id="287" r:id="rId37"/>
+    <p:sldId id="288" r:id="rId38"/>
+    <p:sldId id="289" r:id="rId39"/>
+    <p:sldId id="290" r:id="rId40"/>
+    <p:sldId id="291" r:id="rId41"/>
+    <p:sldId id="292" r:id="rId42"/>
+    <p:sldId id="293" r:id="rId43"/>
+    <p:sldId id="294" r:id="rId44"/>
+    <p:sldId id="295" r:id="rId45"/>
   </p:sldIdLst>
   <p:sldSz cy="5143500" cx="9144000"/>
   <p:notesSz cx="6858000" cy="9144000"/>
@@ -1217,7 +1237,7 @@
       </p:grpSpPr>
       <p:sp>
         <p:nvSpPr>
-          <p:cNvPr id="131" name="Google Shape;131;g50fc041a5d_0_4:notes"/>
+          <p:cNvPr id="131" name="Google Shape;131;g582fe8c27a_0_32:notes"/>
           <p:cNvSpPr/>
           <p:nvPr>
             <p:ph idx="2" type="sldImg"/>
@@ -1252,7 +1272,7 @@
       </p:sp>
       <p:sp>
         <p:nvSpPr>
-          <p:cNvPr id="132" name="Google Shape;132;g50fc041a5d_0_4:notes"/>
+          <p:cNvPr id="132" name="Google Shape;132;g582fe8c27a_0_32:notes"/>
           <p:cNvSpPr txBox="1"/>
           <p:nvPr>
             <p:ph idx="1" type="body"/>
@@ -1302,7 +1322,7 @@
   <p:cSld>
     <p:spTree>
       <p:nvGrpSpPr>
-        <p:cNvPr id="135" name="Shape 135"/>
+        <p:cNvPr id="136" name="Shape 136"/>
         <p:cNvGrpSpPr/>
         <p:nvPr/>
       </p:nvGrpSpPr>
@@ -1316,7 +1336,7 @@
       </p:grpSpPr>
       <p:sp>
         <p:nvSpPr>
-          <p:cNvPr id="136" name="Google Shape;136;g50fc041a5d_0_12:notes"/>
+          <p:cNvPr id="137" name="Google Shape;137;g582fe8c27a_0_17:notes"/>
           <p:cNvSpPr/>
           <p:nvPr>
             <p:ph idx="2" type="sldImg"/>
@@ -1351,7 +1371,7 @@
       </p:sp>
       <p:sp>
         <p:nvSpPr>
-          <p:cNvPr id="137" name="Google Shape;137;g50fc041a5d_0_12:notes"/>
+          <p:cNvPr id="138" name="Google Shape;138;g582fe8c27a_0_17:notes"/>
           <p:cNvSpPr txBox="1"/>
           <p:nvPr>
             <p:ph idx="1" type="body"/>
@@ -1401,7 +1421,7 @@
   <p:cSld>
     <p:spTree>
       <p:nvGrpSpPr>
-        <p:cNvPr id="141" name="Shape 141"/>
+        <p:cNvPr id="142" name="Shape 142"/>
         <p:cNvGrpSpPr/>
         <p:nvPr/>
       </p:nvGrpSpPr>
@@ -1415,7 +1435,7 @@
       </p:grpSpPr>
       <p:sp>
         <p:nvSpPr>
-          <p:cNvPr id="142" name="Google Shape;142;g510e00c072_0_11:notes"/>
+          <p:cNvPr id="143" name="Google Shape;143;g582fe8c27a_0_27:notes"/>
           <p:cNvSpPr/>
           <p:nvPr>
             <p:ph idx="2" type="sldImg"/>
@@ -1450,7 +1470,7 @@
       </p:sp>
       <p:sp>
         <p:nvSpPr>
-          <p:cNvPr id="143" name="Google Shape;143;g510e00c072_0_11:notes"/>
+          <p:cNvPr id="144" name="Google Shape;144;g582fe8c27a_0_27:notes"/>
           <p:cNvSpPr txBox="1"/>
           <p:nvPr>
             <p:ph idx="1" type="body"/>
@@ -1500,7 +1520,7 @@
   <p:cSld>
     <p:spTree>
       <p:nvGrpSpPr>
-        <p:cNvPr id="146" name="Shape 146"/>
+        <p:cNvPr id="148" name="Shape 148"/>
         <p:cNvGrpSpPr/>
         <p:nvPr/>
       </p:nvGrpSpPr>
@@ -1514,7 +1534,7 @@
       </p:grpSpPr>
       <p:sp>
         <p:nvSpPr>
-          <p:cNvPr id="147" name="Google Shape;147;g50fc041a5d_0_8:notes"/>
+          <p:cNvPr id="149" name="Google Shape;149;g582fe8c27a_0_37:notes"/>
           <p:cNvSpPr/>
           <p:nvPr>
             <p:ph idx="2" type="sldImg"/>
@@ -1549,7 +1569,7 @@
       </p:sp>
       <p:sp>
         <p:nvSpPr>
-          <p:cNvPr id="148" name="Google Shape;148;g50fc041a5d_0_8:notes"/>
+          <p:cNvPr id="150" name="Google Shape;150;g582fe8c27a_0_37:notes"/>
           <p:cNvSpPr txBox="1"/>
           <p:nvPr>
             <p:ph idx="1" type="body"/>
@@ -1599,7 +1619,7 @@
   <p:cSld>
     <p:spTree>
       <p:nvGrpSpPr>
-        <p:cNvPr id="151" name="Shape 151"/>
+        <p:cNvPr id="154" name="Shape 154"/>
         <p:cNvGrpSpPr/>
         <p:nvPr/>
       </p:nvGrpSpPr>
@@ -1613,7 +1633,7 @@
       </p:grpSpPr>
       <p:sp>
         <p:nvSpPr>
-          <p:cNvPr id="152" name="Google Shape;152;g510e00c072_0_24:notes"/>
+          <p:cNvPr id="155" name="Google Shape;155;g56aba1a95b_0_2:notes"/>
           <p:cNvSpPr/>
           <p:nvPr>
             <p:ph idx="2" type="sldImg"/>
@@ -1648,7 +1668,7 @@
       </p:sp>
       <p:sp>
         <p:nvSpPr>
-          <p:cNvPr id="153" name="Google Shape;153;g510e00c072_0_24:notes"/>
+          <p:cNvPr id="156" name="Google Shape;156;g56aba1a95b_0_2:notes"/>
           <p:cNvSpPr txBox="1"/>
           <p:nvPr>
             <p:ph idx="1" type="body"/>
@@ -1698,7 +1718,7 @@
   <p:cSld>
     <p:spTree>
       <p:nvGrpSpPr>
-        <p:cNvPr id="157" name="Shape 157"/>
+        <p:cNvPr id="160" name="Shape 160"/>
         <p:cNvGrpSpPr/>
         <p:nvPr/>
       </p:nvGrpSpPr>
@@ -1712,7 +1732,7 @@
       </p:grpSpPr>
       <p:sp>
         <p:nvSpPr>
-          <p:cNvPr id="158" name="Google Shape;158;g50fc041a5d_0_17:notes"/>
+          <p:cNvPr id="161" name="Google Shape;161;g56aba1a95b_0_16:notes"/>
           <p:cNvSpPr/>
           <p:nvPr>
             <p:ph idx="2" type="sldImg"/>
@@ -1747,7 +1767,7 @@
       </p:sp>
       <p:sp>
         <p:nvSpPr>
-          <p:cNvPr id="159" name="Google Shape;159;g50fc041a5d_0_17:notes"/>
+          <p:cNvPr id="162" name="Google Shape;162;g56aba1a95b_0_16:notes"/>
           <p:cNvSpPr txBox="1"/>
           <p:nvPr>
             <p:ph idx="1" type="body"/>
@@ -1896,7 +1916,7 @@
   <p:cSld>
     <p:spTree>
       <p:nvGrpSpPr>
-        <p:cNvPr id="163" name="Shape 163"/>
+        <p:cNvPr id="166" name="Shape 166"/>
         <p:cNvGrpSpPr/>
         <p:nvPr/>
       </p:nvGrpSpPr>
@@ -1910,7 +1930,7 @@
       </p:grpSpPr>
       <p:sp>
         <p:nvSpPr>
-          <p:cNvPr id="164" name="Google Shape;164;g510e00c072_0_17:notes"/>
+          <p:cNvPr id="167" name="Google Shape;167;g50fc041a5d_0_4:notes"/>
           <p:cNvSpPr/>
           <p:nvPr>
             <p:ph idx="2" type="sldImg"/>
@@ -1945,7 +1965,898 @@
       </p:sp>
       <p:sp>
         <p:nvSpPr>
-          <p:cNvPr id="165" name="Google Shape;165;g510e00c072_0_17:notes"/>
+          <p:cNvPr id="168" name="Google Shape;168;g50fc041a5d_0_4:notes"/>
+          <p:cNvSpPr txBox="1"/>
+          <p:nvPr>
+            <p:ph idx="1" type="body"/>
+          </p:nvPr>
+        </p:nvSpPr>
+        <p:spPr>
+          <a:xfrm>
+            <a:off x="685800" y="4343400"/>
+            <a:ext cx="5486400" cy="4114800"/>
+          </a:xfrm>
+          <a:prstGeom prst="rect">
+            <a:avLst/>
+          </a:prstGeom>
+        </p:spPr>
+        <p:txBody>
+          <a:bodyPr anchorCtr="0" anchor="t" bIns="91425" lIns="91425" spcFirstLastPara="1" rIns="91425" wrap="square" tIns="91425">
+            <a:noAutofit/>
+          </a:bodyPr>
+          <a:lstStyle/>
+          <a:p>
+            <a:pPr indent="0" lvl="0" marL="0" rtl="0" algn="l">
+              <a:spcBef>
+                <a:spcPts val="0"/>
+              </a:spcBef>
+              <a:spcAft>
+                <a:spcPts val="0"/>
+              </a:spcAft>
+              <a:buNone/>
+            </a:pPr>
+            <a:r>
+              <a:t/>
+            </a:r>
+            <a:endParaRPr/>
+          </a:p>
+        </p:txBody>
+      </p:sp>
+    </p:spTree>
+  </p:cSld>
+  <p:clrMapOvr>
+    <a:masterClrMapping/>
+  </p:clrMapOvr>
+</p:notes>
+</file>
+
+<file path=ppt/notesSlides/notesSlide21.xml><?xml version="1.0" encoding="utf-8"?>
+<p:notes xmlns:a="http://schemas.openxmlformats.org/drawingml/2006/main" xmlns:r="http://schemas.openxmlformats.org/officeDocument/2006/relationships" xmlns:mc="http://schemas.openxmlformats.org/markup-compatibility/2006" xmlns:mv="urn:schemas-microsoft-com:mac:vml" xmlns:p="http://schemas.openxmlformats.org/presentationml/2006/main" xmlns:c="http://schemas.openxmlformats.org/drawingml/2006/chart" xmlns:dgm="http://schemas.openxmlformats.org/drawingml/2006/diagram" xmlns:o="urn:schemas-microsoft-com:office:office" xmlns:v="urn:schemas-microsoft-com:vml" xmlns:pvml="urn:schemas-microsoft-com:office:powerpoint" xmlns:com="http://schemas.openxmlformats.org/drawingml/2006/compatibility" xmlns:p14="http://schemas.microsoft.com/office/powerpoint/2010/main" xmlns:p15="http://schemas.microsoft.com/office/powerpoint/2012/main" showMasterPhAnim="0" showMasterSp="0">
+  <p:cSld>
+    <p:spTree>
+      <p:nvGrpSpPr>
+        <p:cNvPr id="172" name="Shape 172"/>
+        <p:cNvGrpSpPr/>
+        <p:nvPr/>
+      </p:nvGrpSpPr>
+      <p:grpSpPr>
+        <a:xfrm>
+          <a:off x="0" y="0"/>
+          <a:ext cx="0" cy="0"/>
+          <a:chOff x="0" y="0"/>
+          <a:chExt cx="0" cy="0"/>
+        </a:xfrm>
+      </p:grpSpPr>
+      <p:sp>
+        <p:nvSpPr>
+          <p:cNvPr id="173" name="Google Shape;173;g5832215369_0_4:notes"/>
+          <p:cNvSpPr/>
+          <p:nvPr>
+            <p:ph idx="2" type="sldImg"/>
+          </p:nvPr>
+        </p:nvSpPr>
+        <p:spPr>
+          <a:xfrm>
+            <a:off x="381300" y="685800"/>
+            <a:ext cx="6096000" cy="3429000"/>
+          </a:xfrm>
+          <a:custGeom>
+            <a:rect b="b" l="l" r="r" t="t"/>
+            <a:pathLst>
+              <a:path extrusionOk="0" h="120000" w="120000">
+                <a:moveTo>
+                  <a:pt x="0" y="0"/>
+                </a:moveTo>
+                <a:lnTo>
+                  <a:pt x="120000" y="0"/>
+                </a:lnTo>
+                <a:lnTo>
+                  <a:pt x="120000" y="120000"/>
+                </a:lnTo>
+                <a:lnTo>
+                  <a:pt x="0" y="120000"/>
+                </a:lnTo>
+                <a:close/>
+              </a:path>
+            </a:pathLst>
+          </a:custGeom>
+        </p:spPr>
+      </p:sp>
+      <p:sp>
+        <p:nvSpPr>
+          <p:cNvPr id="174" name="Google Shape;174;g5832215369_0_4:notes"/>
+          <p:cNvSpPr txBox="1"/>
+          <p:nvPr>
+            <p:ph idx="1" type="body"/>
+          </p:nvPr>
+        </p:nvSpPr>
+        <p:spPr>
+          <a:xfrm>
+            <a:off x="685800" y="4343400"/>
+            <a:ext cx="5486400" cy="4114800"/>
+          </a:xfrm>
+          <a:prstGeom prst="rect">
+            <a:avLst/>
+          </a:prstGeom>
+        </p:spPr>
+        <p:txBody>
+          <a:bodyPr anchorCtr="0" anchor="t" bIns="91425" lIns="91425" spcFirstLastPara="1" rIns="91425" wrap="square" tIns="91425">
+            <a:noAutofit/>
+          </a:bodyPr>
+          <a:lstStyle/>
+          <a:p>
+            <a:pPr indent="0" lvl="0" marL="0" rtl="0" algn="l">
+              <a:spcBef>
+                <a:spcPts val="0"/>
+              </a:spcBef>
+              <a:spcAft>
+                <a:spcPts val="0"/>
+              </a:spcAft>
+              <a:buNone/>
+            </a:pPr>
+            <a:r>
+              <a:t/>
+            </a:r>
+            <a:endParaRPr/>
+          </a:p>
+        </p:txBody>
+      </p:sp>
+    </p:spTree>
+  </p:cSld>
+  <p:clrMapOvr>
+    <a:masterClrMapping/>
+  </p:clrMapOvr>
+</p:notes>
+</file>
+
+<file path=ppt/notesSlides/notesSlide22.xml><?xml version="1.0" encoding="utf-8"?>
+<p:notes xmlns:a="http://schemas.openxmlformats.org/drawingml/2006/main" xmlns:r="http://schemas.openxmlformats.org/officeDocument/2006/relationships" xmlns:mc="http://schemas.openxmlformats.org/markup-compatibility/2006" xmlns:mv="urn:schemas-microsoft-com:mac:vml" xmlns:p="http://schemas.openxmlformats.org/presentationml/2006/main" xmlns:c="http://schemas.openxmlformats.org/drawingml/2006/chart" xmlns:dgm="http://schemas.openxmlformats.org/drawingml/2006/diagram" xmlns:o="urn:schemas-microsoft-com:office:office" xmlns:v="urn:schemas-microsoft-com:vml" xmlns:pvml="urn:schemas-microsoft-com:office:powerpoint" xmlns:com="http://schemas.openxmlformats.org/drawingml/2006/compatibility" xmlns:p14="http://schemas.microsoft.com/office/powerpoint/2010/main" xmlns:p15="http://schemas.microsoft.com/office/powerpoint/2012/main" showMasterPhAnim="0" showMasterSp="0">
+  <p:cSld>
+    <p:spTree>
+      <p:nvGrpSpPr>
+        <p:cNvPr id="178" name="Shape 178"/>
+        <p:cNvGrpSpPr/>
+        <p:nvPr/>
+      </p:nvGrpSpPr>
+      <p:grpSpPr>
+        <a:xfrm>
+          <a:off x="0" y="0"/>
+          <a:ext cx="0" cy="0"/>
+          <a:chOff x="0" y="0"/>
+          <a:chExt cx="0" cy="0"/>
+        </a:xfrm>
+      </p:grpSpPr>
+      <p:sp>
+        <p:nvSpPr>
+          <p:cNvPr id="179" name="Google Shape;179;g5832215369_0_51:notes"/>
+          <p:cNvSpPr/>
+          <p:nvPr>
+            <p:ph idx="2" type="sldImg"/>
+          </p:nvPr>
+        </p:nvSpPr>
+        <p:spPr>
+          <a:xfrm>
+            <a:off x="381300" y="685800"/>
+            <a:ext cx="6096000" cy="3429000"/>
+          </a:xfrm>
+          <a:custGeom>
+            <a:rect b="b" l="l" r="r" t="t"/>
+            <a:pathLst>
+              <a:path extrusionOk="0" h="120000" w="120000">
+                <a:moveTo>
+                  <a:pt x="0" y="0"/>
+                </a:moveTo>
+                <a:lnTo>
+                  <a:pt x="120000" y="0"/>
+                </a:lnTo>
+                <a:lnTo>
+                  <a:pt x="120000" y="120000"/>
+                </a:lnTo>
+                <a:lnTo>
+                  <a:pt x="0" y="120000"/>
+                </a:lnTo>
+                <a:close/>
+              </a:path>
+            </a:pathLst>
+          </a:custGeom>
+        </p:spPr>
+      </p:sp>
+      <p:sp>
+        <p:nvSpPr>
+          <p:cNvPr id="180" name="Google Shape;180;g5832215369_0_51:notes"/>
+          <p:cNvSpPr txBox="1"/>
+          <p:nvPr>
+            <p:ph idx="1" type="body"/>
+          </p:nvPr>
+        </p:nvSpPr>
+        <p:spPr>
+          <a:xfrm>
+            <a:off x="685800" y="4343400"/>
+            <a:ext cx="5486400" cy="4114800"/>
+          </a:xfrm>
+          <a:prstGeom prst="rect">
+            <a:avLst/>
+          </a:prstGeom>
+        </p:spPr>
+        <p:txBody>
+          <a:bodyPr anchorCtr="0" anchor="t" bIns="91425" lIns="91425" spcFirstLastPara="1" rIns="91425" wrap="square" tIns="91425">
+            <a:noAutofit/>
+          </a:bodyPr>
+          <a:lstStyle/>
+          <a:p>
+            <a:pPr indent="0" lvl="0" marL="0" rtl="0" algn="l">
+              <a:spcBef>
+                <a:spcPts val="0"/>
+              </a:spcBef>
+              <a:spcAft>
+                <a:spcPts val="0"/>
+              </a:spcAft>
+              <a:buNone/>
+            </a:pPr>
+            <a:r>
+              <a:t/>
+            </a:r>
+            <a:endParaRPr/>
+          </a:p>
+        </p:txBody>
+      </p:sp>
+    </p:spTree>
+  </p:cSld>
+  <p:clrMapOvr>
+    <a:masterClrMapping/>
+  </p:clrMapOvr>
+</p:notes>
+</file>
+
+<file path=ppt/notesSlides/notesSlide23.xml><?xml version="1.0" encoding="utf-8"?>
+<p:notes xmlns:a="http://schemas.openxmlformats.org/drawingml/2006/main" xmlns:r="http://schemas.openxmlformats.org/officeDocument/2006/relationships" xmlns:mc="http://schemas.openxmlformats.org/markup-compatibility/2006" xmlns:mv="urn:schemas-microsoft-com:mac:vml" xmlns:p="http://schemas.openxmlformats.org/presentationml/2006/main" xmlns:c="http://schemas.openxmlformats.org/drawingml/2006/chart" xmlns:dgm="http://schemas.openxmlformats.org/drawingml/2006/diagram" xmlns:o="urn:schemas-microsoft-com:office:office" xmlns:v="urn:schemas-microsoft-com:vml" xmlns:pvml="urn:schemas-microsoft-com:office:powerpoint" xmlns:com="http://schemas.openxmlformats.org/drawingml/2006/compatibility" xmlns:p14="http://schemas.microsoft.com/office/powerpoint/2010/main" xmlns:p15="http://schemas.microsoft.com/office/powerpoint/2012/main" showMasterPhAnim="0" showMasterSp="0">
+  <p:cSld>
+    <p:spTree>
+      <p:nvGrpSpPr>
+        <p:cNvPr id="184" name="Shape 184"/>
+        <p:cNvGrpSpPr/>
+        <p:nvPr/>
+      </p:nvGrpSpPr>
+      <p:grpSpPr>
+        <a:xfrm>
+          <a:off x="0" y="0"/>
+          <a:ext cx="0" cy="0"/>
+          <a:chOff x="0" y="0"/>
+          <a:chExt cx="0" cy="0"/>
+        </a:xfrm>
+      </p:grpSpPr>
+      <p:sp>
+        <p:nvSpPr>
+          <p:cNvPr id="185" name="Google Shape;185;g56b6060828_0_16:notes"/>
+          <p:cNvSpPr/>
+          <p:nvPr>
+            <p:ph idx="2" type="sldImg"/>
+          </p:nvPr>
+        </p:nvSpPr>
+        <p:spPr>
+          <a:xfrm>
+            <a:off x="381300" y="685800"/>
+            <a:ext cx="6096000" cy="3429000"/>
+          </a:xfrm>
+          <a:custGeom>
+            <a:rect b="b" l="l" r="r" t="t"/>
+            <a:pathLst>
+              <a:path extrusionOk="0" h="120000" w="120000">
+                <a:moveTo>
+                  <a:pt x="0" y="0"/>
+                </a:moveTo>
+                <a:lnTo>
+                  <a:pt x="120000" y="0"/>
+                </a:lnTo>
+                <a:lnTo>
+                  <a:pt x="120000" y="120000"/>
+                </a:lnTo>
+                <a:lnTo>
+                  <a:pt x="0" y="120000"/>
+                </a:lnTo>
+                <a:close/>
+              </a:path>
+            </a:pathLst>
+          </a:custGeom>
+        </p:spPr>
+      </p:sp>
+      <p:sp>
+        <p:nvSpPr>
+          <p:cNvPr id="186" name="Google Shape;186;g56b6060828_0_16:notes"/>
+          <p:cNvSpPr txBox="1"/>
+          <p:nvPr>
+            <p:ph idx="1" type="body"/>
+          </p:nvPr>
+        </p:nvSpPr>
+        <p:spPr>
+          <a:xfrm>
+            <a:off x="685800" y="4343400"/>
+            <a:ext cx="5486400" cy="4114800"/>
+          </a:xfrm>
+          <a:prstGeom prst="rect">
+            <a:avLst/>
+          </a:prstGeom>
+        </p:spPr>
+        <p:txBody>
+          <a:bodyPr anchorCtr="0" anchor="t" bIns="91425" lIns="91425" spcFirstLastPara="1" rIns="91425" wrap="square" tIns="91425">
+            <a:noAutofit/>
+          </a:bodyPr>
+          <a:lstStyle/>
+          <a:p>
+            <a:pPr indent="0" lvl="0" marL="0" rtl="0" algn="l">
+              <a:spcBef>
+                <a:spcPts val="0"/>
+              </a:spcBef>
+              <a:spcAft>
+                <a:spcPts val="0"/>
+              </a:spcAft>
+              <a:buNone/>
+            </a:pPr>
+            <a:r>
+              <a:t/>
+            </a:r>
+            <a:endParaRPr/>
+          </a:p>
+        </p:txBody>
+      </p:sp>
+    </p:spTree>
+  </p:cSld>
+  <p:clrMapOvr>
+    <a:masterClrMapping/>
+  </p:clrMapOvr>
+</p:notes>
+</file>
+
+<file path=ppt/notesSlides/notesSlide24.xml><?xml version="1.0" encoding="utf-8"?>
+<p:notes xmlns:a="http://schemas.openxmlformats.org/drawingml/2006/main" xmlns:r="http://schemas.openxmlformats.org/officeDocument/2006/relationships" xmlns:mc="http://schemas.openxmlformats.org/markup-compatibility/2006" xmlns:mv="urn:schemas-microsoft-com:mac:vml" xmlns:p="http://schemas.openxmlformats.org/presentationml/2006/main" xmlns:c="http://schemas.openxmlformats.org/drawingml/2006/chart" xmlns:dgm="http://schemas.openxmlformats.org/drawingml/2006/diagram" xmlns:o="urn:schemas-microsoft-com:office:office" xmlns:v="urn:schemas-microsoft-com:vml" xmlns:pvml="urn:schemas-microsoft-com:office:powerpoint" xmlns:com="http://schemas.openxmlformats.org/drawingml/2006/compatibility" xmlns:p14="http://schemas.microsoft.com/office/powerpoint/2010/main" xmlns:p15="http://schemas.microsoft.com/office/powerpoint/2012/main" showMasterPhAnim="0" showMasterSp="0">
+  <p:cSld>
+    <p:spTree>
+      <p:nvGrpSpPr>
+        <p:cNvPr id="190" name="Shape 190"/>
+        <p:cNvGrpSpPr/>
+        <p:nvPr/>
+      </p:nvGrpSpPr>
+      <p:grpSpPr>
+        <a:xfrm>
+          <a:off x="0" y="0"/>
+          <a:ext cx="0" cy="0"/>
+          <a:chOff x="0" y="0"/>
+          <a:chExt cx="0" cy="0"/>
+        </a:xfrm>
+      </p:grpSpPr>
+      <p:sp>
+        <p:nvSpPr>
+          <p:cNvPr id="191" name="Google Shape;191;g5832215369_0_42:notes"/>
+          <p:cNvSpPr/>
+          <p:nvPr>
+            <p:ph idx="2" type="sldImg"/>
+          </p:nvPr>
+        </p:nvSpPr>
+        <p:spPr>
+          <a:xfrm>
+            <a:off x="381300" y="685800"/>
+            <a:ext cx="6096000" cy="3429000"/>
+          </a:xfrm>
+          <a:custGeom>
+            <a:rect b="b" l="l" r="r" t="t"/>
+            <a:pathLst>
+              <a:path extrusionOk="0" h="120000" w="120000">
+                <a:moveTo>
+                  <a:pt x="0" y="0"/>
+                </a:moveTo>
+                <a:lnTo>
+                  <a:pt x="120000" y="0"/>
+                </a:lnTo>
+                <a:lnTo>
+                  <a:pt x="120000" y="120000"/>
+                </a:lnTo>
+                <a:lnTo>
+                  <a:pt x="0" y="120000"/>
+                </a:lnTo>
+                <a:close/>
+              </a:path>
+            </a:pathLst>
+          </a:custGeom>
+        </p:spPr>
+      </p:sp>
+      <p:sp>
+        <p:nvSpPr>
+          <p:cNvPr id="192" name="Google Shape;192;g5832215369_0_42:notes"/>
+          <p:cNvSpPr txBox="1"/>
+          <p:nvPr>
+            <p:ph idx="1" type="body"/>
+          </p:nvPr>
+        </p:nvSpPr>
+        <p:spPr>
+          <a:xfrm>
+            <a:off x="685800" y="4343400"/>
+            <a:ext cx="5486400" cy="4114800"/>
+          </a:xfrm>
+          <a:prstGeom prst="rect">
+            <a:avLst/>
+          </a:prstGeom>
+        </p:spPr>
+        <p:txBody>
+          <a:bodyPr anchorCtr="0" anchor="t" bIns="91425" lIns="91425" spcFirstLastPara="1" rIns="91425" wrap="square" tIns="91425">
+            <a:noAutofit/>
+          </a:bodyPr>
+          <a:lstStyle/>
+          <a:p>
+            <a:pPr indent="0" lvl="0" marL="0" rtl="0" algn="l">
+              <a:spcBef>
+                <a:spcPts val="0"/>
+              </a:spcBef>
+              <a:spcAft>
+                <a:spcPts val="0"/>
+              </a:spcAft>
+              <a:buNone/>
+            </a:pPr>
+            <a:r>
+              <a:t/>
+            </a:r>
+            <a:endParaRPr/>
+          </a:p>
+        </p:txBody>
+      </p:sp>
+    </p:spTree>
+  </p:cSld>
+  <p:clrMapOvr>
+    <a:masterClrMapping/>
+  </p:clrMapOvr>
+</p:notes>
+</file>
+
+<file path=ppt/notesSlides/notesSlide25.xml><?xml version="1.0" encoding="utf-8"?>
+<p:notes xmlns:a="http://schemas.openxmlformats.org/drawingml/2006/main" xmlns:r="http://schemas.openxmlformats.org/officeDocument/2006/relationships" xmlns:mc="http://schemas.openxmlformats.org/markup-compatibility/2006" xmlns:mv="urn:schemas-microsoft-com:mac:vml" xmlns:p="http://schemas.openxmlformats.org/presentationml/2006/main" xmlns:c="http://schemas.openxmlformats.org/drawingml/2006/chart" xmlns:dgm="http://schemas.openxmlformats.org/drawingml/2006/diagram" xmlns:o="urn:schemas-microsoft-com:office:office" xmlns:v="urn:schemas-microsoft-com:vml" xmlns:pvml="urn:schemas-microsoft-com:office:powerpoint" xmlns:com="http://schemas.openxmlformats.org/drawingml/2006/compatibility" xmlns:p14="http://schemas.microsoft.com/office/powerpoint/2010/main" xmlns:p15="http://schemas.microsoft.com/office/powerpoint/2012/main" showMasterPhAnim="0" showMasterSp="0">
+  <p:cSld>
+    <p:spTree>
+      <p:nvGrpSpPr>
+        <p:cNvPr id="196" name="Shape 196"/>
+        <p:cNvGrpSpPr/>
+        <p:nvPr/>
+      </p:nvGrpSpPr>
+      <p:grpSpPr>
+        <a:xfrm>
+          <a:off x="0" y="0"/>
+          <a:ext cx="0" cy="0"/>
+          <a:chOff x="0" y="0"/>
+          <a:chExt cx="0" cy="0"/>
+        </a:xfrm>
+      </p:grpSpPr>
+      <p:sp>
+        <p:nvSpPr>
+          <p:cNvPr id="197" name="Google Shape;197;g5832215369_0_10:notes"/>
+          <p:cNvSpPr/>
+          <p:nvPr>
+            <p:ph idx="2" type="sldImg"/>
+          </p:nvPr>
+        </p:nvSpPr>
+        <p:spPr>
+          <a:xfrm>
+            <a:off x="381300" y="685800"/>
+            <a:ext cx="6096000" cy="3429000"/>
+          </a:xfrm>
+          <a:custGeom>
+            <a:rect b="b" l="l" r="r" t="t"/>
+            <a:pathLst>
+              <a:path extrusionOk="0" h="120000" w="120000">
+                <a:moveTo>
+                  <a:pt x="0" y="0"/>
+                </a:moveTo>
+                <a:lnTo>
+                  <a:pt x="120000" y="0"/>
+                </a:lnTo>
+                <a:lnTo>
+                  <a:pt x="120000" y="120000"/>
+                </a:lnTo>
+                <a:lnTo>
+                  <a:pt x="0" y="120000"/>
+                </a:lnTo>
+                <a:close/>
+              </a:path>
+            </a:pathLst>
+          </a:custGeom>
+        </p:spPr>
+      </p:sp>
+      <p:sp>
+        <p:nvSpPr>
+          <p:cNvPr id="198" name="Google Shape;198;g5832215369_0_10:notes"/>
+          <p:cNvSpPr txBox="1"/>
+          <p:nvPr>
+            <p:ph idx="1" type="body"/>
+          </p:nvPr>
+        </p:nvSpPr>
+        <p:spPr>
+          <a:xfrm>
+            <a:off x="685800" y="4343400"/>
+            <a:ext cx="5486400" cy="4114800"/>
+          </a:xfrm>
+          <a:prstGeom prst="rect">
+            <a:avLst/>
+          </a:prstGeom>
+        </p:spPr>
+        <p:txBody>
+          <a:bodyPr anchorCtr="0" anchor="t" bIns="91425" lIns="91425" spcFirstLastPara="1" rIns="91425" wrap="square" tIns="91425">
+            <a:noAutofit/>
+          </a:bodyPr>
+          <a:lstStyle/>
+          <a:p>
+            <a:pPr indent="0" lvl="0" marL="0" rtl="0" algn="l">
+              <a:spcBef>
+                <a:spcPts val="0"/>
+              </a:spcBef>
+              <a:spcAft>
+                <a:spcPts val="0"/>
+              </a:spcAft>
+              <a:buNone/>
+            </a:pPr>
+            <a:r>
+              <a:t/>
+            </a:r>
+            <a:endParaRPr/>
+          </a:p>
+        </p:txBody>
+      </p:sp>
+    </p:spTree>
+  </p:cSld>
+  <p:clrMapOvr>
+    <a:masterClrMapping/>
+  </p:clrMapOvr>
+</p:notes>
+</file>
+
+<file path=ppt/notesSlides/notesSlide26.xml><?xml version="1.0" encoding="utf-8"?>
+<p:notes xmlns:a="http://schemas.openxmlformats.org/drawingml/2006/main" xmlns:r="http://schemas.openxmlformats.org/officeDocument/2006/relationships" xmlns:mc="http://schemas.openxmlformats.org/markup-compatibility/2006" xmlns:mv="urn:schemas-microsoft-com:mac:vml" xmlns:p="http://schemas.openxmlformats.org/presentationml/2006/main" xmlns:c="http://schemas.openxmlformats.org/drawingml/2006/chart" xmlns:dgm="http://schemas.openxmlformats.org/drawingml/2006/diagram" xmlns:o="urn:schemas-microsoft-com:office:office" xmlns:v="urn:schemas-microsoft-com:vml" xmlns:pvml="urn:schemas-microsoft-com:office:powerpoint" xmlns:com="http://schemas.openxmlformats.org/drawingml/2006/compatibility" xmlns:p14="http://schemas.microsoft.com/office/powerpoint/2010/main" xmlns:p15="http://schemas.microsoft.com/office/powerpoint/2012/main" showMasterPhAnim="0" showMasterSp="0">
+  <p:cSld>
+    <p:spTree>
+      <p:nvGrpSpPr>
+        <p:cNvPr id="201" name="Shape 201"/>
+        <p:cNvGrpSpPr/>
+        <p:nvPr/>
+      </p:nvGrpSpPr>
+      <p:grpSpPr>
+        <a:xfrm>
+          <a:off x="0" y="0"/>
+          <a:ext cx="0" cy="0"/>
+          <a:chOff x="0" y="0"/>
+          <a:chExt cx="0" cy="0"/>
+        </a:xfrm>
+      </p:grpSpPr>
+      <p:sp>
+        <p:nvSpPr>
+          <p:cNvPr id="202" name="Google Shape;202;g5832215369_0_15:notes"/>
+          <p:cNvSpPr/>
+          <p:nvPr>
+            <p:ph idx="2" type="sldImg"/>
+          </p:nvPr>
+        </p:nvSpPr>
+        <p:spPr>
+          <a:xfrm>
+            <a:off x="381300" y="685800"/>
+            <a:ext cx="6096000" cy="3429000"/>
+          </a:xfrm>
+          <a:custGeom>
+            <a:rect b="b" l="l" r="r" t="t"/>
+            <a:pathLst>
+              <a:path extrusionOk="0" h="120000" w="120000">
+                <a:moveTo>
+                  <a:pt x="0" y="0"/>
+                </a:moveTo>
+                <a:lnTo>
+                  <a:pt x="120000" y="0"/>
+                </a:lnTo>
+                <a:lnTo>
+                  <a:pt x="120000" y="120000"/>
+                </a:lnTo>
+                <a:lnTo>
+                  <a:pt x="0" y="120000"/>
+                </a:lnTo>
+                <a:close/>
+              </a:path>
+            </a:pathLst>
+          </a:custGeom>
+        </p:spPr>
+      </p:sp>
+      <p:sp>
+        <p:nvSpPr>
+          <p:cNvPr id="203" name="Google Shape;203;g5832215369_0_15:notes"/>
+          <p:cNvSpPr txBox="1"/>
+          <p:nvPr>
+            <p:ph idx="1" type="body"/>
+          </p:nvPr>
+        </p:nvSpPr>
+        <p:spPr>
+          <a:xfrm>
+            <a:off x="685800" y="4343400"/>
+            <a:ext cx="5486400" cy="4114800"/>
+          </a:xfrm>
+          <a:prstGeom prst="rect">
+            <a:avLst/>
+          </a:prstGeom>
+        </p:spPr>
+        <p:txBody>
+          <a:bodyPr anchorCtr="0" anchor="t" bIns="91425" lIns="91425" spcFirstLastPara="1" rIns="91425" wrap="square" tIns="91425">
+            <a:noAutofit/>
+          </a:bodyPr>
+          <a:lstStyle/>
+          <a:p>
+            <a:pPr indent="0" lvl="0" marL="0" rtl="0" algn="l">
+              <a:spcBef>
+                <a:spcPts val="0"/>
+              </a:spcBef>
+              <a:spcAft>
+                <a:spcPts val="0"/>
+              </a:spcAft>
+              <a:buNone/>
+            </a:pPr>
+            <a:r>
+              <a:t/>
+            </a:r>
+            <a:endParaRPr/>
+          </a:p>
+        </p:txBody>
+      </p:sp>
+    </p:spTree>
+  </p:cSld>
+  <p:clrMapOvr>
+    <a:masterClrMapping/>
+  </p:clrMapOvr>
+</p:notes>
+</file>
+
+<file path=ppt/notesSlides/notesSlide27.xml><?xml version="1.0" encoding="utf-8"?>
+<p:notes xmlns:a="http://schemas.openxmlformats.org/drawingml/2006/main" xmlns:r="http://schemas.openxmlformats.org/officeDocument/2006/relationships" xmlns:mc="http://schemas.openxmlformats.org/markup-compatibility/2006" xmlns:mv="urn:schemas-microsoft-com:mac:vml" xmlns:p="http://schemas.openxmlformats.org/presentationml/2006/main" xmlns:c="http://schemas.openxmlformats.org/drawingml/2006/chart" xmlns:dgm="http://schemas.openxmlformats.org/drawingml/2006/diagram" xmlns:o="urn:schemas-microsoft-com:office:office" xmlns:v="urn:schemas-microsoft-com:vml" xmlns:pvml="urn:schemas-microsoft-com:office:powerpoint" xmlns:com="http://schemas.openxmlformats.org/drawingml/2006/compatibility" xmlns:p14="http://schemas.microsoft.com/office/powerpoint/2010/main" xmlns:p15="http://schemas.microsoft.com/office/powerpoint/2012/main" showMasterPhAnim="0" showMasterSp="0">
+  <p:cSld>
+    <p:spTree>
+      <p:nvGrpSpPr>
+        <p:cNvPr id="206" name="Shape 206"/>
+        <p:cNvGrpSpPr/>
+        <p:nvPr/>
+      </p:nvGrpSpPr>
+      <p:grpSpPr>
+        <a:xfrm>
+          <a:off x="0" y="0"/>
+          <a:ext cx="0" cy="0"/>
+          <a:chOff x="0" y="0"/>
+          <a:chExt cx="0" cy="0"/>
+        </a:xfrm>
+      </p:grpSpPr>
+      <p:sp>
+        <p:nvSpPr>
+          <p:cNvPr id="207" name="Google Shape;207;g5832215369_0_20:notes"/>
+          <p:cNvSpPr/>
+          <p:nvPr>
+            <p:ph idx="2" type="sldImg"/>
+          </p:nvPr>
+        </p:nvSpPr>
+        <p:spPr>
+          <a:xfrm>
+            <a:off x="381300" y="685800"/>
+            <a:ext cx="6096000" cy="3429000"/>
+          </a:xfrm>
+          <a:custGeom>
+            <a:rect b="b" l="l" r="r" t="t"/>
+            <a:pathLst>
+              <a:path extrusionOk="0" h="120000" w="120000">
+                <a:moveTo>
+                  <a:pt x="0" y="0"/>
+                </a:moveTo>
+                <a:lnTo>
+                  <a:pt x="120000" y="0"/>
+                </a:lnTo>
+                <a:lnTo>
+                  <a:pt x="120000" y="120000"/>
+                </a:lnTo>
+                <a:lnTo>
+                  <a:pt x="0" y="120000"/>
+                </a:lnTo>
+                <a:close/>
+              </a:path>
+            </a:pathLst>
+          </a:custGeom>
+        </p:spPr>
+      </p:sp>
+      <p:sp>
+        <p:nvSpPr>
+          <p:cNvPr id="208" name="Google Shape;208;g5832215369_0_20:notes"/>
+          <p:cNvSpPr txBox="1"/>
+          <p:nvPr>
+            <p:ph idx="1" type="body"/>
+          </p:nvPr>
+        </p:nvSpPr>
+        <p:spPr>
+          <a:xfrm>
+            <a:off x="685800" y="4343400"/>
+            <a:ext cx="5486400" cy="4114800"/>
+          </a:xfrm>
+          <a:prstGeom prst="rect">
+            <a:avLst/>
+          </a:prstGeom>
+        </p:spPr>
+        <p:txBody>
+          <a:bodyPr anchorCtr="0" anchor="t" bIns="91425" lIns="91425" spcFirstLastPara="1" rIns="91425" wrap="square" tIns="91425">
+            <a:noAutofit/>
+          </a:bodyPr>
+          <a:lstStyle/>
+          <a:p>
+            <a:pPr indent="0" lvl="0" marL="0" rtl="0" algn="l">
+              <a:spcBef>
+                <a:spcPts val="0"/>
+              </a:spcBef>
+              <a:spcAft>
+                <a:spcPts val="0"/>
+              </a:spcAft>
+              <a:buNone/>
+            </a:pPr>
+            <a:r>
+              <a:t/>
+            </a:r>
+            <a:endParaRPr/>
+          </a:p>
+        </p:txBody>
+      </p:sp>
+    </p:spTree>
+  </p:cSld>
+  <p:clrMapOvr>
+    <a:masterClrMapping/>
+  </p:clrMapOvr>
+</p:notes>
+</file>
+
+<file path=ppt/notesSlides/notesSlide28.xml><?xml version="1.0" encoding="utf-8"?>
+<p:notes xmlns:a="http://schemas.openxmlformats.org/drawingml/2006/main" xmlns:r="http://schemas.openxmlformats.org/officeDocument/2006/relationships" xmlns:mc="http://schemas.openxmlformats.org/markup-compatibility/2006" xmlns:mv="urn:schemas-microsoft-com:mac:vml" xmlns:p="http://schemas.openxmlformats.org/presentationml/2006/main" xmlns:c="http://schemas.openxmlformats.org/drawingml/2006/chart" xmlns:dgm="http://schemas.openxmlformats.org/drawingml/2006/diagram" xmlns:o="urn:schemas-microsoft-com:office:office" xmlns:v="urn:schemas-microsoft-com:vml" xmlns:pvml="urn:schemas-microsoft-com:office:powerpoint" xmlns:com="http://schemas.openxmlformats.org/drawingml/2006/compatibility" xmlns:p14="http://schemas.microsoft.com/office/powerpoint/2010/main" xmlns:p15="http://schemas.microsoft.com/office/powerpoint/2012/main" showMasterPhAnim="0" showMasterSp="0">
+  <p:cSld>
+    <p:spTree>
+      <p:nvGrpSpPr>
+        <p:cNvPr id="211" name="Shape 211"/>
+        <p:cNvGrpSpPr/>
+        <p:nvPr/>
+      </p:nvGrpSpPr>
+      <p:grpSpPr>
+        <a:xfrm>
+          <a:off x="0" y="0"/>
+          <a:ext cx="0" cy="0"/>
+          <a:chOff x="0" y="0"/>
+          <a:chExt cx="0" cy="0"/>
+        </a:xfrm>
+      </p:grpSpPr>
+      <p:sp>
+        <p:nvSpPr>
+          <p:cNvPr id="212" name="Google Shape;212;g5832215369_0_25:notes"/>
+          <p:cNvSpPr/>
+          <p:nvPr>
+            <p:ph idx="2" type="sldImg"/>
+          </p:nvPr>
+        </p:nvSpPr>
+        <p:spPr>
+          <a:xfrm>
+            <a:off x="381300" y="685800"/>
+            <a:ext cx="6096000" cy="3429000"/>
+          </a:xfrm>
+          <a:custGeom>
+            <a:rect b="b" l="l" r="r" t="t"/>
+            <a:pathLst>
+              <a:path extrusionOk="0" h="120000" w="120000">
+                <a:moveTo>
+                  <a:pt x="0" y="0"/>
+                </a:moveTo>
+                <a:lnTo>
+                  <a:pt x="120000" y="0"/>
+                </a:lnTo>
+                <a:lnTo>
+                  <a:pt x="120000" y="120000"/>
+                </a:lnTo>
+                <a:lnTo>
+                  <a:pt x="0" y="120000"/>
+                </a:lnTo>
+                <a:close/>
+              </a:path>
+            </a:pathLst>
+          </a:custGeom>
+        </p:spPr>
+      </p:sp>
+      <p:sp>
+        <p:nvSpPr>
+          <p:cNvPr id="213" name="Google Shape;213;g5832215369_0_25:notes"/>
+          <p:cNvSpPr txBox="1"/>
+          <p:nvPr>
+            <p:ph idx="1" type="body"/>
+          </p:nvPr>
+        </p:nvSpPr>
+        <p:spPr>
+          <a:xfrm>
+            <a:off x="685800" y="4343400"/>
+            <a:ext cx="5486400" cy="4114800"/>
+          </a:xfrm>
+          <a:prstGeom prst="rect">
+            <a:avLst/>
+          </a:prstGeom>
+        </p:spPr>
+        <p:txBody>
+          <a:bodyPr anchorCtr="0" anchor="t" bIns="91425" lIns="91425" spcFirstLastPara="1" rIns="91425" wrap="square" tIns="91425">
+            <a:noAutofit/>
+          </a:bodyPr>
+          <a:lstStyle/>
+          <a:p>
+            <a:pPr indent="0" lvl="0" marL="0" rtl="0" algn="l">
+              <a:spcBef>
+                <a:spcPts val="0"/>
+              </a:spcBef>
+              <a:spcAft>
+                <a:spcPts val="0"/>
+              </a:spcAft>
+              <a:buNone/>
+            </a:pPr>
+            <a:r>
+              <a:t/>
+            </a:r>
+            <a:endParaRPr/>
+          </a:p>
+        </p:txBody>
+      </p:sp>
+    </p:spTree>
+  </p:cSld>
+  <p:clrMapOvr>
+    <a:masterClrMapping/>
+  </p:clrMapOvr>
+</p:notes>
+</file>
+
+<file path=ppt/notesSlides/notesSlide29.xml><?xml version="1.0" encoding="utf-8"?>
+<p:notes xmlns:a="http://schemas.openxmlformats.org/drawingml/2006/main" xmlns:r="http://schemas.openxmlformats.org/officeDocument/2006/relationships" xmlns:mc="http://schemas.openxmlformats.org/markup-compatibility/2006" xmlns:mv="urn:schemas-microsoft-com:mac:vml" xmlns:p="http://schemas.openxmlformats.org/presentationml/2006/main" xmlns:c="http://schemas.openxmlformats.org/drawingml/2006/chart" xmlns:dgm="http://schemas.openxmlformats.org/drawingml/2006/diagram" xmlns:o="urn:schemas-microsoft-com:office:office" xmlns:v="urn:schemas-microsoft-com:vml" xmlns:pvml="urn:schemas-microsoft-com:office:powerpoint" xmlns:com="http://schemas.openxmlformats.org/drawingml/2006/compatibility" xmlns:p14="http://schemas.microsoft.com/office/powerpoint/2010/main" xmlns:p15="http://schemas.microsoft.com/office/powerpoint/2012/main" showMasterPhAnim="0" showMasterSp="0">
+  <p:cSld>
+    <p:spTree>
+      <p:nvGrpSpPr>
+        <p:cNvPr id="216" name="Shape 216"/>
+        <p:cNvGrpSpPr/>
+        <p:nvPr/>
+      </p:nvGrpSpPr>
+      <p:grpSpPr>
+        <a:xfrm>
+          <a:off x="0" y="0"/>
+          <a:ext cx="0" cy="0"/>
+          <a:chOff x="0" y="0"/>
+          <a:chExt cx="0" cy="0"/>
+        </a:xfrm>
+      </p:grpSpPr>
+      <p:sp>
+        <p:nvSpPr>
+          <p:cNvPr id="217" name="Google Shape;217;g5832215369_0_29:notes"/>
+          <p:cNvSpPr/>
+          <p:nvPr>
+            <p:ph idx="2" type="sldImg"/>
+          </p:nvPr>
+        </p:nvSpPr>
+        <p:spPr>
+          <a:xfrm>
+            <a:off x="381300" y="685800"/>
+            <a:ext cx="6096000" cy="3429000"/>
+          </a:xfrm>
+          <a:custGeom>
+            <a:rect b="b" l="l" r="r" t="t"/>
+            <a:pathLst>
+              <a:path extrusionOk="0" h="120000" w="120000">
+                <a:moveTo>
+                  <a:pt x="0" y="0"/>
+                </a:moveTo>
+                <a:lnTo>
+                  <a:pt x="120000" y="0"/>
+                </a:lnTo>
+                <a:lnTo>
+                  <a:pt x="120000" y="120000"/>
+                </a:lnTo>
+                <a:lnTo>
+                  <a:pt x="0" y="120000"/>
+                </a:lnTo>
+                <a:close/>
+              </a:path>
+            </a:pathLst>
+          </a:custGeom>
+        </p:spPr>
+      </p:sp>
+      <p:sp>
+        <p:nvSpPr>
+          <p:cNvPr id="218" name="Google Shape;218;g5832215369_0_29:notes"/>
           <p:cNvSpPr txBox="1"/>
           <p:nvPr>
             <p:ph idx="1" type="body"/>
@@ -2089,6 +3000,996 @@
 </p:notes>
 </file>
 
+<file path=ppt/notesSlides/notesSlide30.xml><?xml version="1.0" encoding="utf-8"?>
+<p:notes xmlns:a="http://schemas.openxmlformats.org/drawingml/2006/main" xmlns:r="http://schemas.openxmlformats.org/officeDocument/2006/relationships" xmlns:mc="http://schemas.openxmlformats.org/markup-compatibility/2006" xmlns:mv="urn:schemas-microsoft-com:mac:vml" xmlns:p="http://schemas.openxmlformats.org/presentationml/2006/main" xmlns:c="http://schemas.openxmlformats.org/drawingml/2006/chart" xmlns:dgm="http://schemas.openxmlformats.org/drawingml/2006/diagram" xmlns:o="urn:schemas-microsoft-com:office:office" xmlns:v="urn:schemas-microsoft-com:vml" xmlns:pvml="urn:schemas-microsoft-com:office:powerpoint" xmlns:com="http://schemas.openxmlformats.org/drawingml/2006/compatibility" xmlns:p14="http://schemas.microsoft.com/office/powerpoint/2010/main" xmlns:p15="http://schemas.microsoft.com/office/powerpoint/2012/main" showMasterPhAnim="0" showMasterSp="0">
+  <p:cSld>
+    <p:spTree>
+      <p:nvGrpSpPr>
+        <p:cNvPr id="221" name="Shape 221"/>
+        <p:cNvGrpSpPr/>
+        <p:nvPr/>
+      </p:nvGrpSpPr>
+      <p:grpSpPr>
+        <a:xfrm>
+          <a:off x="0" y="0"/>
+          <a:ext cx="0" cy="0"/>
+          <a:chOff x="0" y="0"/>
+          <a:chExt cx="0" cy="0"/>
+        </a:xfrm>
+      </p:grpSpPr>
+      <p:sp>
+        <p:nvSpPr>
+          <p:cNvPr id="222" name="Google Shape;222;g5832215369_0_33:notes"/>
+          <p:cNvSpPr/>
+          <p:nvPr>
+            <p:ph idx="2" type="sldImg"/>
+          </p:nvPr>
+        </p:nvSpPr>
+        <p:spPr>
+          <a:xfrm>
+            <a:off x="381300" y="685800"/>
+            <a:ext cx="6096000" cy="3429000"/>
+          </a:xfrm>
+          <a:custGeom>
+            <a:rect b="b" l="l" r="r" t="t"/>
+            <a:pathLst>
+              <a:path extrusionOk="0" h="120000" w="120000">
+                <a:moveTo>
+                  <a:pt x="0" y="0"/>
+                </a:moveTo>
+                <a:lnTo>
+                  <a:pt x="120000" y="0"/>
+                </a:lnTo>
+                <a:lnTo>
+                  <a:pt x="120000" y="120000"/>
+                </a:lnTo>
+                <a:lnTo>
+                  <a:pt x="0" y="120000"/>
+                </a:lnTo>
+                <a:close/>
+              </a:path>
+            </a:pathLst>
+          </a:custGeom>
+        </p:spPr>
+      </p:sp>
+      <p:sp>
+        <p:nvSpPr>
+          <p:cNvPr id="223" name="Google Shape;223;g5832215369_0_33:notes"/>
+          <p:cNvSpPr txBox="1"/>
+          <p:nvPr>
+            <p:ph idx="1" type="body"/>
+          </p:nvPr>
+        </p:nvSpPr>
+        <p:spPr>
+          <a:xfrm>
+            <a:off x="685800" y="4343400"/>
+            <a:ext cx="5486400" cy="4114800"/>
+          </a:xfrm>
+          <a:prstGeom prst="rect">
+            <a:avLst/>
+          </a:prstGeom>
+        </p:spPr>
+        <p:txBody>
+          <a:bodyPr anchorCtr="0" anchor="t" bIns="91425" lIns="91425" spcFirstLastPara="1" rIns="91425" wrap="square" tIns="91425">
+            <a:noAutofit/>
+          </a:bodyPr>
+          <a:lstStyle/>
+          <a:p>
+            <a:pPr indent="0" lvl="0" marL="0" rtl="0" algn="l">
+              <a:spcBef>
+                <a:spcPts val="0"/>
+              </a:spcBef>
+              <a:spcAft>
+                <a:spcPts val="0"/>
+              </a:spcAft>
+              <a:buNone/>
+            </a:pPr>
+            <a:r>
+              <a:t/>
+            </a:r>
+            <a:endParaRPr/>
+          </a:p>
+        </p:txBody>
+      </p:sp>
+    </p:spTree>
+  </p:cSld>
+  <p:clrMapOvr>
+    <a:masterClrMapping/>
+  </p:clrMapOvr>
+</p:notes>
+</file>
+
+<file path=ppt/notesSlides/notesSlide31.xml><?xml version="1.0" encoding="utf-8"?>
+<p:notes xmlns:a="http://schemas.openxmlformats.org/drawingml/2006/main" xmlns:r="http://schemas.openxmlformats.org/officeDocument/2006/relationships" xmlns:mc="http://schemas.openxmlformats.org/markup-compatibility/2006" xmlns:mv="urn:schemas-microsoft-com:mac:vml" xmlns:p="http://schemas.openxmlformats.org/presentationml/2006/main" xmlns:c="http://schemas.openxmlformats.org/drawingml/2006/chart" xmlns:dgm="http://schemas.openxmlformats.org/drawingml/2006/diagram" xmlns:o="urn:schemas-microsoft-com:office:office" xmlns:v="urn:schemas-microsoft-com:vml" xmlns:pvml="urn:schemas-microsoft-com:office:powerpoint" xmlns:com="http://schemas.openxmlformats.org/drawingml/2006/compatibility" xmlns:p14="http://schemas.microsoft.com/office/powerpoint/2010/main" xmlns:p15="http://schemas.microsoft.com/office/powerpoint/2012/main" showMasterPhAnim="0" showMasterSp="0">
+  <p:cSld>
+    <p:spTree>
+      <p:nvGrpSpPr>
+        <p:cNvPr id="226" name="Shape 226"/>
+        <p:cNvGrpSpPr/>
+        <p:nvPr/>
+      </p:nvGrpSpPr>
+      <p:grpSpPr>
+        <a:xfrm>
+          <a:off x="0" y="0"/>
+          <a:ext cx="0" cy="0"/>
+          <a:chOff x="0" y="0"/>
+          <a:chExt cx="0" cy="0"/>
+        </a:xfrm>
+      </p:grpSpPr>
+      <p:sp>
+        <p:nvSpPr>
+          <p:cNvPr id="227" name="Google Shape;227;g5832215369_0_38:notes"/>
+          <p:cNvSpPr/>
+          <p:nvPr>
+            <p:ph idx="2" type="sldImg"/>
+          </p:nvPr>
+        </p:nvSpPr>
+        <p:spPr>
+          <a:xfrm>
+            <a:off x="381300" y="685800"/>
+            <a:ext cx="6096000" cy="3429000"/>
+          </a:xfrm>
+          <a:custGeom>
+            <a:rect b="b" l="l" r="r" t="t"/>
+            <a:pathLst>
+              <a:path extrusionOk="0" h="120000" w="120000">
+                <a:moveTo>
+                  <a:pt x="0" y="0"/>
+                </a:moveTo>
+                <a:lnTo>
+                  <a:pt x="120000" y="0"/>
+                </a:lnTo>
+                <a:lnTo>
+                  <a:pt x="120000" y="120000"/>
+                </a:lnTo>
+                <a:lnTo>
+                  <a:pt x="0" y="120000"/>
+                </a:lnTo>
+                <a:close/>
+              </a:path>
+            </a:pathLst>
+          </a:custGeom>
+        </p:spPr>
+      </p:sp>
+      <p:sp>
+        <p:nvSpPr>
+          <p:cNvPr id="228" name="Google Shape;228;g5832215369_0_38:notes"/>
+          <p:cNvSpPr txBox="1"/>
+          <p:nvPr>
+            <p:ph idx="1" type="body"/>
+          </p:nvPr>
+        </p:nvSpPr>
+        <p:spPr>
+          <a:xfrm>
+            <a:off x="685800" y="4343400"/>
+            <a:ext cx="5486400" cy="4114800"/>
+          </a:xfrm>
+          <a:prstGeom prst="rect">
+            <a:avLst/>
+          </a:prstGeom>
+        </p:spPr>
+        <p:txBody>
+          <a:bodyPr anchorCtr="0" anchor="t" bIns="91425" lIns="91425" spcFirstLastPara="1" rIns="91425" wrap="square" tIns="91425">
+            <a:noAutofit/>
+          </a:bodyPr>
+          <a:lstStyle/>
+          <a:p>
+            <a:pPr indent="0" lvl="0" marL="0" rtl="0" algn="l">
+              <a:spcBef>
+                <a:spcPts val="0"/>
+              </a:spcBef>
+              <a:spcAft>
+                <a:spcPts val="0"/>
+              </a:spcAft>
+              <a:buNone/>
+            </a:pPr>
+            <a:r>
+              <a:t/>
+            </a:r>
+            <a:endParaRPr/>
+          </a:p>
+        </p:txBody>
+      </p:sp>
+    </p:spTree>
+  </p:cSld>
+  <p:clrMapOvr>
+    <a:masterClrMapping/>
+  </p:clrMapOvr>
+</p:notes>
+</file>
+
+<file path=ppt/notesSlides/notesSlide32.xml><?xml version="1.0" encoding="utf-8"?>
+<p:notes xmlns:a="http://schemas.openxmlformats.org/drawingml/2006/main" xmlns:r="http://schemas.openxmlformats.org/officeDocument/2006/relationships" xmlns:mc="http://schemas.openxmlformats.org/markup-compatibility/2006" xmlns:mv="urn:schemas-microsoft-com:mac:vml" xmlns:p="http://schemas.openxmlformats.org/presentationml/2006/main" xmlns:c="http://schemas.openxmlformats.org/drawingml/2006/chart" xmlns:dgm="http://schemas.openxmlformats.org/drawingml/2006/diagram" xmlns:o="urn:schemas-microsoft-com:office:office" xmlns:v="urn:schemas-microsoft-com:vml" xmlns:pvml="urn:schemas-microsoft-com:office:powerpoint" xmlns:com="http://schemas.openxmlformats.org/drawingml/2006/compatibility" xmlns:p14="http://schemas.microsoft.com/office/powerpoint/2010/main" xmlns:p15="http://schemas.microsoft.com/office/powerpoint/2012/main" showMasterPhAnim="0" showMasterSp="0">
+  <p:cSld>
+    <p:spTree>
+      <p:nvGrpSpPr>
+        <p:cNvPr id="231" name="Shape 231"/>
+        <p:cNvGrpSpPr/>
+        <p:nvPr/>
+      </p:nvGrpSpPr>
+      <p:grpSpPr>
+        <a:xfrm>
+          <a:off x="0" y="0"/>
+          <a:ext cx="0" cy="0"/>
+          <a:chOff x="0" y="0"/>
+          <a:chExt cx="0" cy="0"/>
+        </a:xfrm>
+      </p:grpSpPr>
+      <p:sp>
+        <p:nvSpPr>
+          <p:cNvPr id="232" name="Google Shape;232;g56b6060828_0_0:notes"/>
+          <p:cNvSpPr/>
+          <p:nvPr>
+            <p:ph idx="2" type="sldImg"/>
+          </p:nvPr>
+        </p:nvSpPr>
+        <p:spPr>
+          <a:xfrm>
+            <a:off x="381300" y="685800"/>
+            <a:ext cx="6096000" cy="3429000"/>
+          </a:xfrm>
+          <a:custGeom>
+            <a:rect b="b" l="l" r="r" t="t"/>
+            <a:pathLst>
+              <a:path extrusionOk="0" h="120000" w="120000">
+                <a:moveTo>
+                  <a:pt x="0" y="0"/>
+                </a:moveTo>
+                <a:lnTo>
+                  <a:pt x="120000" y="0"/>
+                </a:lnTo>
+                <a:lnTo>
+                  <a:pt x="120000" y="120000"/>
+                </a:lnTo>
+                <a:lnTo>
+                  <a:pt x="0" y="120000"/>
+                </a:lnTo>
+                <a:close/>
+              </a:path>
+            </a:pathLst>
+          </a:custGeom>
+        </p:spPr>
+      </p:sp>
+      <p:sp>
+        <p:nvSpPr>
+          <p:cNvPr id="233" name="Google Shape;233;g56b6060828_0_0:notes"/>
+          <p:cNvSpPr txBox="1"/>
+          <p:nvPr>
+            <p:ph idx="1" type="body"/>
+          </p:nvPr>
+        </p:nvSpPr>
+        <p:spPr>
+          <a:xfrm>
+            <a:off x="685800" y="4343400"/>
+            <a:ext cx="5486400" cy="4114800"/>
+          </a:xfrm>
+          <a:prstGeom prst="rect">
+            <a:avLst/>
+          </a:prstGeom>
+        </p:spPr>
+        <p:txBody>
+          <a:bodyPr anchorCtr="0" anchor="t" bIns="91425" lIns="91425" spcFirstLastPara="1" rIns="91425" wrap="square" tIns="91425">
+            <a:noAutofit/>
+          </a:bodyPr>
+          <a:lstStyle/>
+          <a:p>
+            <a:pPr indent="0" lvl="0" marL="0" rtl="0" algn="l">
+              <a:spcBef>
+                <a:spcPts val="0"/>
+              </a:spcBef>
+              <a:spcAft>
+                <a:spcPts val="0"/>
+              </a:spcAft>
+              <a:buNone/>
+            </a:pPr>
+            <a:r>
+              <a:t/>
+            </a:r>
+            <a:endParaRPr/>
+          </a:p>
+        </p:txBody>
+      </p:sp>
+    </p:spTree>
+  </p:cSld>
+  <p:clrMapOvr>
+    <a:masterClrMapping/>
+  </p:clrMapOvr>
+</p:notes>
+</file>
+
+<file path=ppt/notesSlides/notesSlide33.xml><?xml version="1.0" encoding="utf-8"?>
+<p:notes xmlns:a="http://schemas.openxmlformats.org/drawingml/2006/main" xmlns:r="http://schemas.openxmlformats.org/officeDocument/2006/relationships" xmlns:mc="http://schemas.openxmlformats.org/markup-compatibility/2006" xmlns:mv="urn:schemas-microsoft-com:mac:vml" xmlns:p="http://schemas.openxmlformats.org/presentationml/2006/main" xmlns:c="http://schemas.openxmlformats.org/drawingml/2006/chart" xmlns:dgm="http://schemas.openxmlformats.org/drawingml/2006/diagram" xmlns:o="urn:schemas-microsoft-com:office:office" xmlns:v="urn:schemas-microsoft-com:vml" xmlns:pvml="urn:schemas-microsoft-com:office:powerpoint" xmlns:com="http://schemas.openxmlformats.org/drawingml/2006/compatibility" xmlns:p14="http://schemas.microsoft.com/office/powerpoint/2010/main" xmlns:p15="http://schemas.microsoft.com/office/powerpoint/2012/main" showMasterPhAnim="0" showMasterSp="0">
+  <p:cSld>
+    <p:spTree>
+      <p:nvGrpSpPr>
+        <p:cNvPr id="236" name="Shape 236"/>
+        <p:cNvGrpSpPr/>
+        <p:nvPr/>
+      </p:nvGrpSpPr>
+      <p:grpSpPr>
+        <a:xfrm>
+          <a:off x="0" y="0"/>
+          <a:ext cx="0" cy="0"/>
+          <a:chOff x="0" y="0"/>
+          <a:chExt cx="0" cy="0"/>
+        </a:xfrm>
+      </p:grpSpPr>
+      <p:sp>
+        <p:nvSpPr>
+          <p:cNvPr id="237" name="Google Shape;237;g56b6060828_0_4:notes"/>
+          <p:cNvSpPr/>
+          <p:nvPr>
+            <p:ph idx="2" type="sldImg"/>
+          </p:nvPr>
+        </p:nvSpPr>
+        <p:spPr>
+          <a:xfrm>
+            <a:off x="381300" y="685800"/>
+            <a:ext cx="6096000" cy="3429000"/>
+          </a:xfrm>
+          <a:custGeom>
+            <a:rect b="b" l="l" r="r" t="t"/>
+            <a:pathLst>
+              <a:path extrusionOk="0" h="120000" w="120000">
+                <a:moveTo>
+                  <a:pt x="0" y="0"/>
+                </a:moveTo>
+                <a:lnTo>
+                  <a:pt x="120000" y="0"/>
+                </a:lnTo>
+                <a:lnTo>
+                  <a:pt x="120000" y="120000"/>
+                </a:lnTo>
+                <a:lnTo>
+                  <a:pt x="0" y="120000"/>
+                </a:lnTo>
+                <a:close/>
+              </a:path>
+            </a:pathLst>
+          </a:custGeom>
+        </p:spPr>
+      </p:sp>
+      <p:sp>
+        <p:nvSpPr>
+          <p:cNvPr id="238" name="Google Shape;238;g56b6060828_0_4:notes"/>
+          <p:cNvSpPr txBox="1"/>
+          <p:nvPr>
+            <p:ph idx="1" type="body"/>
+          </p:nvPr>
+        </p:nvSpPr>
+        <p:spPr>
+          <a:xfrm>
+            <a:off x="685800" y="4343400"/>
+            <a:ext cx="5486400" cy="4114800"/>
+          </a:xfrm>
+          <a:prstGeom prst="rect">
+            <a:avLst/>
+          </a:prstGeom>
+        </p:spPr>
+        <p:txBody>
+          <a:bodyPr anchorCtr="0" anchor="t" bIns="91425" lIns="91425" spcFirstLastPara="1" rIns="91425" wrap="square" tIns="91425">
+            <a:noAutofit/>
+          </a:bodyPr>
+          <a:lstStyle/>
+          <a:p>
+            <a:pPr indent="0" lvl="0" marL="0" rtl="0" algn="l">
+              <a:spcBef>
+                <a:spcPts val="0"/>
+              </a:spcBef>
+              <a:spcAft>
+                <a:spcPts val="0"/>
+              </a:spcAft>
+              <a:buNone/>
+            </a:pPr>
+            <a:r>
+              <a:t/>
+            </a:r>
+            <a:endParaRPr/>
+          </a:p>
+        </p:txBody>
+      </p:sp>
+    </p:spTree>
+  </p:cSld>
+  <p:clrMapOvr>
+    <a:masterClrMapping/>
+  </p:clrMapOvr>
+</p:notes>
+</file>
+
+<file path=ppt/notesSlides/notesSlide34.xml><?xml version="1.0" encoding="utf-8"?>
+<p:notes xmlns:a="http://schemas.openxmlformats.org/drawingml/2006/main" xmlns:r="http://schemas.openxmlformats.org/officeDocument/2006/relationships" xmlns:mc="http://schemas.openxmlformats.org/markup-compatibility/2006" xmlns:mv="urn:schemas-microsoft-com:mac:vml" xmlns:p="http://schemas.openxmlformats.org/presentationml/2006/main" xmlns:c="http://schemas.openxmlformats.org/drawingml/2006/chart" xmlns:dgm="http://schemas.openxmlformats.org/drawingml/2006/diagram" xmlns:o="urn:schemas-microsoft-com:office:office" xmlns:v="urn:schemas-microsoft-com:vml" xmlns:pvml="urn:schemas-microsoft-com:office:powerpoint" xmlns:com="http://schemas.openxmlformats.org/drawingml/2006/compatibility" xmlns:p14="http://schemas.microsoft.com/office/powerpoint/2010/main" xmlns:p15="http://schemas.microsoft.com/office/powerpoint/2012/main" showMasterPhAnim="0" showMasterSp="0">
+  <p:cSld>
+    <p:spTree>
+      <p:nvGrpSpPr>
+        <p:cNvPr id="241" name="Shape 241"/>
+        <p:cNvGrpSpPr/>
+        <p:nvPr/>
+      </p:nvGrpSpPr>
+      <p:grpSpPr>
+        <a:xfrm>
+          <a:off x="0" y="0"/>
+          <a:ext cx="0" cy="0"/>
+          <a:chOff x="0" y="0"/>
+          <a:chExt cx="0" cy="0"/>
+        </a:xfrm>
+      </p:grpSpPr>
+      <p:sp>
+        <p:nvSpPr>
+          <p:cNvPr id="242" name="Google Shape;242;g56b6060828_0_12:notes"/>
+          <p:cNvSpPr/>
+          <p:nvPr>
+            <p:ph idx="2" type="sldImg"/>
+          </p:nvPr>
+        </p:nvSpPr>
+        <p:spPr>
+          <a:xfrm>
+            <a:off x="381300" y="685800"/>
+            <a:ext cx="6096000" cy="3429000"/>
+          </a:xfrm>
+          <a:custGeom>
+            <a:rect b="b" l="l" r="r" t="t"/>
+            <a:pathLst>
+              <a:path extrusionOk="0" h="120000" w="120000">
+                <a:moveTo>
+                  <a:pt x="0" y="0"/>
+                </a:moveTo>
+                <a:lnTo>
+                  <a:pt x="120000" y="0"/>
+                </a:lnTo>
+                <a:lnTo>
+                  <a:pt x="120000" y="120000"/>
+                </a:lnTo>
+                <a:lnTo>
+                  <a:pt x="0" y="120000"/>
+                </a:lnTo>
+                <a:close/>
+              </a:path>
+            </a:pathLst>
+          </a:custGeom>
+        </p:spPr>
+      </p:sp>
+      <p:sp>
+        <p:nvSpPr>
+          <p:cNvPr id="243" name="Google Shape;243;g56b6060828_0_12:notes"/>
+          <p:cNvSpPr txBox="1"/>
+          <p:nvPr>
+            <p:ph idx="1" type="body"/>
+          </p:nvPr>
+        </p:nvSpPr>
+        <p:spPr>
+          <a:xfrm>
+            <a:off x="685800" y="4343400"/>
+            <a:ext cx="5486400" cy="4114800"/>
+          </a:xfrm>
+          <a:prstGeom prst="rect">
+            <a:avLst/>
+          </a:prstGeom>
+        </p:spPr>
+        <p:txBody>
+          <a:bodyPr anchorCtr="0" anchor="t" bIns="91425" lIns="91425" spcFirstLastPara="1" rIns="91425" wrap="square" tIns="91425">
+            <a:noAutofit/>
+          </a:bodyPr>
+          <a:lstStyle/>
+          <a:p>
+            <a:pPr indent="0" lvl="0" marL="0" rtl="0" algn="l">
+              <a:spcBef>
+                <a:spcPts val="0"/>
+              </a:spcBef>
+              <a:spcAft>
+                <a:spcPts val="0"/>
+              </a:spcAft>
+              <a:buNone/>
+            </a:pPr>
+            <a:r>
+              <a:t/>
+            </a:r>
+            <a:endParaRPr/>
+          </a:p>
+        </p:txBody>
+      </p:sp>
+    </p:spTree>
+  </p:cSld>
+  <p:clrMapOvr>
+    <a:masterClrMapping/>
+  </p:clrMapOvr>
+</p:notes>
+</file>
+
+<file path=ppt/notesSlides/notesSlide35.xml><?xml version="1.0" encoding="utf-8"?>
+<p:notes xmlns:a="http://schemas.openxmlformats.org/drawingml/2006/main" xmlns:r="http://schemas.openxmlformats.org/officeDocument/2006/relationships" xmlns:mc="http://schemas.openxmlformats.org/markup-compatibility/2006" xmlns:mv="urn:schemas-microsoft-com:mac:vml" xmlns:p="http://schemas.openxmlformats.org/presentationml/2006/main" xmlns:c="http://schemas.openxmlformats.org/drawingml/2006/chart" xmlns:dgm="http://schemas.openxmlformats.org/drawingml/2006/diagram" xmlns:o="urn:schemas-microsoft-com:office:office" xmlns:v="urn:schemas-microsoft-com:vml" xmlns:pvml="urn:schemas-microsoft-com:office:powerpoint" xmlns:com="http://schemas.openxmlformats.org/drawingml/2006/compatibility" xmlns:p14="http://schemas.microsoft.com/office/powerpoint/2010/main" xmlns:p15="http://schemas.microsoft.com/office/powerpoint/2012/main" showMasterPhAnim="0" showMasterSp="0">
+  <p:cSld>
+    <p:spTree>
+      <p:nvGrpSpPr>
+        <p:cNvPr id="246" name="Shape 246"/>
+        <p:cNvGrpSpPr/>
+        <p:nvPr/>
+      </p:nvGrpSpPr>
+      <p:grpSpPr>
+        <a:xfrm>
+          <a:off x="0" y="0"/>
+          <a:ext cx="0" cy="0"/>
+          <a:chOff x="0" y="0"/>
+          <a:chExt cx="0" cy="0"/>
+        </a:xfrm>
+      </p:grpSpPr>
+      <p:sp>
+        <p:nvSpPr>
+          <p:cNvPr id="247" name="Google Shape;247;g56b6060828_0_21:notes"/>
+          <p:cNvSpPr/>
+          <p:nvPr>
+            <p:ph idx="2" type="sldImg"/>
+          </p:nvPr>
+        </p:nvSpPr>
+        <p:spPr>
+          <a:xfrm>
+            <a:off x="381300" y="685800"/>
+            <a:ext cx="6096000" cy="3429000"/>
+          </a:xfrm>
+          <a:custGeom>
+            <a:rect b="b" l="l" r="r" t="t"/>
+            <a:pathLst>
+              <a:path extrusionOk="0" h="120000" w="120000">
+                <a:moveTo>
+                  <a:pt x="0" y="0"/>
+                </a:moveTo>
+                <a:lnTo>
+                  <a:pt x="120000" y="0"/>
+                </a:lnTo>
+                <a:lnTo>
+                  <a:pt x="120000" y="120000"/>
+                </a:lnTo>
+                <a:lnTo>
+                  <a:pt x="0" y="120000"/>
+                </a:lnTo>
+                <a:close/>
+              </a:path>
+            </a:pathLst>
+          </a:custGeom>
+        </p:spPr>
+      </p:sp>
+      <p:sp>
+        <p:nvSpPr>
+          <p:cNvPr id="248" name="Google Shape;248;g56b6060828_0_21:notes"/>
+          <p:cNvSpPr txBox="1"/>
+          <p:nvPr>
+            <p:ph idx="1" type="body"/>
+          </p:nvPr>
+        </p:nvSpPr>
+        <p:spPr>
+          <a:xfrm>
+            <a:off x="685800" y="4343400"/>
+            <a:ext cx="5486400" cy="4114800"/>
+          </a:xfrm>
+          <a:prstGeom prst="rect">
+            <a:avLst/>
+          </a:prstGeom>
+        </p:spPr>
+        <p:txBody>
+          <a:bodyPr anchorCtr="0" anchor="t" bIns="91425" lIns="91425" spcFirstLastPara="1" rIns="91425" wrap="square" tIns="91425">
+            <a:noAutofit/>
+          </a:bodyPr>
+          <a:lstStyle/>
+          <a:p>
+            <a:pPr indent="0" lvl="0" marL="0" rtl="0" algn="l">
+              <a:spcBef>
+                <a:spcPts val="0"/>
+              </a:spcBef>
+              <a:spcAft>
+                <a:spcPts val="0"/>
+              </a:spcAft>
+              <a:buNone/>
+            </a:pPr>
+            <a:r>
+              <a:t/>
+            </a:r>
+            <a:endParaRPr/>
+          </a:p>
+        </p:txBody>
+      </p:sp>
+    </p:spTree>
+  </p:cSld>
+  <p:clrMapOvr>
+    <a:masterClrMapping/>
+  </p:clrMapOvr>
+</p:notes>
+</file>
+
+<file path=ppt/notesSlides/notesSlide36.xml><?xml version="1.0" encoding="utf-8"?>
+<p:notes xmlns:a="http://schemas.openxmlformats.org/drawingml/2006/main" xmlns:r="http://schemas.openxmlformats.org/officeDocument/2006/relationships" xmlns:mc="http://schemas.openxmlformats.org/markup-compatibility/2006" xmlns:mv="urn:schemas-microsoft-com:mac:vml" xmlns:p="http://schemas.openxmlformats.org/presentationml/2006/main" xmlns:c="http://schemas.openxmlformats.org/drawingml/2006/chart" xmlns:dgm="http://schemas.openxmlformats.org/drawingml/2006/diagram" xmlns:o="urn:schemas-microsoft-com:office:office" xmlns:v="urn:schemas-microsoft-com:vml" xmlns:pvml="urn:schemas-microsoft-com:office:powerpoint" xmlns:com="http://schemas.openxmlformats.org/drawingml/2006/compatibility" xmlns:p14="http://schemas.microsoft.com/office/powerpoint/2010/main" xmlns:p15="http://schemas.microsoft.com/office/powerpoint/2012/main" showMasterPhAnim="0" showMasterSp="0">
+  <p:cSld>
+    <p:spTree>
+      <p:nvGrpSpPr>
+        <p:cNvPr id="252" name="Shape 252"/>
+        <p:cNvGrpSpPr/>
+        <p:nvPr/>
+      </p:nvGrpSpPr>
+      <p:grpSpPr>
+        <a:xfrm>
+          <a:off x="0" y="0"/>
+          <a:ext cx="0" cy="0"/>
+          <a:chOff x="0" y="0"/>
+          <a:chExt cx="0" cy="0"/>
+        </a:xfrm>
+      </p:grpSpPr>
+      <p:sp>
+        <p:nvSpPr>
+          <p:cNvPr id="253" name="Google Shape;253;g510e00c072_0_11:notes"/>
+          <p:cNvSpPr/>
+          <p:nvPr>
+            <p:ph idx="2" type="sldImg"/>
+          </p:nvPr>
+        </p:nvSpPr>
+        <p:spPr>
+          <a:xfrm>
+            <a:off x="381300" y="685800"/>
+            <a:ext cx="6096000" cy="3429000"/>
+          </a:xfrm>
+          <a:custGeom>
+            <a:rect b="b" l="l" r="r" t="t"/>
+            <a:pathLst>
+              <a:path extrusionOk="0" h="120000" w="120000">
+                <a:moveTo>
+                  <a:pt x="0" y="0"/>
+                </a:moveTo>
+                <a:lnTo>
+                  <a:pt x="120000" y="0"/>
+                </a:lnTo>
+                <a:lnTo>
+                  <a:pt x="120000" y="120000"/>
+                </a:lnTo>
+                <a:lnTo>
+                  <a:pt x="0" y="120000"/>
+                </a:lnTo>
+                <a:close/>
+              </a:path>
+            </a:pathLst>
+          </a:custGeom>
+        </p:spPr>
+      </p:sp>
+      <p:sp>
+        <p:nvSpPr>
+          <p:cNvPr id="254" name="Google Shape;254;g510e00c072_0_11:notes"/>
+          <p:cNvSpPr txBox="1"/>
+          <p:nvPr>
+            <p:ph idx="1" type="body"/>
+          </p:nvPr>
+        </p:nvSpPr>
+        <p:spPr>
+          <a:xfrm>
+            <a:off x="685800" y="4343400"/>
+            <a:ext cx="5486400" cy="4114800"/>
+          </a:xfrm>
+          <a:prstGeom prst="rect">
+            <a:avLst/>
+          </a:prstGeom>
+        </p:spPr>
+        <p:txBody>
+          <a:bodyPr anchorCtr="0" anchor="t" bIns="91425" lIns="91425" spcFirstLastPara="1" rIns="91425" wrap="square" tIns="91425">
+            <a:noAutofit/>
+          </a:bodyPr>
+          <a:lstStyle/>
+          <a:p>
+            <a:pPr indent="0" lvl="0" marL="0" rtl="0" algn="l">
+              <a:spcBef>
+                <a:spcPts val="0"/>
+              </a:spcBef>
+              <a:spcAft>
+                <a:spcPts val="0"/>
+              </a:spcAft>
+              <a:buNone/>
+            </a:pPr>
+            <a:r>
+              <a:t/>
+            </a:r>
+            <a:endParaRPr/>
+          </a:p>
+        </p:txBody>
+      </p:sp>
+    </p:spTree>
+  </p:cSld>
+  <p:clrMapOvr>
+    <a:masterClrMapping/>
+  </p:clrMapOvr>
+</p:notes>
+</file>
+
+<file path=ppt/notesSlides/notesSlide37.xml><?xml version="1.0" encoding="utf-8"?>
+<p:notes xmlns:a="http://schemas.openxmlformats.org/drawingml/2006/main" xmlns:r="http://schemas.openxmlformats.org/officeDocument/2006/relationships" xmlns:mc="http://schemas.openxmlformats.org/markup-compatibility/2006" xmlns:mv="urn:schemas-microsoft-com:mac:vml" xmlns:p="http://schemas.openxmlformats.org/presentationml/2006/main" xmlns:c="http://schemas.openxmlformats.org/drawingml/2006/chart" xmlns:dgm="http://schemas.openxmlformats.org/drawingml/2006/diagram" xmlns:o="urn:schemas-microsoft-com:office:office" xmlns:v="urn:schemas-microsoft-com:vml" xmlns:pvml="urn:schemas-microsoft-com:office:powerpoint" xmlns:com="http://schemas.openxmlformats.org/drawingml/2006/compatibility" xmlns:p14="http://schemas.microsoft.com/office/powerpoint/2010/main" xmlns:p15="http://schemas.microsoft.com/office/powerpoint/2012/main" showMasterPhAnim="0" showMasterSp="0">
+  <p:cSld>
+    <p:spTree>
+      <p:nvGrpSpPr>
+        <p:cNvPr id="257" name="Shape 257"/>
+        <p:cNvGrpSpPr/>
+        <p:nvPr/>
+      </p:nvGrpSpPr>
+      <p:grpSpPr>
+        <a:xfrm>
+          <a:off x="0" y="0"/>
+          <a:ext cx="0" cy="0"/>
+          <a:chOff x="0" y="0"/>
+          <a:chExt cx="0" cy="0"/>
+        </a:xfrm>
+      </p:grpSpPr>
+      <p:sp>
+        <p:nvSpPr>
+          <p:cNvPr id="258" name="Google Shape;258;g50fc041a5d_0_8:notes"/>
+          <p:cNvSpPr/>
+          <p:nvPr>
+            <p:ph idx="2" type="sldImg"/>
+          </p:nvPr>
+        </p:nvSpPr>
+        <p:spPr>
+          <a:xfrm>
+            <a:off x="381300" y="685800"/>
+            <a:ext cx="6096000" cy="3429000"/>
+          </a:xfrm>
+          <a:custGeom>
+            <a:rect b="b" l="l" r="r" t="t"/>
+            <a:pathLst>
+              <a:path extrusionOk="0" h="120000" w="120000">
+                <a:moveTo>
+                  <a:pt x="0" y="0"/>
+                </a:moveTo>
+                <a:lnTo>
+                  <a:pt x="120000" y="0"/>
+                </a:lnTo>
+                <a:lnTo>
+                  <a:pt x="120000" y="120000"/>
+                </a:lnTo>
+                <a:lnTo>
+                  <a:pt x="0" y="120000"/>
+                </a:lnTo>
+                <a:close/>
+              </a:path>
+            </a:pathLst>
+          </a:custGeom>
+        </p:spPr>
+      </p:sp>
+      <p:sp>
+        <p:nvSpPr>
+          <p:cNvPr id="259" name="Google Shape;259;g50fc041a5d_0_8:notes"/>
+          <p:cNvSpPr txBox="1"/>
+          <p:nvPr>
+            <p:ph idx="1" type="body"/>
+          </p:nvPr>
+        </p:nvSpPr>
+        <p:spPr>
+          <a:xfrm>
+            <a:off x="685800" y="4343400"/>
+            <a:ext cx="5486400" cy="4114800"/>
+          </a:xfrm>
+          <a:prstGeom prst="rect">
+            <a:avLst/>
+          </a:prstGeom>
+        </p:spPr>
+        <p:txBody>
+          <a:bodyPr anchorCtr="0" anchor="t" bIns="91425" lIns="91425" spcFirstLastPara="1" rIns="91425" wrap="square" tIns="91425">
+            <a:noAutofit/>
+          </a:bodyPr>
+          <a:lstStyle/>
+          <a:p>
+            <a:pPr indent="0" lvl="0" marL="0" rtl="0" algn="l">
+              <a:spcBef>
+                <a:spcPts val="0"/>
+              </a:spcBef>
+              <a:spcAft>
+                <a:spcPts val="0"/>
+              </a:spcAft>
+              <a:buNone/>
+            </a:pPr>
+            <a:r>
+              <a:t/>
+            </a:r>
+            <a:endParaRPr/>
+          </a:p>
+        </p:txBody>
+      </p:sp>
+    </p:spTree>
+  </p:cSld>
+  <p:clrMapOvr>
+    <a:masterClrMapping/>
+  </p:clrMapOvr>
+</p:notes>
+</file>
+
+<file path=ppt/notesSlides/notesSlide38.xml><?xml version="1.0" encoding="utf-8"?>
+<p:notes xmlns:a="http://schemas.openxmlformats.org/drawingml/2006/main" xmlns:r="http://schemas.openxmlformats.org/officeDocument/2006/relationships" xmlns:mc="http://schemas.openxmlformats.org/markup-compatibility/2006" xmlns:mv="urn:schemas-microsoft-com:mac:vml" xmlns:p="http://schemas.openxmlformats.org/presentationml/2006/main" xmlns:c="http://schemas.openxmlformats.org/drawingml/2006/chart" xmlns:dgm="http://schemas.openxmlformats.org/drawingml/2006/diagram" xmlns:o="urn:schemas-microsoft-com:office:office" xmlns:v="urn:schemas-microsoft-com:vml" xmlns:pvml="urn:schemas-microsoft-com:office:powerpoint" xmlns:com="http://schemas.openxmlformats.org/drawingml/2006/compatibility" xmlns:p14="http://schemas.microsoft.com/office/powerpoint/2010/main" xmlns:p15="http://schemas.microsoft.com/office/powerpoint/2012/main" showMasterPhAnim="0" showMasterSp="0">
+  <p:cSld>
+    <p:spTree>
+      <p:nvGrpSpPr>
+        <p:cNvPr id="262" name="Shape 262"/>
+        <p:cNvGrpSpPr/>
+        <p:nvPr/>
+      </p:nvGrpSpPr>
+      <p:grpSpPr>
+        <a:xfrm>
+          <a:off x="0" y="0"/>
+          <a:ext cx="0" cy="0"/>
+          <a:chOff x="0" y="0"/>
+          <a:chExt cx="0" cy="0"/>
+        </a:xfrm>
+      </p:grpSpPr>
+      <p:sp>
+        <p:nvSpPr>
+          <p:cNvPr id="263" name="Google Shape;263;g510e00c072_0_24:notes"/>
+          <p:cNvSpPr/>
+          <p:nvPr>
+            <p:ph idx="2" type="sldImg"/>
+          </p:nvPr>
+        </p:nvSpPr>
+        <p:spPr>
+          <a:xfrm>
+            <a:off x="381300" y="685800"/>
+            <a:ext cx="6096000" cy="3429000"/>
+          </a:xfrm>
+          <a:custGeom>
+            <a:rect b="b" l="l" r="r" t="t"/>
+            <a:pathLst>
+              <a:path extrusionOk="0" h="120000" w="120000">
+                <a:moveTo>
+                  <a:pt x="0" y="0"/>
+                </a:moveTo>
+                <a:lnTo>
+                  <a:pt x="120000" y="0"/>
+                </a:lnTo>
+                <a:lnTo>
+                  <a:pt x="120000" y="120000"/>
+                </a:lnTo>
+                <a:lnTo>
+                  <a:pt x="0" y="120000"/>
+                </a:lnTo>
+                <a:close/>
+              </a:path>
+            </a:pathLst>
+          </a:custGeom>
+        </p:spPr>
+      </p:sp>
+      <p:sp>
+        <p:nvSpPr>
+          <p:cNvPr id="264" name="Google Shape;264;g510e00c072_0_24:notes"/>
+          <p:cNvSpPr txBox="1"/>
+          <p:nvPr>
+            <p:ph idx="1" type="body"/>
+          </p:nvPr>
+        </p:nvSpPr>
+        <p:spPr>
+          <a:xfrm>
+            <a:off x="685800" y="4343400"/>
+            <a:ext cx="5486400" cy="4114800"/>
+          </a:xfrm>
+          <a:prstGeom prst="rect">
+            <a:avLst/>
+          </a:prstGeom>
+        </p:spPr>
+        <p:txBody>
+          <a:bodyPr anchorCtr="0" anchor="t" bIns="91425" lIns="91425" spcFirstLastPara="1" rIns="91425" wrap="square" tIns="91425">
+            <a:noAutofit/>
+          </a:bodyPr>
+          <a:lstStyle/>
+          <a:p>
+            <a:pPr indent="0" lvl="0" marL="0" rtl="0" algn="l">
+              <a:spcBef>
+                <a:spcPts val="0"/>
+              </a:spcBef>
+              <a:spcAft>
+                <a:spcPts val="0"/>
+              </a:spcAft>
+              <a:buNone/>
+            </a:pPr>
+            <a:r>
+              <a:t/>
+            </a:r>
+            <a:endParaRPr/>
+          </a:p>
+        </p:txBody>
+      </p:sp>
+    </p:spTree>
+  </p:cSld>
+  <p:clrMapOvr>
+    <a:masterClrMapping/>
+  </p:clrMapOvr>
+</p:notes>
+</file>
+
+<file path=ppt/notesSlides/notesSlide39.xml><?xml version="1.0" encoding="utf-8"?>
+<p:notes xmlns:a="http://schemas.openxmlformats.org/drawingml/2006/main" xmlns:r="http://schemas.openxmlformats.org/officeDocument/2006/relationships" xmlns:mc="http://schemas.openxmlformats.org/markup-compatibility/2006" xmlns:mv="urn:schemas-microsoft-com:mac:vml" xmlns:p="http://schemas.openxmlformats.org/presentationml/2006/main" xmlns:c="http://schemas.openxmlformats.org/drawingml/2006/chart" xmlns:dgm="http://schemas.openxmlformats.org/drawingml/2006/diagram" xmlns:o="urn:schemas-microsoft-com:office:office" xmlns:v="urn:schemas-microsoft-com:vml" xmlns:pvml="urn:schemas-microsoft-com:office:powerpoint" xmlns:com="http://schemas.openxmlformats.org/drawingml/2006/compatibility" xmlns:p14="http://schemas.microsoft.com/office/powerpoint/2010/main" xmlns:p15="http://schemas.microsoft.com/office/powerpoint/2012/main" showMasterPhAnim="0" showMasterSp="0">
+  <p:cSld>
+    <p:spTree>
+      <p:nvGrpSpPr>
+        <p:cNvPr id="268" name="Shape 268"/>
+        <p:cNvGrpSpPr/>
+        <p:nvPr/>
+      </p:nvGrpSpPr>
+      <p:grpSpPr>
+        <a:xfrm>
+          <a:off x="0" y="0"/>
+          <a:ext cx="0" cy="0"/>
+          <a:chOff x="0" y="0"/>
+          <a:chExt cx="0" cy="0"/>
+        </a:xfrm>
+      </p:grpSpPr>
+      <p:sp>
+        <p:nvSpPr>
+          <p:cNvPr id="269" name="Google Shape;269;g50fc041a5d_0_17:notes"/>
+          <p:cNvSpPr/>
+          <p:nvPr>
+            <p:ph idx="2" type="sldImg"/>
+          </p:nvPr>
+        </p:nvSpPr>
+        <p:spPr>
+          <a:xfrm>
+            <a:off x="381300" y="685800"/>
+            <a:ext cx="6096000" cy="3429000"/>
+          </a:xfrm>
+          <a:custGeom>
+            <a:rect b="b" l="l" r="r" t="t"/>
+            <a:pathLst>
+              <a:path extrusionOk="0" h="120000" w="120000">
+                <a:moveTo>
+                  <a:pt x="0" y="0"/>
+                </a:moveTo>
+                <a:lnTo>
+                  <a:pt x="120000" y="0"/>
+                </a:lnTo>
+                <a:lnTo>
+                  <a:pt x="120000" y="120000"/>
+                </a:lnTo>
+                <a:lnTo>
+                  <a:pt x="0" y="120000"/>
+                </a:lnTo>
+                <a:close/>
+              </a:path>
+            </a:pathLst>
+          </a:custGeom>
+        </p:spPr>
+      </p:sp>
+      <p:sp>
+        <p:nvSpPr>
+          <p:cNvPr id="270" name="Google Shape;270;g50fc041a5d_0_17:notes"/>
+          <p:cNvSpPr txBox="1"/>
+          <p:nvPr>
+            <p:ph idx="1" type="body"/>
+          </p:nvPr>
+        </p:nvSpPr>
+        <p:spPr>
+          <a:xfrm>
+            <a:off x="685800" y="4343400"/>
+            <a:ext cx="5486400" cy="4114800"/>
+          </a:xfrm>
+          <a:prstGeom prst="rect">
+            <a:avLst/>
+          </a:prstGeom>
+        </p:spPr>
+        <p:txBody>
+          <a:bodyPr anchorCtr="0" anchor="t" bIns="91425" lIns="91425" spcFirstLastPara="1" rIns="91425" wrap="square" tIns="91425">
+            <a:noAutofit/>
+          </a:bodyPr>
+          <a:lstStyle/>
+          <a:p>
+            <a:pPr indent="0" lvl="0" marL="0" rtl="0" algn="l">
+              <a:spcBef>
+                <a:spcPts val="0"/>
+              </a:spcBef>
+              <a:spcAft>
+                <a:spcPts val="0"/>
+              </a:spcAft>
+              <a:buNone/>
+            </a:pPr>
+            <a:r>
+              <a:t/>
+            </a:r>
+            <a:endParaRPr/>
+          </a:p>
+        </p:txBody>
+      </p:sp>
+    </p:spTree>
+  </p:cSld>
+  <p:clrMapOvr>
+    <a:masterClrMapping/>
+  </p:clrMapOvr>
+</p:notes>
+</file>
+
 <file path=ppt/notesSlides/notesSlide4.xml><?xml version="1.0" encoding="utf-8"?>
 <p:notes xmlns:a="http://schemas.openxmlformats.org/drawingml/2006/main" xmlns:r="http://schemas.openxmlformats.org/officeDocument/2006/relationships" xmlns:mc="http://schemas.openxmlformats.org/markup-compatibility/2006" xmlns:mv="urn:schemas-microsoft-com:mac:vml" xmlns:p="http://schemas.openxmlformats.org/presentationml/2006/main" xmlns:c="http://schemas.openxmlformats.org/drawingml/2006/chart" xmlns:dgm="http://schemas.openxmlformats.org/drawingml/2006/diagram" xmlns:o="urn:schemas-microsoft-com:office:office" xmlns:v="urn:schemas-microsoft-com:vml" xmlns:pvml="urn:schemas-microsoft-com:office:powerpoint" xmlns:com="http://schemas.openxmlformats.org/drawingml/2006/compatibility" xmlns:p14="http://schemas.microsoft.com/office/powerpoint/2010/main" xmlns:p15="http://schemas.microsoft.com/office/powerpoint/2012/main" showMasterPhAnim="0" showMasterSp="0">
   <p:cSld>
@@ -2144,6 +4045,105 @@
       <p:sp>
         <p:nvSpPr>
           <p:cNvPr id="69" name="Google Shape;69;g580dd023b5_0_0:notes"/>
+          <p:cNvSpPr txBox="1"/>
+          <p:nvPr>
+            <p:ph idx="1" type="body"/>
+          </p:nvPr>
+        </p:nvSpPr>
+        <p:spPr>
+          <a:xfrm>
+            <a:off x="685800" y="4343400"/>
+            <a:ext cx="5486400" cy="4114800"/>
+          </a:xfrm>
+          <a:prstGeom prst="rect">
+            <a:avLst/>
+          </a:prstGeom>
+        </p:spPr>
+        <p:txBody>
+          <a:bodyPr anchorCtr="0" anchor="t" bIns="91425" lIns="91425" spcFirstLastPara="1" rIns="91425" wrap="square" tIns="91425">
+            <a:noAutofit/>
+          </a:bodyPr>
+          <a:lstStyle/>
+          <a:p>
+            <a:pPr indent="0" lvl="0" marL="0" rtl="0" algn="l">
+              <a:spcBef>
+                <a:spcPts val="0"/>
+              </a:spcBef>
+              <a:spcAft>
+                <a:spcPts val="0"/>
+              </a:spcAft>
+              <a:buNone/>
+            </a:pPr>
+            <a:r>
+              <a:t/>
+            </a:r>
+            <a:endParaRPr/>
+          </a:p>
+        </p:txBody>
+      </p:sp>
+    </p:spTree>
+  </p:cSld>
+  <p:clrMapOvr>
+    <a:masterClrMapping/>
+  </p:clrMapOvr>
+</p:notes>
+</file>
+
+<file path=ppt/notesSlides/notesSlide40.xml><?xml version="1.0" encoding="utf-8"?>
+<p:notes xmlns:a="http://schemas.openxmlformats.org/drawingml/2006/main" xmlns:r="http://schemas.openxmlformats.org/officeDocument/2006/relationships" xmlns:mc="http://schemas.openxmlformats.org/markup-compatibility/2006" xmlns:mv="urn:schemas-microsoft-com:mac:vml" xmlns:p="http://schemas.openxmlformats.org/presentationml/2006/main" xmlns:c="http://schemas.openxmlformats.org/drawingml/2006/chart" xmlns:dgm="http://schemas.openxmlformats.org/drawingml/2006/diagram" xmlns:o="urn:schemas-microsoft-com:office:office" xmlns:v="urn:schemas-microsoft-com:vml" xmlns:pvml="urn:schemas-microsoft-com:office:powerpoint" xmlns:com="http://schemas.openxmlformats.org/drawingml/2006/compatibility" xmlns:p14="http://schemas.microsoft.com/office/powerpoint/2010/main" xmlns:p15="http://schemas.microsoft.com/office/powerpoint/2012/main" showMasterPhAnim="0" showMasterSp="0">
+  <p:cSld>
+    <p:spTree>
+      <p:nvGrpSpPr>
+        <p:cNvPr id="274" name="Shape 274"/>
+        <p:cNvGrpSpPr/>
+        <p:nvPr/>
+      </p:nvGrpSpPr>
+      <p:grpSpPr>
+        <a:xfrm>
+          <a:off x="0" y="0"/>
+          <a:ext cx="0" cy="0"/>
+          <a:chOff x="0" y="0"/>
+          <a:chExt cx="0" cy="0"/>
+        </a:xfrm>
+      </p:grpSpPr>
+      <p:sp>
+        <p:nvSpPr>
+          <p:cNvPr id="275" name="Google Shape;275;g510e00c072_0_17:notes"/>
+          <p:cNvSpPr/>
+          <p:nvPr>
+            <p:ph idx="2" type="sldImg"/>
+          </p:nvPr>
+        </p:nvSpPr>
+        <p:spPr>
+          <a:xfrm>
+            <a:off x="381300" y="685800"/>
+            <a:ext cx="6096000" cy="3429000"/>
+          </a:xfrm>
+          <a:custGeom>
+            <a:rect b="b" l="l" r="r" t="t"/>
+            <a:pathLst>
+              <a:path extrusionOk="0" h="120000" w="120000">
+                <a:moveTo>
+                  <a:pt x="0" y="0"/>
+                </a:moveTo>
+                <a:lnTo>
+                  <a:pt x="120000" y="0"/>
+                </a:lnTo>
+                <a:lnTo>
+                  <a:pt x="120000" y="120000"/>
+                </a:lnTo>
+                <a:lnTo>
+                  <a:pt x="0" y="120000"/>
+                </a:lnTo>
+                <a:close/>
+              </a:path>
+            </a:pathLst>
+          </a:custGeom>
+        </p:spPr>
+      </p:sp>
+      <p:sp>
+        <p:nvSpPr>
+          <p:cNvPr id="276" name="Google Shape;276;g510e00c072_0_17:notes"/>
           <p:cNvSpPr txBox="1"/>
           <p:nvPr>
             <p:ph idx="1" type="body"/>
@@ -12442,20 +14442,20 @@
         </p:nvSpPr>
         <p:spPr>
           <a:xfrm>
-            <a:off x="311700" y="2150850"/>
-            <a:ext cx="8520600" cy="841800"/>
+            <a:off x="311700" y="445025"/>
+            <a:ext cx="8520600" cy="978300"/>
           </a:xfrm>
           <a:prstGeom prst="rect">
             <a:avLst/>
           </a:prstGeom>
         </p:spPr>
         <p:txBody>
-          <a:bodyPr anchorCtr="0" anchor="ctr" bIns="91425" lIns="91425" spcFirstLastPara="1" rIns="91425" wrap="square" tIns="91425">
+          <a:bodyPr anchorCtr="0" anchor="t" bIns="91425" lIns="91425" spcFirstLastPara="1" rIns="91425" wrap="square" tIns="91425">
             <a:noAutofit/>
           </a:bodyPr>
           <a:lstStyle/>
           <a:p>
-            <a:pPr indent="0" lvl="0" marL="0" rtl="0" algn="ctr">
+            <a:pPr indent="0" lvl="0" marL="0" rtl="0" algn="l">
               <a:spcBef>
                 <a:spcPts val="0"/>
               </a:spcBef>
@@ -12466,9 +14466,101 @@
             </a:pPr>
             <a:r>
               <a:rPr lang="sv" sz="4800"/>
-              <a:t>Drools</a:t>
+              <a:t>Användningsområden</a:t>
             </a:r>
             <a:endParaRPr sz="4800"/>
+          </a:p>
+        </p:txBody>
+      </p:sp>
+      <p:sp>
+        <p:nvSpPr>
+          <p:cNvPr id="135" name="Google Shape;135;p26"/>
+          <p:cNvSpPr txBox="1"/>
+          <p:nvPr>
+            <p:ph idx="1" type="body"/>
+          </p:nvPr>
+        </p:nvSpPr>
+        <p:spPr>
+          <a:xfrm>
+            <a:off x="311700" y="1423325"/>
+            <a:ext cx="8520600" cy="3145800"/>
+          </a:xfrm>
+          <a:prstGeom prst="rect">
+            <a:avLst/>
+          </a:prstGeom>
+        </p:spPr>
+        <p:txBody>
+          <a:bodyPr anchorCtr="0" anchor="t" bIns="91425" lIns="91425" spcFirstLastPara="1" rIns="91425" wrap="square" tIns="91425">
+            <a:noAutofit/>
+          </a:bodyPr>
+          <a:lstStyle/>
+          <a:p>
+            <a:pPr indent="-419100" lvl="0" marL="457200" rtl="0" algn="l">
+              <a:spcBef>
+                <a:spcPts val="0"/>
+              </a:spcBef>
+              <a:spcAft>
+                <a:spcPts val="0"/>
+              </a:spcAft>
+              <a:buSzPts val="3000"/>
+              <a:buChar char="❖"/>
+            </a:pPr>
+            <a:r>
+              <a:rPr lang="sv" sz="3000"/>
+              <a:t>Komplexa verksamheter</a:t>
+            </a:r>
+            <a:endParaRPr sz="3000"/>
+          </a:p>
+          <a:p>
+            <a:pPr indent="-419100" lvl="0" marL="457200" rtl="0" algn="l">
+              <a:spcBef>
+                <a:spcPts val="0"/>
+              </a:spcBef>
+              <a:spcAft>
+                <a:spcPts val="0"/>
+              </a:spcAft>
+              <a:buSzPts val="3000"/>
+              <a:buChar char="❖"/>
+            </a:pPr>
+            <a:r>
+              <a:rPr lang="sv" sz="3000"/>
+              <a:t>Många affärsregler</a:t>
+            </a:r>
+            <a:endParaRPr sz="3000"/>
+          </a:p>
+          <a:p>
+            <a:pPr indent="-419100" lvl="0" marL="457200" rtl="0" algn="l">
+              <a:spcBef>
+                <a:spcPts val="0"/>
+              </a:spcBef>
+              <a:spcAft>
+                <a:spcPts val="0"/>
+              </a:spcAft>
+              <a:buSzPts val="3000"/>
+              <a:buChar char="❖"/>
+            </a:pPr>
+            <a:r>
+              <a:rPr lang="sv" sz="3000"/>
+              <a:t>Affärsregler som ändras</a:t>
+            </a:r>
+            <a:endParaRPr sz="3000"/>
+          </a:p>
+          <a:p>
+            <a:pPr indent="-419100" lvl="0" marL="457200" rtl="0" algn="l">
+              <a:spcBef>
+                <a:spcPts val="0"/>
+              </a:spcBef>
+              <a:spcAft>
+                <a:spcPts val="0"/>
+              </a:spcAft>
+              <a:buSzPts val="3000"/>
+              <a:buChar char="❖"/>
+            </a:pPr>
+            <a:r>
+              <a:rPr lang="sv" sz="3000"/>
+              <a:t>Verksamhetsmänniskor behöver kunna läsa/skriva affärsregler</a:t>
+            </a:r>
+            <a:endParaRPr sz="3000"/>
           </a:p>
         </p:txBody>
       </p:sp>
@@ -12485,7 +14577,7 @@
   <p:cSld>
     <p:spTree>
       <p:nvGrpSpPr>
-        <p:cNvPr id="138" name="Shape 138"/>
+        <p:cNvPr id="139" name="Shape 139"/>
         <p:cNvGrpSpPr/>
         <p:nvPr/>
       </p:nvGrpSpPr>
@@ -12499,7 +14591,7 @@
       </p:grpSpPr>
       <p:sp>
         <p:nvSpPr>
-          <p:cNvPr id="139" name="Google Shape;139;p27"/>
+          <p:cNvPr id="140" name="Google Shape;140;p27"/>
           <p:cNvSpPr txBox="1"/>
           <p:nvPr>
             <p:ph type="title"/>
@@ -12531,7 +14623,7 @@
             </a:pPr>
             <a:r>
               <a:rPr lang="sv" sz="4800"/>
-              <a:t>Easy Rules - ett alternativ</a:t>
+              <a:t>Programmeringsmodell</a:t>
             </a:r>
             <a:endParaRPr sz="4800"/>
           </a:p>
@@ -12539,7 +14631,7 @@
       </p:sp>
       <p:sp>
         <p:nvSpPr>
-          <p:cNvPr id="140" name="Google Shape;140;p27"/>
+          <p:cNvPr id="141" name="Google Shape;141;p27"/>
           <p:cNvSpPr txBox="1"/>
           <p:nvPr>
             <p:ph idx="1" type="body"/>
@@ -12572,7 +14664,7 @@
             </a:pPr>
             <a:r>
               <a:rPr lang="sv" sz="3000"/>
-              <a:t>Enkel regelmotor</a:t>
+              <a:t>Deklarativ programmering</a:t>
             </a:r>
             <a:endParaRPr sz="3000"/>
           </a:p>
@@ -12589,7 +14681,7 @@
             </a:pPr>
             <a:r>
               <a:rPr lang="sv" sz="3000"/>
-              <a:t>Helt Java-baserad</a:t>
+              <a:t>Regler och fakta</a:t>
             </a:r>
             <a:endParaRPr sz="3000"/>
           </a:p>
@@ -12606,11 +14698,7 @@
             </a:pPr>
             <a:r>
               <a:rPr lang="sv" sz="3000"/>
-              <a:t>“</a:t>
-            </a:r>
-            <a:r>
-              <a:rPr lang="sv" sz="3000"/>
-              <a:t>If you like Drools, you will love Easy Rules!”</a:t>
+              <a:t>Inferensmaskin - expertsystem</a:t>
             </a:r>
             <a:endParaRPr sz="3000"/>
           </a:p>
@@ -12627,7 +14715,7 @@
             </a:pPr>
             <a:r>
               <a:rPr lang="sv" sz="3000"/>
-              <a:t>Inte samma prestanda</a:t>
+              <a:t>When → Then</a:t>
             </a:r>
             <a:endParaRPr sz="3000"/>
           </a:p>
@@ -12646,7 +14734,7 @@
   <p:cSld>
     <p:spTree>
       <p:nvGrpSpPr>
-        <p:cNvPr id="144" name="Shape 144"/>
+        <p:cNvPr id="145" name="Shape 145"/>
         <p:cNvGrpSpPr/>
         <p:nvPr/>
       </p:nvGrpSpPr>
@@ -12660,1224 +14748,7 @@
       </p:grpSpPr>
       <p:sp>
         <p:nvSpPr>
-          <p:cNvPr id="145" name="Google Shape;145;p28"/>
-          <p:cNvSpPr txBox="1"/>
-          <p:nvPr/>
-        </p:nvSpPr>
-        <p:spPr>
-          <a:xfrm>
-            <a:off x="424425" y="310550"/>
-            <a:ext cx="8249100" cy="4483500"/>
-          </a:xfrm>
-          <a:prstGeom prst="rect">
-            <a:avLst/>
-          </a:prstGeom>
-          <a:noFill/>
-          <a:ln>
-            <a:noFill/>
-          </a:ln>
-        </p:spPr>
-        <p:txBody>
-          <a:bodyPr anchorCtr="0" anchor="t" bIns="91425" lIns="91425" spcFirstLastPara="1" rIns="91425" wrap="square" tIns="91425">
-            <a:noAutofit/>
-          </a:bodyPr>
-          <a:lstStyle/>
-          <a:p>
-            <a:pPr indent="0" lvl="0" marL="0" rtl="0" algn="l">
-              <a:spcBef>
-                <a:spcPts val="0"/>
-              </a:spcBef>
-              <a:spcAft>
-                <a:spcPts val="0"/>
-              </a:spcAft>
-              <a:buNone/>
-            </a:pPr>
-            <a:r>
-              <a:rPr lang="sv" sz="1800">
-                <a:solidFill>
-                  <a:srgbClr val="BBB529"/>
-                </a:solidFill>
-                <a:highlight>
-                  <a:srgbClr val="2B2B2B"/>
-                </a:highlight>
-                <a:latin typeface="Courier New"/>
-                <a:ea typeface="Courier New"/>
-                <a:cs typeface="Courier New"/>
-                <a:sym typeface="Courier New"/>
-              </a:rPr>
-              <a:t>@Rule</a:t>
-            </a:r>
-            <a:r>
-              <a:rPr lang="sv" sz="1800">
-                <a:solidFill>
-                  <a:srgbClr val="A9B7C6"/>
-                </a:solidFill>
-                <a:highlight>
-                  <a:srgbClr val="2B2B2B"/>
-                </a:highlight>
-                <a:latin typeface="Courier New"/>
-                <a:ea typeface="Courier New"/>
-                <a:cs typeface="Courier New"/>
-                <a:sym typeface="Courier New"/>
-              </a:rPr>
-              <a:t>(</a:t>
-            </a:r>
-            <a:r>
-              <a:rPr lang="sv" sz="1800">
-                <a:solidFill>
-                  <a:srgbClr val="D0D0FF"/>
-                </a:solidFill>
-                <a:highlight>
-                  <a:srgbClr val="2B2B2B"/>
-                </a:highlight>
-                <a:latin typeface="Courier New"/>
-                <a:ea typeface="Courier New"/>
-                <a:cs typeface="Courier New"/>
-                <a:sym typeface="Courier New"/>
-              </a:rPr>
-              <a:t>name </a:t>
-            </a:r>
-            <a:r>
-              <a:rPr lang="sv" sz="1800">
-                <a:solidFill>
-                  <a:srgbClr val="A9B7C6"/>
-                </a:solidFill>
-                <a:highlight>
-                  <a:srgbClr val="2B2B2B"/>
-                </a:highlight>
-                <a:latin typeface="Courier New"/>
-                <a:ea typeface="Courier New"/>
-                <a:cs typeface="Courier New"/>
-                <a:sym typeface="Courier New"/>
-              </a:rPr>
-              <a:t>= </a:t>
-            </a:r>
-            <a:r>
-              <a:rPr lang="sv" sz="1800">
-                <a:solidFill>
-                  <a:srgbClr val="6A8759"/>
-                </a:solidFill>
-                <a:highlight>
-                  <a:srgbClr val="2B2B2B"/>
-                </a:highlight>
-                <a:latin typeface="Courier New"/>
-                <a:ea typeface="Courier New"/>
-                <a:cs typeface="Courier New"/>
-                <a:sym typeface="Courier New"/>
-              </a:rPr>
-              <a:t>"increase premium for young drivers"</a:t>
-            </a:r>
-            <a:r>
-              <a:rPr lang="sv" sz="1800">
-                <a:solidFill>
-                  <a:srgbClr val="A9B7C6"/>
-                </a:solidFill>
-                <a:highlight>
-                  <a:srgbClr val="2B2B2B"/>
-                </a:highlight>
-                <a:latin typeface="Courier New"/>
-                <a:ea typeface="Courier New"/>
-                <a:cs typeface="Courier New"/>
-                <a:sym typeface="Courier New"/>
-              </a:rPr>
-              <a:t>)</a:t>
-            </a:r>
-            <a:endParaRPr sz="1800">
-              <a:solidFill>
-                <a:srgbClr val="A9B7C6"/>
-              </a:solidFill>
-              <a:highlight>
-                <a:srgbClr val="2B2B2B"/>
-              </a:highlight>
-              <a:latin typeface="Courier New"/>
-              <a:ea typeface="Courier New"/>
-              <a:cs typeface="Courier New"/>
-              <a:sym typeface="Courier New"/>
-            </a:endParaRPr>
-          </a:p>
-          <a:p>
-            <a:pPr indent="0" lvl="0" marL="0" rtl="0" algn="l">
-              <a:spcBef>
-                <a:spcPts val="0"/>
-              </a:spcBef>
-              <a:spcAft>
-                <a:spcPts val="0"/>
-              </a:spcAft>
-              <a:buNone/>
-            </a:pPr>
-            <a:r>
-              <a:rPr lang="sv" sz="1800">
-                <a:solidFill>
-                  <a:srgbClr val="CC7832"/>
-                </a:solidFill>
-                <a:highlight>
-                  <a:srgbClr val="2B2B2B"/>
-                </a:highlight>
-                <a:latin typeface="Courier New"/>
-                <a:ea typeface="Courier New"/>
-                <a:cs typeface="Courier New"/>
-                <a:sym typeface="Courier New"/>
-              </a:rPr>
-              <a:t>public class </a:t>
-            </a:r>
-            <a:r>
-              <a:rPr lang="sv" sz="1800">
-                <a:solidFill>
-                  <a:srgbClr val="A9B7C6"/>
-                </a:solidFill>
-                <a:highlight>
-                  <a:srgbClr val="2B2B2B"/>
-                </a:highlight>
-                <a:latin typeface="Courier New"/>
-                <a:ea typeface="Courier New"/>
-                <a:cs typeface="Courier New"/>
-                <a:sym typeface="Courier New"/>
-              </a:rPr>
-              <a:t>IsDriverYoung {</a:t>
-            </a:r>
-            <a:endParaRPr sz="1800">
-              <a:solidFill>
-                <a:srgbClr val="A9B7C6"/>
-              </a:solidFill>
-              <a:highlight>
-                <a:srgbClr val="2B2B2B"/>
-              </a:highlight>
-              <a:latin typeface="Courier New"/>
-              <a:ea typeface="Courier New"/>
-              <a:cs typeface="Courier New"/>
-              <a:sym typeface="Courier New"/>
-            </a:endParaRPr>
-          </a:p>
-          <a:p>
-            <a:pPr indent="0" lvl="0" marL="0" rtl="0" algn="l">
-              <a:spcBef>
-                <a:spcPts val="0"/>
-              </a:spcBef>
-              <a:spcAft>
-                <a:spcPts val="0"/>
-              </a:spcAft>
-              <a:buNone/>
-            </a:pPr>
-            <a:r>
-              <a:t/>
-            </a:r>
-            <a:endParaRPr sz="1800">
-              <a:solidFill>
-                <a:srgbClr val="A9B7C6"/>
-              </a:solidFill>
-              <a:highlight>
-                <a:srgbClr val="2B2B2B"/>
-              </a:highlight>
-              <a:latin typeface="Courier New"/>
-              <a:ea typeface="Courier New"/>
-              <a:cs typeface="Courier New"/>
-              <a:sym typeface="Courier New"/>
-            </a:endParaRPr>
-          </a:p>
-          <a:p>
-            <a:pPr indent="0" lvl="0" marL="0" rtl="0" algn="l">
-              <a:spcBef>
-                <a:spcPts val="0"/>
-              </a:spcBef>
-              <a:spcAft>
-                <a:spcPts val="0"/>
-              </a:spcAft>
-              <a:buNone/>
-            </a:pPr>
-            <a:r>
-              <a:rPr lang="sv" sz="1800">
-                <a:solidFill>
-                  <a:srgbClr val="A9B7C6"/>
-                </a:solidFill>
-                <a:highlight>
-                  <a:srgbClr val="2B2B2B"/>
-                </a:highlight>
-                <a:latin typeface="Courier New"/>
-                <a:ea typeface="Courier New"/>
-                <a:cs typeface="Courier New"/>
-                <a:sym typeface="Courier New"/>
-              </a:rPr>
-              <a:t>   </a:t>
-            </a:r>
-            <a:r>
-              <a:rPr lang="sv" sz="1800">
-                <a:solidFill>
-                  <a:srgbClr val="BBB529"/>
-                </a:solidFill>
-                <a:highlight>
-                  <a:srgbClr val="2B2B2B"/>
-                </a:highlight>
-                <a:latin typeface="Courier New"/>
-                <a:ea typeface="Courier New"/>
-                <a:cs typeface="Courier New"/>
-                <a:sym typeface="Courier New"/>
-              </a:rPr>
-              <a:t>@Condition</a:t>
-            </a:r>
-            <a:endParaRPr sz="1800">
-              <a:solidFill>
-                <a:srgbClr val="BBB529"/>
-              </a:solidFill>
-              <a:highlight>
-                <a:srgbClr val="2B2B2B"/>
-              </a:highlight>
-              <a:latin typeface="Courier New"/>
-              <a:ea typeface="Courier New"/>
-              <a:cs typeface="Courier New"/>
-              <a:sym typeface="Courier New"/>
-            </a:endParaRPr>
-          </a:p>
-          <a:p>
-            <a:pPr indent="0" lvl="0" marL="0" rtl="0" algn="l">
-              <a:spcBef>
-                <a:spcPts val="0"/>
-              </a:spcBef>
-              <a:spcAft>
-                <a:spcPts val="0"/>
-              </a:spcAft>
-              <a:buNone/>
-            </a:pPr>
-            <a:r>
-              <a:rPr lang="sv" sz="1800">
-                <a:solidFill>
-                  <a:srgbClr val="BBB529"/>
-                </a:solidFill>
-                <a:highlight>
-                  <a:srgbClr val="2B2B2B"/>
-                </a:highlight>
-                <a:latin typeface="Courier New"/>
-                <a:ea typeface="Courier New"/>
-                <a:cs typeface="Courier New"/>
-                <a:sym typeface="Courier New"/>
-              </a:rPr>
-              <a:t>   </a:t>
-            </a:r>
-            <a:r>
-              <a:rPr lang="sv" sz="1800">
-                <a:solidFill>
-                  <a:srgbClr val="CC7832"/>
-                </a:solidFill>
-                <a:highlight>
-                  <a:srgbClr val="2B2B2B"/>
-                </a:highlight>
-                <a:latin typeface="Courier New"/>
-                <a:ea typeface="Courier New"/>
-                <a:cs typeface="Courier New"/>
-                <a:sym typeface="Courier New"/>
-              </a:rPr>
-              <a:t>public boolean </a:t>
-            </a:r>
-            <a:r>
-              <a:rPr lang="sv" sz="1800">
-                <a:solidFill>
-                  <a:srgbClr val="FFC66D"/>
-                </a:solidFill>
-                <a:highlight>
-                  <a:srgbClr val="2B2B2B"/>
-                </a:highlight>
-                <a:latin typeface="Courier New"/>
-                <a:ea typeface="Courier New"/>
-                <a:cs typeface="Courier New"/>
-                <a:sym typeface="Courier New"/>
-              </a:rPr>
-              <a:t>when</a:t>
-            </a:r>
-            <a:r>
-              <a:rPr lang="sv" sz="1800">
-                <a:solidFill>
-                  <a:srgbClr val="A9B7C6"/>
-                </a:solidFill>
-                <a:highlight>
-                  <a:srgbClr val="2B2B2B"/>
-                </a:highlight>
-                <a:latin typeface="Courier New"/>
-                <a:ea typeface="Courier New"/>
-                <a:cs typeface="Courier New"/>
-                <a:sym typeface="Courier New"/>
-              </a:rPr>
-              <a:t>(</a:t>
-            </a:r>
-            <a:r>
-              <a:rPr lang="sv" sz="1800">
-                <a:solidFill>
-                  <a:srgbClr val="BBB529"/>
-                </a:solidFill>
-                <a:highlight>
-                  <a:srgbClr val="2B2B2B"/>
-                </a:highlight>
-                <a:latin typeface="Courier New"/>
-                <a:ea typeface="Courier New"/>
-                <a:cs typeface="Courier New"/>
-                <a:sym typeface="Courier New"/>
-              </a:rPr>
-              <a:t>@Fact</a:t>
-            </a:r>
-            <a:r>
-              <a:rPr lang="sv" sz="1800">
-                <a:solidFill>
-                  <a:srgbClr val="A9B7C6"/>
-                </a:solidFill>
-                <a:highlight>
-                  <a:srgbClr val="2B2B2B"/>
-                </a:highlight>
-                <a:latin typeface="Courier New"/>
-                <a:ea typeface="Courier New"/>
-                <a:cs typeface="Courier New"/>
-                <a:sym typeface="Courier New"/>
-              </a:rPr>
-              <a:t>(</a:t>
-            </a:r>
-            <a:r>
-              <a:rPr lang="sv" sz="1800">
-                <a:solidFill>
-                  <a:srgbClr val="6A8759"/>
-                </a:solidFill>
-                <a:highlight>
-                  <a:srgbClr val="2B2B2B"/>
-                </a:highlight>
-                <a:latin typeface="Courier New"/>
-                <a:ea typeface="Courier New"/>
-                <a:cs typeface="Courier New"/>
-                <a:sym typeface="Courier New"/>
-              </a:rPr>
-              <a:t>"age"</a:t>
-            </a:r>
-            <a:r>
-              <a:rPr lang="sv" sz="1800">
-                <a:solidFill>
-                  <a:srgbClr val="A9B7C6"/>
-                </a:solidFill>
-                <a:highlight>
-                  <a:srgbClr val="2B2B2B"/>
-                </a:highlight>
-                <a:latin typeface="Courier New"/>
-                <a:ea typeface="Courier New"/>
-                <a:cs typeface="Courier New"/>
-                <a:sym typeface="Courier New"/>
-              </a:rPr>
-              <a:t>) </a:t>
-            </a:r>
-            <a:r>
-              <a:rPr lang="sv" sz="1800">
-                <a:solidFill>
-                  <a:srgbClr val="CC7832"/>
-                </a:solidFill>
-                <a:highlight>
-                  <a:srgbClr val="2B2B2B"/>
-                </a:highlight>
-                <a:latin typeface="Courier New"/>
-                <a:ea typeface="Courier New"/>
-                <a:cs typeface="Courier New"/>
-                <a:sym typeface="Courier New"/>
-              </a:rPr>
-              <a:t>int </a:t>
-            </a:r>
-            <a:r>
-              <a:rPr lang="sv" sz="1800">
-                <a:solidFill>
-                  <a:srgbClr val="A9B7C6"/>
-                </a:solidFill>
-                <a:highlight>
-                  <a:srgbClr val="2B2B2B"/>
-                </a:highlight>
-                <a:latin typeface="Courier New"/>
-                <a:ea typeface="Courier New"/>
-                <a:cs typeface="Courier New"/>
-                <a:sym typeface="Courier New"/>
-              </a:rPr>
-              <a:t>age) {</a:t>
-            </a:r>
-            <a:endParaRPr sz="1800">
-              <a:solidFill>
-                <a:srgbClr val="A9B7C6"/>
-              </a:solidFill>
-              <a:highlight>
-                <a:srgbClr val="2B2B2B"/>
-              </a:highlight>
-              <a:latin typeface="Courier New"/>
-              <a:ea typeface="Courier New"/>
-              <a:cs typeface="Courier New"/>
-              <a:sym typeface="Courier New"/>
-            </a:endParaRPr>
-          </a:p>
-          <a:p>
-            <a:pPr indent="0" lvl="0" marL="0" rtl="0" algn="l">
-              <a:spcBef>
-                <a:spcPts val="0"/>
-              </a:spcBef>
-              <a:spcAft>
-                <a:spcPts val="0"/>
-              </a:spcAft>
-              <a:buNone/>
-            </a:pPr>
-            <a:r>
-              <a:rPr lang="sv" sz="1800">
-                <a:solidFill>
-                  <a:srgbClr val="A9B7C6"/>
-                </a:solidFill>
-                <a:highlight>
-                  <a:srgbClr val="2B2B2B"/>
-                </a:highlight>
-                <a:latin typeface="Courier New"/>
-                <a:ea typeface="Courier New"/>
-                <a:cs typeface="Courier New"/>
-                <a:sym typeface="Courier New"/>
-              </a:rPr>
-              <a:t>       </a:t>
-            </a:r>
-            <a:r>
-              <a:rPr lang="sv" sz="1800">
-                <a:solidFill>
-                  <a:srgbClr val="CC7832"/>
-                </a:solidFill>
-                <a:highlight>
-                  <a:srgbClr val="2B2B2B"/>
-                </a:highlight>
-                <a:latin typeface="Courier New"/>
-                <a:ea typeface="Courier New"/>
-                <a:cs typeface="Courier New"/>
-                <a:sym typeface="Courier New"/>
-              </a:rPr>
-              <a:t>return </a:t>
-            </a:r>
-            <a:r>
-              <a:rPr lang="sv" sz="1800">
-                <a:solidFill>
-                  <a:srgbClr val="A9B7C6"/>
-                </a:solidFill>
-                <a:highlight>
-                  <a:srgbClr val="2B2B2B"/>
-                </a:highlight>
-                <a:latin typeface="Courier New"/>
-                <a:ea typeface="Courier New"/>
-                <a:cs typeface="Courier New"/>
-                <a:sym typeface="Courier New"/>
-              </a:rPr>
-              <a:t>age &lt; </a:t>
-            </a:r>
-            <a:r>
-              <a:rPr lang="sv" sz="1800">
-                <a:solidFill>
-                  <a:srgbClr val="6897BB"/>
-                </a:solidFill>
-                <a:highlight>
-                  <a:srgbClr val="2B2B2B"/>
-                </a:highlight>
-                <a:latin typeface="Courier New"/>
-                <a:ea typeface="Courier New"/>
-                <a:cs typeface="Courier New"/>
-                <a:sym typeface="Courier New"/>
-              </a:rPr>
-              <a:t>25</a:t>
-            </a:r>
-            <a:r>
-              <a:rPr lang="sv" sz="1800">
-                <a:solidFill>
-                  <a:srgbClr val="CC7832"/>
-                </a:solidFill>
-                <a:highlight>
-                  <a:srgbClr val="2B2B2B"/>
-                </a:highlight>
-                <a:latin typeface="Courier New"/>
-                <a:ea typeface="Courier New"/>
-                <a:cs typeface="Courier New"/>
-                <a:sym typeface="Courier New"/>
-              </a:rPr>
-              <a:t>;</a:t>
-            </a:r>
-            <a:endParaRPr sz="1800">
-              <a:solidFill>
-                <a:srgbClr val="CC7832"/>
-              </a:solidFill>
-              <a:highlight>
-                <a:srgbClr val="2B2B2B"/>
-              </a:highlight>
-              <a:latin typeface="Courier New"/>
-              <a:ea typeface="Courier New"/>
-              <a:cs typeface="Courier New"/>
-              <a:sym typeface="Courier New"/>
-            </a:endParaRPr>
-          </a:p>
-          <a:p>
-            <a:pPr indent="0" lvl="0" marL="0" rtl="0" algn="l">
-              <a:spcBef>
-                <a:spcPts val="0"/>
-              </a:spcBef>
-              <a:spcAft>
-                <a:spcPts val="0"/>
-              </a:spcAft>
-              <a:buNone/>
-            </a:pPr>
-            <a:r>
-              <a:rPr lang="sv" sz="1800">
-                <a:solidFill>
-                  <a:srgbClr val="CC7832"/>
-                </a:solidFill>
-                <a:highlight>
-                  <a:srgbClr val="2B2B2B"/>
-                </a:highlight>
-                <a:latin typeface="Courier New"/>
-                <a:ea typeface="Courier New"/>
-                <a:cs typeface="Courier New"/>
-                <a:sym typeface="Courier New"/>
-              </a:rPr>
-              <a:t>   </a:t>
-            </a:r>
-            <a:r>
-              <a:rPr lang="sv" sz="1800">
-                <a:solidFill>
-                  <a:srgbClr val="A9B7C6"/>
-                </a:solidFill>
-                <a:highlight>
-                  <a:srgbClr val="2B2B2B"/>
-                </a:highlight>
-                <a:latin typeface="Courier New"/>
-                <a:ea typeface="Courier New"/>
-                <a:cs typeface="Courier New"/>
-                <a:sym typeface="Courier New"/>
-              </a:rPr>
-              <a:t>}</a:t>
-            </a:r>
-            <a:endParaRPr sz="1800">
-              <a:solidFill>
-                <a:srgbClr val="A9B7C6"/>
-              </a:solidFill>
-              <a:highlight>
-                <a:srgbClr val="2B2B2B"/>
-              </a:highlight>
-              <a:latin typeface="Courier New"/>
-              <a:ea typeface="Courier New"/>
-              <a:cs typeface="Courier New"/>
-              <a:sym typeface="Courier New"/>
-            </a:endParaRPr>
-          </a:p>
-          <a:p>
-            <a:pPr indent="0" lvl="0" marL="0" rtl="0" algn="l">
-              <a:spcBef>
-                <a:spcPts val="0"/>
-              </a:spcBef>
-              <a:spcAft>
-                <a:spcPts val="0"/>
-              </a:spcAft>
-              <a:buNone/>
-            </a:pPr>
-            <a:r>
-              <a:t/>
-            </a:r>
-            <a:endParaRPr sz="1800">
-              <a:solidFill>
-                <a:srgbClr val="A9B7C6"/>
-              </a:solidFill>
-              <a:highlight>
-                <a:srgbClr val="2B2B2B"/>
-              </a:highlight>
-              <a:latin typeface="Courier New"/>
-              <a:ea typeface="Courier New"/>
-              <a:cs typeface="Courier New"/>
-              <a:sym typeface="Courier New"/>
-            </a:endParaRPr>
-          </a:p>
-          <a:p>
-            <a:pPr indent="0" lvl="0" marL="0" rtl="0" algn="l">
-              <a:spcBef>
-                <a:spcPts val="0"/>
-              </a:spcBef>
-              <a:spcAft>
-                <a:spcPts val="0"/>
-              </a:spcAft>
-              <a:buNone/>
-            </a:pPr>
-            <a:r>
-              <a:rPr lang="sv" sz="1800">
-                <a:solidFill>
-                  <a:srgbClr val="A9B7C6"/>
-                </a:solidFill>
-                <a:highlight>
-                  <a:srgbClr val="2B2B2B"/>
-                </a:highlight>
-                <a:latin typeface="Courier New"/>
-                <a:ea typeface="Courier New"/>
-                <a:cs typeface="Courier New"/>
-                <a:sym typeface="Courier New"/>
-              </a:rPr>
-              <a:t>   </a:t>
-            </a:r>
-            <a:r>
-              <a:rPr lang="sv" sz="1800">
-                <a:solidFill>
-                  <a:srgbClr val="BBB529"/>
-                </a:solidFill>
-                <a:highlight>
-                  <a:srgbClr val="2B2B2B"/>
-                </a:highlight>
-                <a:latin typeface="Courier New"/>
-                <a:ea typeface="Courier New"/>
-                <a:cs typeface="Courier New"/>
-                <a:sym typeface="Courier New"/>
-              </a:rPr>
-              <a:t>@Action</a:t>
-            </a:r>
-            <a:endParaRPr sz="1800">
-              <a:solidFill>
-                <a:srgbClr val="BBB529"/>
-              </a:solidFill>
-              <a:highlight>
-                <a:srgbClr val="2B2B2B"/>
-              </a:highlight>
-              <a:latin typeface="Courier New"/>
-              <a:ea typeface="Courier New"/>
-              <a:cs typeface="Courier New"/>
-              <a:sym typeface="Courier New"/>
-            </a:endParaRPr>
-          </a:p>
-          <a:p>
-            <a:pPr indent="0" lvl="0" marL="0" rtl="0" algn="l">
-              <a:spcBef>
-                <a:spcPts val="0"/>
-              </a:spcBef>
-              <a:spcAft>
-                <a:spcPts val="0"/>
-              </a:spcAft>
-              <a:buNone/>
-            </a:pPr>
-            <a:r>
-              <a:rPr lang="sv" sz="1800">
-                <a:solidFill>
-                  <a:srgbClr val="BBB529"/>
-                </a:solidFill>
-                <a:highlight>
-                  <a:srgbClr val="2B2B2B"/>
-                </a:highlight>
-                <a:latin typeface="Courier New"/>
-                <a:ea typeface="Courier New"/>
-                <a:cs typeface="Courier New"/>
-                <a:sym typeface="Courier New"/>
-              </a:rPr>
-              <a:t>   </a:t>
-            </a:r>
-            <a:r>
-              <a:rPr lang="sv" sz="1800">
-                <a:solidFill>
-                  <a:srgbClr val="CC7832"/>
-                </a:solidFill>
-                <a:highlight>
-                  <a:srgbClr val="2B2B2B"/>
-                </a:highlight>
-                <a:latin typeface="Courier New"/>
-                <a:ea typeface="Courier New"/>
-                <a:cs typeface="Courier New"/>
-                <a:sym typeface="Courier New"/>
-              </a:rPr>
-              <a:t>public void </a:t>
-            </a:r>
-            <a:r>
-              <a:rPr lang="sv" sz="1800">
-                <a:solidFill>
-                  <a:srgbClr val="FFC66D"/>
-                </a:solidFill>
-                <a:highlight>
-                  <a:srgbClr val="2B2B2B"/>
-                </a:highlight>
-                <a:latin typeface="Courier New"/>
-                <a:ea typeface="Courier New"/>
-                <a:cs typeface="Courier New"/>
-                <a:sym typeface="Courier New"/>
-              </a:rPr>
-              <a:t>then</a:t>
-            </a:r>
-            <a:r>
-              <a:rPr lang="sv" sz="1800">
-                <a:solidFill>
-                  <a:srgbClr val="A9B7C6"/>
-                </a:solidFill>
-                <a:highlight>
-                  <a:srgbClr val="2B2B2B"/>
-                </a:highlight>
-                <a:latin typeface="Courier New"/>
-                <a:ea typeface="Courier New"/>
-                <a:cs typeface="Courier New"/>
-                <a:sym typeface="Courier New"/>
-              </a:rPr>
-              <a:t>(Facts facts) {</a:t>
-            </a:r>
-            <a:endParaRPr sz="1800">
-              <a:solidFill>
-                <a:srgbClr val="A9B7C6"/>
-              </a:solidFill>
-              <a:highlight>
-                <a:srgbClr val="2B2B2B"/>
-              </a:highlight>
-              <a:latin typeface="Courier New"/>
-              <a:ea typeface="Courier New"/>
-              <a:cs typeface="Courier New"/>
-              <a:sym typeface="Courier New"/>
-            </a:endParaRPr>
-          </a:p>
-          <a:p>
-            <a:pPr indent="0" lvl="0" marL="0" rtl="0" algn="l">
-              <a:spcBef>
-                <a:spcPts val="0"/>
-              </a:spcBef>
-              <a:spcAft>
-                <a:spcPts val="0"/>
-              </a:spcAft>
-              <a:buNone/>
-            </a:pPr>
-            <a:r>
-              <a:rPr lang="sv" sz="1800">
-                <a:solidFill>
-                  <a:srgbClr val="A9B7C6"/>
-                </a:solidFill>
-                <a:highlight>
-                  <a:srgbClr val="2B2B2B"/>
-                </a:highlight>
-                <a:latin typeface="Courier New"/>
-                <a:ea typeface="Courier New"/>
-                <a:cs typeface="Courier New"/>
-                <a:sym typeface="Courier New"/>
-              </a:rPr>
-              <a:t>       Double premium = facts.get(</a:t>
-            </a:r>
-            <a:r>
-              <a:rPr lang="sv" sz="1800">
-                <a:solidFill>
-                  <a:srgbClr val="6A8759"/>
-                </a:solidFill>
-                <a:highlight>
-                  <a:srgbClr val="2B2B2B"/>
-                </a:highlight>
-                <a:latin typeface="Courier New"/>
-                <a:ea typeface="Courier New"/>
-                <a:cs typeface="Courier New"/>
-                <a:sym typeface="Courier New"/>
-              </a:rPr>
-              <a:t>"premium"</a:t>
-            </a:r>
-            <a:r>
-              <a:rPr lang="sv" sz="1800">
-                <a:solidFill>
-                  <a:srgbClr val="A9B7C6"/>
-                </a:solidFill>
-                <a:highlight>
-                  <a:srgbClr val="2B2B2B"/>
-                </a:highlight>
-                <a:latin typeface="Courier New"/>
-                <a:ea typeface="Courier New"/>
-                <a:cs typeface="Courier New"/>
-                <a:sym typeface="Courier New"/>
-              </a:rPr>
-              <a:t>)</a:t>
-            </a:r>
-            <a:r>
-              <a:rPr lang="sv" sz="1800">
-                <a:solidFill>
-                  <a:srgbClr val="CC7832"/>
-                </a:solidFill>
-                <a:highlight>
-                  <a:srgbClr val="2B2B2B"/>
-                </a:highlight>
-                <a:latin typeface="Courier New"/>
-                <a:ea typeface="Courier New"/>
-                <a:cs typeface="Courier New"/>
-                <a:sym typeface="Courier New"/>
-              </a:rPr>
-              <a:t>;</a:t>
-            </a:r>
-            <a:endParaRPr sz="1800">
-              <a:solidFill>
-                <a:srgbClr val="CC7832"/>
-              </a:solidFill>
-              <a:highlight>
-                <a:srgbClr val="2B2B2B"/>
-              </a:highlight>
-              <a:latin typeface="Courier New"/>
-              <a:ea typeface="Courier New"/>
-              <a:cs typeface="Courier New"/>
-              <a:sym typeface="Courier New"/>
-            </a:endParaRPr>
-          </a:p>
-          <a:p>
-            <a:pPr indent="0" lvl="0" marL="0" rtl="0" algn="l">
-              <a:spcBef>
-                <a:spcPts val="0"/>
-              </a:spcBef>
-              <a:spcAft>
-                <a:spcPts val="0"/>
-              </a:spcAft>
-              <a:buNone/>
-            </a:pPr>
-            <a:r>
-              <a:rPr lang="sv" sz="1800">
-                <a:solidFill>
-                  <a:srgbClr val="CC7832"/>
-                </a:solidFill>
-                <a:highlight>
-                  <a:srgbClr val="2B2B2B"/>
-                </a:highlight>
-                <a:latin typeface="Courier New"/>
-                <a:ea typeface="Courier New"/>
-                <a:cs typeface="Courier New"/>
-                <a:sym typeface="Courier New"/>
-              </a:rPr>
-              <a:t>       </a:t>
-            </a:r>
-            <a:r>
-              <a:rPr lang="sv" sz="1800">
-                <a:solidFill>
-                  <a:srgbClr val="A9B7C6"/>
-                </a:solidFill>
-                <a:highlight>
-                  <a:srgbClr val="2B2B2B"/>
-                </a:highlight>
-                <a:latin typeface="Courier New"/>
-                <a:ea typeface="Courier New"/>
-                <a:cs typeface="Courier New"/>
-                <a:sym typeface="Courier New"/>
-              </a:rPr>
-              <a:t>premium *= </a:t>
-            </a:r>
-            <a:r>
-              <a:rPr lang="sv" sz="1800">
-                <a:solidFill>
-                  <a:srgbClr val="6897BB"/>
-                </a:solidFill>
-                <a:highlight>
-                  <a:srgbClr val="2B2B2B"/>
-                </a:highlight>
-                <a:latin typeface="Courier New"/>
-                <a:ea typeface="Courier New"/>
-                <a:cs typeface="Courier New"/>
-                <a:sym typeface="Courier New"/>
-              </a:rPr>
-              <a:t>1.10</a:t>
-            </a:r>
-            <a:r>
-              <a:rPr lang="sv" sz="1800">
-                <a:solidFill>
-                  <a:srgbClr val="CC7832"/>
-                </a:solidFill>
-                <a:highlight>
-                  <a:srgbClr val="2B2B2B"/>
-                </a:highlight>
-                <a:latin typeface="Courier New"/>
-                <a:ea typeface="Courier New"/>
-                <a:cs typeface="Courier New"/>
-                <a:sym typeface="Courier New"/>
-              </a:rPr>
-              <a:t>;</a:t>
-            </a:r>
-            <a:endParaRPr sz="1800">
-              <a:solidFill>
-                <a:srgbClr val="CC7832"/>
-              </a:solidFill>
-              <a:highlight>
-                <a:srgbClr val="2B2B2B"/>
-              </a:highlight>
-              <a:latin typeface="Courier New"/>
-              <a:ea typeface="Courier New"/>
-              <a:cs typeface="Courier New"/>
-              <a:sym typeface="Courier New"/>
-            </a:endParaRPr>
-          </a:p>
-          <a:p>
-            <a:pPr indent="0" lvl="0" marL="0" rtl="0" algn="l">
-              <a:spcBef>
-                <a:spcPts val="0"/>
-              </a:spcBef>
-              <a:spcAft>
-                <a:spcPts val="0"/>
-              </a:spcAft>
-              <a:buNone/>
-            </a:pPr>
-            <a:r>
-              <a:rPr lang="sv" sz="1800">
-                <a:solidFill>
-                  <a:srgbClr val="CC7832"/>
-                </a:solidFill>
-                <a:highlight>
-                  <a:srgbClr val="2B2B2B"/>
-                </a:highlight>
-                <a:latin typeface="Courier New"/>
-                <a:ea typeface="Courier New"/>
-                <a:cs typeface="Courier New"/>
-                <a:sym typeface="Courier New"/>
-              </a:rPr>
-              <a:t>       </a:t>
-            </a:r>
-            <a:r>
-              <a:rPr lang="sv" sz="1800">
-                <a:solidFill>
-                  <a:srgbClr val="A9B7C6"/>
-                </a:solidFill>
-                <a:highlight>
-                  <a:srgbClr val="2B2B2B"/>
-                </a:highlight>
-                <a:latin typeface="Courier New"/>
-                <a:ea typeface="Courier New"/>
-                <a:cs typeface="Courier New"/>
-                <a:sym typeface="Courier New"/>
-              </a:rPr>
-              <a:t>facts.put(</a:t>
-            </a:r>
-            <a:r>
-              <a:rPr lang="sv" sz="1800">
-                <a:solidFill>
-                  <a:srgbClr val="6A8759"/>
-                </a:solidFill>
-                <a:highlight>
-                  <a:srgbClr val="2B2B2B"/>
-                </a:highlight>
-                <a:latin typeface="Courier New"/>
-                <a:ea typeface="Courier New"/>
-                <a:cs typeface="Courier New"/>
-                <a:sym typeface="Courier New"/>
-              </a:rPr>
-              <a:t>"premium"</a:t>
-            </a:r>
-            <a:r>
-              <a:rPr lang="sv" sz="1800">
-                <a:solidFill>
-                  <a:srgbClr val="CC7832"/>
-                </a:solidFill>
-                <a:highlight>
-                  <a:srgbClr val="2B2B2B"/>
-                </a:highlight>
-                <a:latin typeface="Courier New"/>
-                <a:ea typeface="Courier New"/>
-                <a:cs typeface="Courier New"/>
-                <a:sym typeface="Courier New"/>
-              </a:rPr>
-              <a:t>, </a:t>
-            </a:r>
-            <a:r>
-              <a:rPr lang="sv" sz="1800">
-                <a:solidFill>
-                  <a:srgbClr val="A9B7C6"/>
-                </a:solidFill>
-                <a:highlight>
-                  <a:srgbClr val="2B2B2B"/>
-                </a:highlight>
-                <a:latin typeface="Courier New"/>
-                <a:ea typeface="Courier New"/>
-                <a:cs typeface="Courier New"/>
-                <a:sym typeface="Courier New"/>
-              </a:rPr>
-              <a:t>premium)</a:t>
-            </a:r>
-            <a:r>
-              <a:rPr lang="sv" sz="1800">
-                <a:solidFill>
-                  <a:srgbClr val="CC7832"/>
-                </a:solidFill>
-                <a:highlight>
-                  <a:srgbClr val="2B2B2B"/>
-                </a:highlight>
-                <a:latin typeface="Courier New"/>
-                <a:ea typeface="Courier New"/>
-                <a:cs typeface="Courier New"/>
-                <a:sym typeface="Courier New"/>
-              </a:rPr>
-              <a:t>;</a:t>
-            </a:r>
-            <a:endParaRPr sz="1800">
-              <a:solidFill>
-                <a:srgbClr val="CC7832"/>
-              </a:solidFill>
-              <a:highlight>
-                <a:srgbClr val="2B2B2B"/>
-              </a:highlight>
-              <a:latin typeface="Courier New"/>
-              <a:ea typeface="Courier New"/>
-              <a:cs typeface="Courier New"/>
-              <a:sym typeface="Courier New"/>
-            </a:endParaRPr>
-          </a:p>
-          <a:p>
-            <a:pPr indent="0" lvl="0" marL="0" rtl="0" algn="l">
-              <a:spcBef>
-                <a:spcPts val="0"/>
-              </a:spcBef>
-              <a:spcAft>
-                <a:spcPts val="0"/>
-              </a:spcAft>
-              <a:buNone/>
-            </a:pPr>
-            <a:r>
-              <a:rPr lang="sv" sz="1800">
-                <a:solidFill>
-                  <a:srgbClr val="CC7832"/>
-                </a:solidFill>
-                <a:highlight>
-                  <a:srgbClr val="2B2B2B"/>
-                </a:highlight>
-                <a:latin typeface="Courier New"/>
-                <a:ea typeface="Courier New"/>
-                <a:cs typeface="Courier New"/>
-                <a:sym typeface="Courier New"/>
-              </a:rPr>
-              <a:t>   </a:t>
-            </a:r>
-            <a:r>
-              <a:rPr lang="sv" sz="1800">
-                <a:solidFill>
-                  <a:srgbClr val="A9B7C6"/>
-                </a:solidFill>
-                <a:highlight>
-                  <a:srgbClr val="2B2B2B"/>
-                </a:highlight>
-                <a:latin typeface="Courier New"/>
-                <a:ea typeface="Courier New"/>
-                <a:cs typeface="Courier New"/>
-                <a:sym typeface="Courier New"/>
-              </a:rPr>
-              <a:t>}</a:t>
-            </a:r>
-            <a:endParaRPr sz="1800">
-              <a:solidFill>
-                <a:srgbClr val="A9B7C6"/>
-              </a:solidFill>
-              <a:highlight>
-                <a:srgbClr val="2B2B2B"/>
-              </a:highlight>
-              <a:latin typeface="Courier New"/>
-              <a:ea typeface="Courier New"/>
-              <a:cs typeface="Courier New"/>
-              <a:sym typeface="Courier New"/>
-            </a:endParaRPr>
-          </a:p>
-          <a:p>
-            <a:pPr indent="0" lvl="0" marL="0" rtl="0" algn="l">
-              <a:spcBef>
-                <a:spcPts val="0"/>
-              </a:spcBef>
-              <a:spcAft>
-                <a:spcPts val="0"/>
-              </a:spcAft>
-              <a:buNone/>
-            </a:pPr>
-            <a:r>
-              <a:rPr lang="sv" sz="1800">
-                <a:solidFill>
-                  <a:srgbClr val="A9B7C6"/>
-                </a:solidFill>
-                <a:highlight>
-                  <a:srgbClr val="2B2B2B"/>
-                </a:highlight>
-                <a:latin typeface="Courier New"/>
-                <a:ea typeface="Courier New"/>
-                <a:cs typeface="Courier New"/>
-                <a:sym typeface="Courier New"/>
-              </a:rPr>
-              <a:t>}</a:t>
-            </a:r>
-            <a:endParaRPr sz="1800">
-              <a:solidFill>
-                <a:srgbClr val="A9B7C6"/>
-              </a:solidFill>
-              <a:highlight>
-                <a:srgbClr val="2B2B2B"/>
-              </a:highlight>
-              <a:latin typeface="Courier New"/>
-              <a:ea typeface="Courier New"/>
-              <a:cs typeface="Courier New"/>
-              <a:sym typeface="Courier New"/>
-            </a:endParaRPr>
-          </a:p>
-        </p:txBody>
-      </p:sp>
-    </p:spTree>
-  </p:cSld>
-  <p:clrMapOvr>
-    <a:masterClrMapping/>
-  </p:clrMapOvr>
-</p:sld>
-</file>
-
-<file path=ppt/slides/slide17.xml><?xml version="1.0" encoding="utf-8"?>
-<p:sld xmlns:a="http://schemas.openxmlformats.org/drawingml/2006/main" xmlns:r="http://schemas.openxmlformats.org/officeDocument/2006/relationships" xmlns:mc="http://schemas.openxmlformats.org/markup-compatibility/2006" xmlns:mv="urn:schemas-microsoft-com:mac:vml" xmlns:p="http://schemas.openxmlformats.org/presentationml/2006/main" xmlns:c="http://schemas.openxmlformats.org/drawingml/2006/chart" xmlns:dgm="http://schemas.openxmlformats.org/drawingml/2006/diagram" xmlns:o="urn:schemas-microsoft-com:office:office" xmlns:v="urn:schemas-microsoft-com:vml" xmlns:pvml="urn:schemas-microsoft-com:office:powerpoint" xmlns:com="http://schemas.openxmlformats.org/drawingml/2006/compatibility" xmlns:p14="http://schemas.microsoft.com/office/powerpoint/2010/main" xmlns:p15="http://schemas.microsoft.com/office/powerpoint/2012/main">
-  <p:cSld>
-    <p:spTree>
-      <p:nvGrpSpPr>
-        <p:cNvPr id="149" name="Shape 149"/>
-        <p:cNvGrpSpPr/>
-        <p:nvPr/>
-      </p:nvGrpSpPr>
-      <p:grpSpPr>
-        <a:xfrm>
-          <a:off x="0" y="0"/>
-          <a:ext cx="0" cy="0"/>
-          <a:chOff x="0" y="0"/>
-          <a:chExt cx="0" cy="0"/>
-        </a:xfrm>
-      </p:grpSpPr>
-      <p:sp>
-        <p:nvSpPr>
-          <p:cNvPr id="150" name="Google Shape;150;p29"/>
-          <p:cNvSpPr txBox="1"/>
-          <p:nvPr>
-            <p:ph type="title"/>
-          </p:nvPr>
-        </p:nvSpPr>
-        <p:spPr>
-          <a:xfrm>
-            <a:off x="311700" y="2150850"/>
-            <a:ext cx="8520600" cy="841800"/>
-          </a:xfrm>
-          <a:prstGeom prst="rect">
-            <a:avLst/>
-          </a:prstGeom>
-        </p:spPr>
-        <p:txBody>
-          <a:bodyPr anchorCtr="0" anchor="ctr" bIns="91425" lIns="91425" spcFirstLastPara="1" rIns="91425" wrap="square" tIns="91425">
-            <a:noAutofit/>
-          </a:bodyPr>
-          <a:lstStyle/>
-          <a:p>
-            <a:pPr indent="0" lvl="0" marL="0" rtl="0" algn="ctr">
-              <a:spcBef>
-                <a:spcPts val="0"/>
-              </a:spcBef>
-              <a:spcAft>
-                <a:spcPts val="0"/>
-              </a:spcAft>
-              <a:buNone/>
-            </a:pPr>
-            <a:r>
-              <a:rPr lang="sv" sz="4800"/>
-              <a:t>Labb</a:t>
-            </a:r>
-            <a:endParaRPr sz="4800"/>
-          </a:p>
-        </p:txBody>
-      </p:sp>
-    </p:spTree>
-  </p:cSld>
-  <p:clrMapOvr>
-    <a:masterClrMapping/>
-  </p:clrMapOvr>
-</p:sld>
-</file>
-
-<file path=ppt/slides/slide18.xml><?xml version="1.0" encoding="utf-8"?>
-<p:sld xmlns:a="http://schemas.openxmlformats.org/drawingml/2006/main" xmlns:r="http://schemas.openxmlformats.org/officeDocument/2006/relationships" xmlns:mc="http://schemas.openxmlformats.org/markup-compatibility/2006" xmlns:mv="urn:schemas-microsoft-com:mac:vml" xmlns:p="http://schemas.openxmlformats.org/presentationml/2006/main" xmlns:c="http://schemas.openxmlformats.org/drawingml/2006/chart" xmlns:dgm="http://schemas.openxmlformats.org/drawingml/2006/diagram" xmlns:o="urn:schemas-microsoft-com:office:office" xmlns:v="urn:schemas-microsoft-com:vml" xmlns:pvml="urn:schemas-microsoft-com:office:powerpoint" xmlns:com="http://schemas.openxmlformats.org/drawingml/2006/compatibility" xmlns:p14="http://schemas.microsoft.com/office/powerpoint/2010/main" xmlns:p15="http://schemas.microsoft.com/office/powerpoint/2012/main">
-  <p:cSld>
-    <p:spTree>
-      <p:nvGrpSpPr>
-        <p:cNvPr id="154" name="Shape 154"/>
-        <p:cNvGrpSpPr/>
-        <p:nvPr/>
-      </p:nvGrpSpPr>
-      <p:grpSpPr>
-        <a:xfrm>
-          <a:off x="0" y="0"/>
-          <a:ext cx="0" cy="0"/>
-          <a:chOff x="0" y="0"/>
-          <a:chExt cx="0" cy="0"/>
-        </a:xfrm>
-      </p:grpSpPr>
-      <p:sp>
-        <p:nvSpPr>
-          <p:cNvPr id="155" name="Google Shape;155;p30"/>
+          <p:cNvPr id="146" name="Google Shape;146;p28"/>
           <p:cNvSpPr txBox="1"/>
           <p:nvPr>
             <p:ph type="title"/>
@@ -13909,7 +14780,7 @@
             </a:pPr>
             <a:r>
               <a:rPr lang="sv" sz="4800"/>
-              <a:t>Labb</a:t>
+              <a:t>Programmeringsmodell</a:t>
             </a:r>
             <a:endParaRPr sz="4800"/>
           </a:p>
@@ -13917,7 +14788,7 @@
       </p:sp>
       <p:sp>
         <p:nvSpPr>
-          <p:cNvPr id="156" name="Google Shape;156;p30"/>
+          <p:cNvPr id="147" name="Google Shape;147;p28"/>
           <p:cNvSpPr txBox="1"/>
           <p:nvPr>
             <p:ph idx="1" type="body"/>
@@ -13938,19 +14809,57 @@
           </a:bodyPr>
           <a:lstStyle/>
           <a:p>
-            <a:pPr indent="-419100" lvl="0" marL="457200" rtl="0" algn="l">
-              <a:spcBef>
-                <a:spcPts val="0"/>
-              </a:spcBef>
-              <a:spcAft>
-                <a:spcPts val="0"/>
-              </a:spcAft>
-              <a:buSzPts val="3000"/>
-              <a:buChar char="❖"/>
+            <a:pPr indent="0" lvl="0" marL="0" rtl="0" algn="l">
+              <a:spcBef>
+                <a:spcPts val="0"/>
+              </a:spcBef>
+              <a:spcAft>
+                <a:spcPts val="0"/>
+              </a:spcAft>
+              <a:buNone/>
             </a:pPr>
             <a:r>
               <a:rPr lang="sv" sz="3000"/>
-              <a:t>TBD: Instruktioner för labb...</a:t>
+              <a:t>WHEN</a:t>
+            </a:r>
+            <a:br>
+              <a:rPr lang="sv" sz="3000"/>
+            </a:br>
+            <a:r>
+              <a:rPr lang="sv" sz="3000"/>
+              <a:t>	driver.age &lt; 25</a:t>
+            </a:r>
+            <a:endParaRPr sz="3000"/>
+          </a:p>
+          <a:p>
+            <a:pPr indent="0" lvl="0" marL="0" rtl="0" algn="l">
+              <a:spcBef>
+                <a:spcPts val="1600"/>
+              </a:spcBef>
+              <a:spcAft>
+                <a:spcPts val="0"/>
+              </a:spcAft>
+              <a:buNone/>
+            </a:pPr>
+            <a:r>
+              <a:rPr lang="sv" sz="3000"/>
+              <a:t>THEN</a:t>
+            </a:r>
+            <a:endParaRPr sz="3000"/>
+          </a:p>
+          <a:p>
+            <a:pPr indent="0" lvl="0" marL="0" rtl="0" algn="l">
+              <a:spcBef>
+                <a:spcPts val="1600"/>
+              </a:spcBef>
+              <a:spcAft>
+                <a:spcPts val="1600"/>
+              </a:spcAft>
+              <a:buNone/>
+            </a:pPr>
+            <a:r>
+              <a:rPr lang="sv" sz="3000"/>
+              <a:t>	premium *= 1.10</a:t>
             </a:r>
             <a:endParaRPr sz="3000"/>
           </a:p>
@@ -13964,12 +14873,12 @@
 </p:sld>
 </file>
 
-<file path=ppt/slides/slide19.xml><?xml version="1.0" encoding="utf-8"?>
+<file path=ppt/slides/slide17.xml><?xml version="1.0" encoding="utf-8"?>
 <p:sld xmlns:a="http://schemas.openxmlformats.org/drawingml/2006/main" xmlns:r="http://schemas.openxmlformats.org/officeDocument/2006/relationships" xmlns:mc="http://schemas.openxmlformats.org/markup-compatibility/2006" xmlns:mv="urn:schemas-microsoft-com:mac:vml" xmlns:p="http://schemas.openxmlformats.org/presentationml/2006/main" xmlns:c="http://schemas.openxmlformats.org/drawingml/2006/chart" xmlns:dgm="http://schemas.openxmlformats.org/drawingml/2006/diagram" xmlns:o="urn:schemas-microsoft-com:office:office" xmlns:v="urn:schemas-microsoft-com:vml" xmlns:pvml="urn:schemas-microsoft-com:office:powerpoint" xmlns:com="http://schemas.openxmlformats.org/drawingml/2006/compatibility" xmlns:p14="http://schemas.microsoft.com/office/powerpoint/2010/main" xmlns:p15="http://schemas.microsoft.com/office/powerpoint/2012/main">
   <p:cSld>
     <p:spTree>
       <p:nvGrpSpPr>
-        <p:cNvPr id="160" name="Shape 160"/>
+        <p:cNvPr id="151" name="Shape 151"/>
         <p:cNvGrpSpPr/>
         <p:nvPr/>
       </p:nvGrpSpPr>
@@ -13983,7 +14892,7 @@
       </p:grpSpPr>
       <p:sp>
         <p:nvSpPr>
-          <p:cNvPr id="161" name="Google Shape;161;p31"/>
+          <p:cNvPr id="152" name="Google Shape;152;p29"/>
           <p:cNvSpPr txBox="1"/>
           <p:nvPr>
             <p:ph type="title"/>
@@ -14015,7 +14924,7 @@
             </a:pPr>
             <a:r>
               <a:rPr lang="sv" sz="4800"/>
-              <a:t>Sammanfattning</a:t>
+              <a:t>RETE-algoritmen</a:t>
             </a:r>
             <a:endParaRPr sz="4800"/>
           </a:p>
@@ -14023,7 +14932,7 @@
       </p:sp>
       <p:sp>
         <p:nvSpPr>
-          <p:cNvPr id="162" name="Google Shape;162;p31"/>
+          <p:cNvPr id="153" name="Google Shape;153;p29"/>
           <p:cNvSpPr txBox="1"/>
           <p:nvPr>
             <p:ph idx="1" type="body"/>
@@ -14056,7 +14965,7 @@
             </a:pPr>
             <a:r>
               <a:rPr lang="sv" sz="3000"/>
-              <a:t>Deklarativ programmering</a:t>
+              <a:t>Ett träd där löven är regler</a:t>
             </a:r>
             <a:endParaRPr sz="3000"/>
           </a:p>
@@ -14073,12 +14982,258 @@
             </a:pPr>
             <a:r>
               <a:rPr lang="sv" sz="3000"/>
-              <a:t>Regelbaserade verksamheter</a:t>
+              <a:t>Varje nod i trädet innehåller fakta</a:t>
+            </a:r>
+            <a:endParaRPr sz="3000"/>
+          </a:p>
+          <a:p>
+            <a:pPr indent="-419100" lvl="0" marL="457200" rtl="0" algn="l">
+              <a:spcBef>
+                <a:spcPts val="0"/>
+              </a:spcBef>
+              <a:spcAft>
+                <a:spcPts val="0"/>
+              </a:spcAft>
+              <a:buSzPts val="3000"/>
+              <a:buChar char="❖"/>
+            </a:pPr>
+            <a:r>
+              <a:rPr lang="sv" sz="3000"/>
+              <a:t>Gemensamma noder för flera regler</a:t>
+            </a:r>
+            <a:endParaRPr sz="3000"/>
+          </a:p>
+          <a:p>
+            <a:pPr indent="-419100" lvl="0" marL="457200" rtl="0" algn="l">
+              <a:spcBef>
+                <a:spcPts val="0"/>
+              </a:spcBef>
+              <a:spcAft>
+                <a:spcPts val="0"/>
+              </a:spcAft>
+              <a:buSzPts val="3000"/>
+              <a:buChar char="❖"/>
+            </a:pPr>
+            <a:r>
+              <a:rPr lang="sv" sz="3000"/>
+              <a:t>Noder kommer ihåg matchade fakta</a:t>
+            </a:r>
+            <a:endParaRPr sz="3000"/>
+          </a:p>
+          <a:p>
+            <a:pPr indent="-419100" lvl="0" marL="457200" rtl="0" algn="l">
+              <a:spcBef>
+                <a:spcPts val="0"/>
+              </a:spcBef>
+              <a:spcAft>
+                <a:spcPts val="0"/>
+              </a:spcAft>
+              <a:buSzPts val="3000"/>
+              <a:buChar char="❖"/>
+            </a:pPr>
+            <a:r>
+              <a:rPr lang="sv" sz="3000"/>
+              <a:t>Kräver mycket minne</a:t>
             </a:r>
             <a:endParaRPr sz="3000"/>
           </a:p>
         </p:txBody>
       </p:sp>
+    </p:spTree>
+  </p:cSld>
+  <p:clrMapOvr>
+    <a:masterClrMapping/>
+  </p:clrMapOvr>
+</p:sld>
+</file>
+
+<file path=ppt/slides/slide18.xml><?xml version="1.0" encoding="utf-8"?>
+<p:sld xmlns:a="http://schemas.openxmlformats.org/drawingml/2006/main" xmlns:r="http://schemas.openxmlformats.org/officeDocument/2006/relationships" xmlns:mc="http://schemas.openxmlformats.org/markup-compatibility/2006" xmlns:mv="urn:schemas-microsoft-com:mac:vml" xmlns:p="http://schemas.openxmlformats.org/presentationml/2006/main" xmlns:c="http://schemas.openxmlformats.org/drawingml/2006/chart" xmlns:dgm="http://schemas.openxmlformats.org/drawingml/2006/diagram" xmlns:o="urn:schemas-microsoft-com:office:office" xmlns:v="urn:schemas-microsoft-com:vml" xmlns:pvml="urn:schemas-microsoft-com:office:powerpoint" xmlns:com="http://schemas.openxmlformats.org/drawingml/2006/compatibility" xmlns:p14="http://schemas.microsoft.com/office/powerpoint/2010/main" xmlns:p15="http://schemas.microsoft.com/office/powerpoint/2012/main">
+  <p:cSld>
+    <p:spTree>
+      <p:nvGrpSpPr>
+        <p:cNvPr id="157" name="Shape 157"/>
+        <p:cNvGrpSpPr/>
+        <p:nvPr/>
+      </p:nvGrpSpPr>
+      <p:grpSpPr>
+        <a:xfrm>
+          <a:off x="0" y="0"/>
+          <a:ext cx="0" cy="0"/>
+          <a:chOff x="0" y="0"/>
+          <a:chExt cx="0" cy="0"/>
+        </a:xfrm>
+      </p:grpSpPr>
+      <p:sp>
+        <p:nvSpPr>
+          <p:cNvPr id="158" name="Google Shape;158;p30"/>
+          <p:cNvSpPr/>
+          <p:nvPr/>
+        </p:nvSpPr>
+        <p:spPr>
+          <a:xfrm>
+            <a:off x="889800" y="0"/>
+            <a:ext cx="7364400" cy="5143500"/>
+          </a:xfrm>
+          <a:prstGeom prst="rect">
+            <a:avLst/>
+          </a:prstGeom>
+          <a:solidFill>
+            <a:srgbClr val="FFFFFF"/>
+          </a:solidFill>
+          <a:ln cap="flat" cmpd="sng" w="9525">
+            <a:solidFill>
+              <a:schemeClr val="dk2"/>
+            </a:solidFill>
+            <a:prstDash val="solid"/>
+            <a:round/>
+            <a:headEnd len="sm" w="sm" type="none"/>
+            <a:tailEnd len="sm" w="sm" type="none"/>
+          </a:ln>
+        </p:spPr>
+        <p:txBody>
+          <a:bodyPr anchorCtr="0" anchor="ctr" bIns="91425" lIns="91425" spcFirstLastPara="1" rIns="91425" wrap="square" tIns="91425">
+            <a:noAutofit/>
+          </a:bodyPr>
+          <a:lstStyle/>
+          <a:p>
+            <a:pPr indent="0" lvl="0" marL="0" rtl="0" algn="l">
+              <a:spcBef>
+                <a:spcPts val="0"/>
+              </a:spcBef>
+              <a:spcAft>
+                <a:spcPts val="0"/>
+              </a:spcAft>
+              <a:buNone/>
+            </a:pPr>
+            <a:r>
+              <a:t/>
+            </a:r>
+            <a:endParaRPr/>
+          </a:p>
+        </p:txBody>
+      </p:sp>
+      <p:pic>
+        <p:nvPicPr>
+          <p:cNvPr id="159" name="Google Shape;159;p30"/>
+          <p:cNvPicPr preferRelativeResize="0"/>
+          <p:nvPr/>
+        </p:nvPicPr>
+        <p:blipFill>
+          <a:blip r:embed="rId3">
+            <a:alphaModFix/>
+          </a:blip>
+          <a:stretch>
+            <a:fillRect/>
+          </a:stretch>
+        </p:blipFill>
+        <p:spPr>
+          <a:xfrm>
+            <a:off x="889850" y="0"/>
+            <a:ext cx="7364296" cy="5143500"/>
+          </a:xfrm>
+          <a:prstGeom prst="rect">
+            <a:avLst/>
+          </a:prstGeom>
+          <a:noFill/>
+          <a:ln>
+            <a:noFill/>
+          </a:ln>
+        </p:spPr>
+      </p:pic>
+    </p:spTree>
+  </p:cSld>
+  <p:clrMapOvr>
+    <a:masterClrMapping/>
+  </p:clrMapOvr>
+</p:sld>
+</file>
+
+<file path=ppt/slides/slide19.xml><?xml version="1.0" encoding="utf-8"?>
+<p:sld xmlns:a="http://schemas.openxmlformats.org/drawingml/2006/main" xmlns:r="http://schemas.openxmlformats.org/officeDocument/2006/relationships" xmlns:mc="http://schemas.openxmlformats.org/markup-compatibility/2006" xmlns:mv="urn:schemas-microsoft-com:mac:vml" xmlns:p="http://schemas.openxmlformats.org/presentationml/2006/main" xmlns:c="http://schemas.openxmlformats.org/drawingml/2006/chart" xmlns:dgm="http://schemas.openxmlformats.org/drawingml/2006/diagram" xmlns:o="urn:schemas-microsoft-com:office:office" xmlns:v="urn:schemas-microsoft-com:vml" xmlns:pvml="urn:schemas-microsoft-com:office:powerpoint" xmlns:com="http://schemas.openxmlformats.org/drawingml/2006/compatibility" xmlns:p14="http://schemas.microsoft.com/office/powerpoint/2010/main" xmlns:p15="http://schemas.microsoft.com/office/powerpoint/2012/main">
+  <p:cSld>
+    <p:spTree>
+      <p:nvGrpSpPr>
+        <p:cNvPr id="163" name="Shape 163"/>
+        <p:cNvGrpSpPr/>
+        <p:nvPr/>
+      </p:nvGrpSpPr>
+      <p:grpSpPr>
+        <a:xfrm>
+          <a:off x="0" y="0"/>
+          <a:ext cx="0" cy="0"/>
+          <a:chOff x="0" y="0"/>
+          <a:chExt cx="0" cy="0"/>
+        </a:xfrm>
+      </p:grpSpPr>
+      <p:sp>
+        <p:nvSpPr>
+          <p:cNvPr id="164" name="Google Shape;164;p31"/>
+          <p:cNvSpPr txBox="1"/>
+          <p:nvPr>
+            <p:ph type="title"/>
+          </p:nvPr>
+        </p:nvSpPr>
+        <p:spPr>
+          <a:xfrm>
+            <a:off x="0" y="2150850"/>
+            <a:ext cx="4572000" cy="841800"/>
+          </a:xfrm>
+          <a:prstGeom prst="rect">
+            <a:avLst/>
+          </a:prstGeom>
+        </p:spPr>
+        <p:txBody>
+          <a:bodyPr anchorCtr="0" anchor="ctr" bIns="91425" lIns="91425" spcFirstLastPara="1" rIns="91425" wrap="square" tIns="91425">
+            <a:noAutofit/>
+          </a:bodyPr>
+          <a:lstStyle/>
+          <a:p>
+            <a:pPr indent="0" lvl="0" marL="0" rtl="0" algn="ctr">
+              <a:spcBef>
+                <a:spcPts val="0"/>
+              </a:spcBef>
+              <a:spcAft>
+                <a:spcPts val="0"/>
+              </a:spcAft>
+              <a:buNone/>
+            </a:pPr>
+            <a:r>
+              <a:rPr lang="sv" sz="4800"/>
+              <a:t>Drools?</a:t>
+            </a:r>
+            <a:endParaRPr sz="4800"/>
+          </a:p>
+        </p:txBody>
+      </p:sp>
+      <p:pic>
+        <p:nvPicPr>
+          <p:cNvPr id="165" name="Google Shape;165;p31"/>
+          <p:cNvPicPr preferRelativeResize="0"/>
+          <p:nvPr/>
+        </p:nvPicPr>
+        <p:blipFill>
+          <a:blip r:embed="rId3">
+            <a:alphaModFix/>
+          </a:blip>
+          <a:stretch>
+            <a:fillRect/>
+          </a:stretch>
+        </p:blipFill>
+        <p:spPr>
+          <a:xfrm>
+            <a:off x="5087775" y="1058625"/>
+            <a:ext cx="3026250" cy="3026250"/>
+          </a:xfrm>
+          <a:prstGeom prst="rect">
+            <a:avLst/>
+          </a:prstGeom>
+          <a:noFill/>
+          <a:ln>
+            <a:noFill/>
+          </a:ln>
+        </p:spPr>
+      </p:pic>
     </p:spTree>
   </p:cSld>
   <p:clrMapOvr>
@@ -14232,7 +15387,7 @@
   <p:cSld>
     <p:spTree>
       <p:nvGrpSpPr>
-        <p:cNvPr id="166" name="Shape 166"/>
+        <p:cNvPr id="169" name="Shape 169"/>
         <p:cNvGrpSpPr/>
         <p:nvPr/>
       </p:nvGrpSpPr>
@@ -14246,7 +15401,546 @@
       </p:grpSpPr>
       <p:sp>
         <p:nvSpPr>
-          <p:cNvPr id="167" name="Google Shape;167;p32"/>
+          <p:cNvPr id="170" name="Google Shape;170;p32"/>
+          <p:cNvSpPr txBox="1"/>
+          <p:nvPr>
+            <p:ph type="title"/>
+          </p:nvPr>
+        </p:nvSpPr>
+        <p:spPr>
+          <a:xfrm>
+            <a:off x="0" y="2150850"/>
+            <a:ext cx="4572000" cy="841800"/>
+          </a:xfrm>
+          <a:prstGeom prst="rect">
+            <a:avLst/>
+          </a:prstGeom>
+        </p:spPr>
+        <p:txBody>
+          <a:bodyPr anchorCtr="0" anchor="ctr" bIns="91425" lIns="91425" spcFirstLastPara="1" rIns="91425" wrap="square" tIns="91425">
+            <a:noAutofit/>
+          </a:bodyPr>
+          <a:lstStyle/>
+          <a:p>
+            <a:pPr indent="0" lvl="0" marL="0" rtl="0" algn="ctr">
+              <a:spcBef>
+                <a:spcPts val="0"/>
+              </a:spcBef>
+              <a:spcAft>
+                <a:spcPts val="0"/>
+              </a:spcAft>
+              <a:buNone/>
+            </a:pPr>
+            <a:r>
+              <a:rPr lang="sv" sz="4800"/>
+              <a:t>Drools!</a:t>
+            </a:r>
+            <a:endParaRPr sz="4800"/>
+          </a:p>
+        </p:txBody>
+      </p:sp>
+      <p:pic>
+        <p:nvPicPr>
+          <p:cNvPr id="171" name="Google Shape;171;p32"/>
+          <p:cNvPicPr preferRelativeResize="0"/>
+          <p:nvPr/>
+        </p:nvPicPr>
+        <p:blipFill>
+          <a:blip r:embed="rId3">
+            <a:alphaModFix/>
+          </a:blip>
+          <a:stretch>
+            <a:fillRect/>
+          </a:stretch>
+        </p:blipFill>
+        <p:spPr>
+          <a:xfrm>
+            <a:off x="5232425" y="1301075"/>
+            <a:ext cx="2541350" cy="2541350"/>
+          </a:xfrm>
+          <a:prstGeom prst="rect">
+            <a:avLst/>
+          </a:prstGeom>
+          <a:noFill/>
+          <a:ln>
+            <a:noFill/>
+          </a:ln>
+        </p:spPr>
+      </p:pic>
+    </p:spTree>
+  </p:cSld>
+  <p:clrMapOvr>
+    <a:masterClrMapping/>
+  </p:clrMapOvr>
+</p:sld>
+</file>
+
+<file path=ppt/slides/slide21.xml><?xml version="1.0" encoding="utf-8"?>
+<p:sld xmlns:a="http://schemas.openxmlformats.org/drawingml/2006/main" xmlns:r="http://schemas.openxmlformats.org/officeDocument/2006/relationships" xmlns:mc="http://schemas.openxmlformats.org/markup-compatibility/2006" xmlns:mv="urn:schemas-microsoft-com:mac:vml" xmlns:p="http://schemas.openxmlformats.org/presentationml/2006/main" xmlns:c="http://schemas.openxmlformats.org/drawingml/2006/chart" xmlns:dgm="http://schemas.openxmlformats.org/drawingml/2006/diagram" xmlns:o="urn:schemas-microsoft-com:office:office" xmlns:v="urn:schemas-microsoft-com:vml" xmlns:pvml="urn:schemas-microsoft-com:office:powerpoint" xmlns:com="http://schemas.openxmlformats.org/drawingml/2006/compatibility" xmlns:p14="http://schemas.microsoft.com/office/powerpoint/2010/main" xmlns:p15="http://schemas.microsoft.com/office/powerpoint/2012/main">
+  <p:cSld>
+    <p:spTree>
+      <p:nvGrpSpPr>
+        <p:cNvPr id="175" name="Shape 175"/>
+        <p:cNvGrpSpPr/>
+        <p:nvPr/>
+      </p:nvGrpSpPr>
+      <p:grpSpPr>
+        <a:xfrm>
+          <a:off x="0" y="0"/>
+          <a:ext cx="0" cy="0"/>
+          <a:chOff x="0" y="0"/>
+          <a:chExt cx="0" cy="0"/>
+        </a:xfrm>
+      </p:grpSpPr>
+      <p:sp>
+        <p:nvSpPr>
+          <p:cNvPr id="176" name="Google Shape;176;p33"/>
+          <p:cNvSpPr txBox="1"/>
+          <p:nvPr>
+            <p:ph idx="1" type="body"/>
+          </p:nvPr>
+        </p:nvSpPr>
+        <p:spPr>
+          <a:xfrm>
+            <a:off x="311700" y="1331350"/>
+            <a:ext cx="8520600" cy="3237600"/>
+          </a:xfrm>
+          <a:prstGeom prst="rect">
+            <a:avLst/>
+          </a:prstGeom>
+        </p:spPr>
+        <p:txBody>
+          <a:bodyPr anchorCtr="0" anchor="t" bIns="91425" lIns="91425" spcFirstLastPara="1" rIns="91425" wrap="square" tIns="91425">
+            <a:noAutofit/>
+          </a:bodyPr>
+          <a:lstStyle/>
+          <a:p>
+            <a:pPr indent="-419100" lvl="0" marL="457200" rtl="0" algn="l">
+              <a:spcBef>
+                <a:spcPts val="0"/>
+              </a:spcBef>
+              <a:spcAft>
+                <a:spcPts val="0"/>
+              </a:spcAft>
+              <a:buSzPts val="3000"/>
+              <a:buChar char="❖"/>
+            </a:pPr>
+            <a:r>
+              <a:rPr lang="sv" sz="3000"/>
+              <a:t>Highly efficient data model for storing and evaluating rules</a:t>
+            </a:r>
+            <a:endParaRPr sz="3000"/>
+          </a:p>
+          <a:p>
+            <a:pPr indent="-419100" lvl="0" marL="457200" rtl="0" algn="l">
+              <a:spcBef>
+                <a:spcPts val="0"/>
+              </a:spcBef>
+              <a:spcAft>
+                <a:spcPts val="0"/>
+              </a:spcAft>
+              <a:buSzPts val="3000"/>
+              <a:buChar char="❖"/>
+            </a:pPr>
+            <a:r>
+              <a:rPr lang="sv" sz="3000"/>
+              <a:t>Good </a:t>
+            </a:r>
+            <a:r>
+              <a:rPr lang="sv" sz="3000"/>
+              <a:t>performance for large rule systems</a:t>
+            </a:r>
+            <a:r>
+              <a:rPr lang="sv" sz="3000"/>
+              <a:t> </a:t>
+            </a:r>
+            <a:endParaRPr sz="3000"/>
+          </a:p>
+          <a:p>
+            <a:pPr indent="-419100" lvl="0" marL="457200" rtl="0" algn="l">
+              <a:spcBef>
+                <a:spcPts val="0"/>
+              </a:spcBef>
+              <a:spcAft>
+                <a:spcPts val="0"/>
+              </a:spcAft>
+              <a:buSzPts val="3000"/>
+              <a:buChar char="❖"/>
+            </a:pPr>
+            <a:r>
+              <a:rPr lang="sv" sz="3000"/>
+              <a:t>RETE/PHREAK algorithm</a:t>
+            </a:r>
+            <a:endParaRPr sz="3000"/>
+          </a:p>
+        </p:txBody>
+      </p:sp>
+      <p:sp>
+        <p:nvSpPr>
+          <p:cNvPr id="177" name="Google Shape;177;p33"/>
+          <p:cNvSpPr txBox="1"/>
+          <p:nvPr>
+            <p:ph type="title"/>
+          </p:nvPr>
+        </p:nvSpPr>
+        <p:spPr>
+          <a:xfrm>
+            <a:off x="311700" y="437950"/>
+            <a:ext cx="8520600" cy="893400"/>
+          </a:xfrm>
+          <a:prstGeom prst="rect">
+            <a:avLst/>
+          </a:prstGeom>
+        </p:spPr>
+        <p:txBody>
+          <a:bodyPr anchorCtr="0" anchor="t" bIns="91425" lIns="91425" spcFirstLastPara="1" rIns="91425" wrap="square" tIns="91425">
+            <a:noAutofit/>
+          </a:bodyPr>
+          <a:lstStyle/>
+          <a:p>
+            <a:pPr indent="0" lvl="0" marL="0" rtl="0" algn="l">
+              <a:spcBef>
+                <a:spcPts val="0"/>
+              </a:spcBef>
+              <a:spcAft>
+                <a:spcPts val="0"/>
+              </a:spcAft>
+              <a:buNone/>
+            </a:pPr>
+            <a:r>
+              <a:rPr lang="sv" sz="4800"/>
+              <a:t>Drools</a:t>
+            </a:r>
+            <a:endParaRPr sz="4800"/>
+          </a:p>
+        </p:txBody>
+      </p:sp>
+    </p:spTree>
+  </p:cSld>
+  <p:clrMapOvr>
+    <a:masterClrMapping/>
+  </p:clrMapOvr>
+</p:sld>
+</file>
+
+<file path=ppt/slides/slide22.xml><?xml version="1.0" encoding="utf-8"?>
+<p:sld xmlns:a="http://schemas.openxmlformats.org/drawingml/2006/main" xmlns:r="http://schemas.openxmlformats.org/officeDocument/2006/relationships" xmlns:mc="http://schemas.openxmlformats.org/markup-compatibility/2006" xmlns:mv="urn:schemas-microsoft-com:mac:vml" xmlns:p="http://schemas.openxmlformats.org/presentationml/2006/main" xmlns:c="http://schemas.openxmlformats.org/drawingml/2006/chart" xmlns:dgm="http://schemas.openxmlformats.org/drawingml/2006/diagram" xmlns:o="urn:schemas-microsoft-com:office:office" xmlns:v="urn:schemas-microsoft-com:vml" xmlns:pvml="urn:schemas-microsoft-com:office:powerpoint" xmlns:com="http://schemas.openxmlformats.org/drawingml/2006/compatibility" xmlns:p14="http://schemas.microsoft.com/office/powerpoint/2010/main" xmlns:p15="http://schemas.microsoft.com/office/powerpoint/2012/main">
+  <p:cSld>
+    <p:spTree>
+      <p:nvGrpSpPr>
+        <p:cNvPr id="181" name="Shape 181"/>
+        <p:cNvGrpSpPr/>
+        <p:nvPr/>
+      </p:nvGrpSpPr>
+      <p:grpSpPr>
+        <a:xfrm>
+          <a:off x="0" y="0"/>
+          <a:ext cx="0" cy="0"/>
+          <a:chOff x="0" y="0"/>
+          <a:chExt cx="0" cy="0"/>
+        </a:xfrm>
+      </p:grpSpPr>
+      <p:sp>
+        <p:nvSpPr>
+          <p:cNvPr id="182" name="Google Shape;182;p34"/>
+          <p:cNvSpPr txBox="1"/>
+          <p:nvPr>
+            <p:ph idx="1" type="body"/>
+          </p:nvPr>
+        </p:nvSpPr>
+        <p:spPr>
+          <a:xfrm>
+            <a:off x="311700" y="1262825"/>
+            <a:ext cx="8520600" cy="3306000"/>
+          </a:xfrm>
+          <a:prstGeom prst="rect">
+            <a:avLst/>
+          </a:prstGeom>
+        </p:spPr>
+        <p:txBody>
+          <a:bodyPr anchorCtr="0" anchor="t" bIns="91425" lIns="91425" spcFirstLastPara="1" rIns="91425" wrap="square" tIns="91425">
+            <a:noAutofit/>
+          </a:bodyPr>
+          <a:lstStyle/>
+          <a:p>
+            <a:pPr indent="-419100" lvl="0" marL="457200" rtl="0" algn="l">
+              <a:spcBef>
+                <a:spcPts val="0"/>
+              </a:spcBef>
+              <a:spcAft>
+                <a:spcPts val="0"/>
+              </a:spcAft>
+              <a:buSzPts val="3000"/>
+              <a:buChar char="❖"/>
+            </a:pPr>
+            <a:r>
+              <a:rPr lang="sv" sz="3000"/>
+              <a:t>Rules are created in .drl files</a:t>
+            </a:r>
+            <a:endParaRPr sz="3000"/>
+          </a:p>
+          <a:p>
+            <a:pPr indent="-419100" lvl="0" marL="457200" rtl="0" algn="l">
+              <a:spcBef>
+                <a:spcPts val="0"/>
+              </a:spcBef>
+              <a:spcAft>
+                <a:spcPts val="0"/>
+              </a:spcAft>
+              <a:buSzPts val="3000"/>
+              <a:buChar char="❖"/>
+            </a:pPr>
+            <a:r>
+              <a:rPr lang="sv" sz="3000"/>
+              <a:t>Graphical interface also available</a:t>
+            </a:r>
+            <a:br>
+              <a:rPr lang="sv" sz="3000"/>
+            </a:br>
+            <a:r>
+              <a:rPr lang="sv" sz="3000"/>
+              <a:t>(won’t talk about that today)</a:t>
+            </a:r>
+            <a:endParaRPr sz="3000"/>
+          </a:p>
+          <a:p>
+            <a:pPr indent="0" lvl="0" marL="0" rtl="0" algn="l">
+              <a:spcBef>
+                <a:spcPts val="1600"/>
+              </a:spcBef>
+              <a:spcAft>
+                <a:spcPts val="1600"/>
+              </a:spcAft>
+              <a:buNone/>
+            </a:pPr>
+            <a:r>
+              <a:t/>
+            </a:r>
+            <a:endParaRPr sz="3000"/>
+          </a:p>
+        </p:txBody>
+      </p:sp>
+      <p:sp>
+        <p:nvSpPr>
+          <p:cNvPr id="183" name="Google Shape;183;p34"/>
+          <p:cNvSpPr txBox="1"/>
+          <p:nvPr>
+            <p:ph type="title"/>
+          </p:nvPr>
+        </p:nvSpPr>
+        <p:spPr>
+          <a:xfrm>
+            <a:off x="311700" y="445025"/>
+            <a:ext cx="8520600" cy="817800"/>
+          </a:xfrm>
+          <a:prstGeom prst="rect">
+            <a:avLst/>
+          </a:prstGeom>
+        </p:spPr>
+        <p:txBody>
+          <a:bodyPr anchorCtr="0" anchor="t" bIns="91425" lIns="91425" spcFirstLastPara="1" rIns="91425" wrap="square" tIns="91425">
+            <a:noAutofit/>
+          </a:bodyPr>
+          <a:lstStyle/>
+          <a:p>
+            <a:pPr indent="0" lvl="0" marL="0" rtl="0" algn="l">
+              <a:spcBef>
+                <a:spcPts val="0"/>
+              </a:spcBef>
+              <a:spcAft>
+                <a:spcPts val="0"/>
+              </a:spcAft>
+              <a:buNone/>
+            </a:pPr>
+            <a:r>
+              <a:rPr lang="sv" sz="4800"/>
+              <a:t>Drools</a:t>
+            </a:r>
+            <a:endParaRPr sz="4800"/>
+          </a:p>
+        </p:txBody>
+      </p:sp>
+    </p:spTree>
+  </p:cSld>
+  <p:clrMapOvr>
+    <a:masterClrMapping/>
+  </p:clrMapOvr>
+</p:sld>
+</file>
+
+<file path=ppt/slides/slide23.xml><?xml version="1.0" encoding="utf-8"?>
+<p:sld xmlns:a="http://schemas.openxmlformats.org/drawingml/2006/main" xmlns:r="http://schemas.openxmlformats.org/officeDocument/2006/relationships" xmlns:mc="http://schemas.openxmlformats.org/markup-compatibility/2006" xmlns:mv="urn:schemas-microsoft-com:mac:vml" xmlns:p="http://schemas.openxmlformats.org/presentationml/2006/main" xmlns:c="http://schemas.openxmlformats.org/drawingml/2006/chart" xmlns:dgm="http://schemas.openxmlformats.org/drawingml/2006/diagram" xmlns:o="urn:schemas-microsoft-com:office:office" xmlns:v="urn:schemas-microsoft-com:vml" xmlns:pvml="urn:schemas-microsoft-com:office:powerpoint" xmlns:com="http://schemas.openxmlformats.org/drawingml/2006/compatibility" xmlns:p14="http://schemas.microsoft.com/office/powerpoint/2010/main" xmlns:p15="http://schemas.microsoft.com/office/powerpoint/2012/main">
+  <p:cSld>
+    <p:spTree>
+      <p:nvGrpSpPr>
+        <p:cNvPr id="187" name="Shape 187"/>
+        <p:cNvGrpSpPr/>
+        <p:nvPr/>
+      </p:nvGrpSpPr>
+      <p:grpSpPr>
+        <a:xfrm>
+          <a:off x="0" y="0"/>
+          <a:ext cx="0" cy="0"/>
+          <a:chOff x="0" y="0"/>
+          <a:chExt cx="0" cy="0"/>
+        </a:xfrm>
+      </p:grpSpPr>
+      <p:sp>
+        <p:nvSpPr>
+          <p:cNvPr id="188" name="Google Shape;188;p35"/>
+          <p:cNvSpPr txBox="1"/>
+          <p:nvPr>
+            <p:ph idx="1" type="body"/>
+          </p:nvPr>
+        </p:nvSpPr>
+        <p:spPr>
+          <a:xfrm>
+            <a:off x="311700" y="1262825"/>
+            <a:ext cx="8520600" cy="3306000"/>
+          </a:xfrm>
+          <a:prstGeom prst="rect">
+            <a:avLst/>
+          </a:prstGeom>
+        </p:spPr>
+        <p:txBody>
+          <a:bodyPr anchorCtr="0" anchor="t" bIns="91425" lIns="91425" spcFirstLastPara="1" rIns="91425" wrap="square" tIns="91425">
+            <a:noAutofit/>
+          </a:bodyPr>
+          <a:lstStyle/>
+          <a:p>
+            <a:pPr indent="0" lvl="0" marL="457200" rtl="0" algn="l">
+              <a:spcBef>
+                <a:spcPts val="0"/>
+              </a:spcBef>
+              <a:spcAft>
+                <a:spcPts val="0"/>
+              </a:spcAft>
+              <a:buNone/>
+            </a:pPr>
+            <a:r>
+              <a:t/>
+            </a:r>
+            <a:endParaRPr sz="3000"/>
+          </a:p>
+          <a:p>
+            <a:pPr indent="-419100" lvl="0" marL="457200" rtl="0" algn="l">
+              <a:spcBef>
+                <a:spcPts val="1600"/>
+              </a:spcBef>
+              <a:spcAft>
+                <a:spcPts val="0"/>
+              </a:spcAft>
+              <a:buSzPts val="3000"/>
+              <a:buChar char="❖"/>
+            </a:pPr>
+            <a:r>
+              <a:rPr lang="sv" sz="3000"/>
+              <a:t>Intellij only ultimate</a:t>
+            </a:r>
+            <a:endParaRPr sz="3000"/>
+          </a:p>
+          <a:p>
+            <a:pPr indent="-419100" lvl="0" marL="457200" rtl="0" algn="l">
+              <a:spcBef>
+                <a:spcPts val="0"/>
+              </a:spcBef>
+              <a:spcAft>
+                <a:spcPts val="0"/>
+              </a:spcAft>
+              <a:buSzPts val="3000"/>
+              <a:buChar char="❖"/>
+            </a:pPr>
+            <a:r>
+              <a:rPr lang="sv" sz="3000"/>
+              <a:t>Eclipse free</a:t>
+            </a:r>
+            <a:endParaRPr sz="3000"/>
+          </a:p>
+          <a:p>
+            <a:pPr indent="0" lvl="0" marL="0" rtl="0" algn="l">
+              <a:spcBef>
+                <a:spcPts val="1600"/>
+              </a:spcBef>
+              <a:spcAft>
+                <a:spcPts val="1600"/>
+              </a:spcAft>
+              <a:buNone/>
+            </a:pPr>
+            <a:r>
+              <a:t/>
+            </a:r>
+            <a:endParaRPr sz="3000"/>
+          </a:p>
+        </p:txBody>
+      </p:sp>
+      <p:sp>
+        <p:nvSpPr>
+          <p:cNvPr id="189" name="Google Shape;189;p35"/>
+          <p:cNvSpPr txBox="1"/>
+          <p:nvPr>
+            <p:ph type="title"/>
+          </p:nvPr>
+        </p:nvSpPr>
+        <p:spPr>
+          <a:xfrm>
+            <a:off x="311700" y="445025"/>
+            <a:ext cx="8520600" cy="817800"/>
+          </a:xfrm>
+          <a:prstGeom prst="rect">
+            <a:avLst/>
+          </a:prstGeom>
+        </p:spPr>
+        <p:txBody>
+          <a:bodyPr anchorCtr="0" anchor="t" bIns="91425" lIns="91425" spcFirstLastPara="1" rIns="91425" wrap="square" tIns="91425">
+            <a:noAutofit/>
+          </a:bodyPr>
+          <a:lstStyle/>
+          <a:p>
+            <a:pPr indent="0" lvl="0" marL="0" rtl="0" algn="l">
+              <a:spcBef>
+                <a:spcPts val="0"/>
+              </a:spcBef>
+              <a:spcAft>
+                <a:spcPts val="0"/>
+              </a:spcAft>
+              <a:buNone/>
+            </a:pPr>
+            <a:r>
+              <a:rPr lang="sv" sz="4800"/>
+              <a:t>Drools IDE Support</a:t>
+            </a:r>
+            <a:endParaRPr sz="4800"/>
+          </a:p>
+        </p:txBody>
+      </p:sp>
+    </p:spTree>
+  </p:cSld>
+  <p:clrMapOvr>
+    <a:masterClrMapping/>
+  </p:clrMapOvr>
+</p:sld>
+</file>
+
+<file path=ppt/slides/slide24.xml><?xml version="1.0" encoding="utf-8"?>
+<p:sld xmlns:a="http://schemas.openxmlformats.org/drawingml/2006/main" xmlns:r="http://schemas.openxmlformats.org/officeDocument/2006/relationships" xmlns:mc="http://schemas.openxmlformats.org/markup-compatibility/2006" xmlns:mv="urn:schemas-microsoft-com:mac:vml" xmlns:p="http://schemas.openxmlformats.org/presentationml/2006/main" xmlns:c="http://schemas.openxmlformats.org/drawingml/2006/chart" xmlns:dgm="http://schemas.openxmlformats.org/drawingml/2006/diagram" xmlns:o="urn:schemas-microsoft-com:office:office" xmlns:v="urn:schemas-microsoft-com:vml" xmlns:pvml="urn:schemas-microsoft-com:office:powerpoint" xmlns:com="http://schemas.openxmlformats.org/drawingml/2006/compatibility" xmlns:p14="http://schemas.microsoft.com/office/powerpoint/2010/main" xmlns:p15="http://schemas.microsoft.com/office/powerpoint/2012/main">
+  <p:cSld>
+    <p:spTree>
+      <p:nvGrpSpPr>
+        <p:cNvPr id="193" name="Shape 193"/>
+        <p:cNvGrpSpPr/>
+        <p:nvPr/>
+      </p:nvGrpSpPr>
+      <p:grpSpPr>
+        <a:xfrm>
+          <a:off x="0" y="0"/>
+          <a:ext cx="0" cy="0"/>
+          <a:chOff x="0" y="0"/>
+          <a:chExt cx="0" cy="0"/>
+        </a:xfrm>
+      </p:grpSpPr>
+      <p:sp>
+        <p:nvSpPr>
+          <p:cNvPr id="194" name="Google Shape;194;p36"/>
           <p:cNvSpPr txBox="1"/>
           <p:nvPr>
             <p:ph type="title"/>
@@ -14278,7 +15972,7 @@
             </a:pPr>
             <a:r>
               <a:rPr lang="sv" sz="4800"/>
-              <a:t>Nästa steg</a:t>
+              <a:t>Drl file syntax</a:t>
             </a:r>
             <a:endParaRPr sz="4800"/>
           </a:p>
@@ -14286,7 +15980,7 @@
       </p:sp>
       <p:sp>
         <p:nvSpPr>
-          <p:cNvPr id="168" name="Google Shape;168;p32"/>
+          <p:cNvPr id="195" name="Google Shape;195;p36"/>
           <p:cNvSpPr txBox="1"/>
           <p:nvPr>
             <p:ph idx="1" type="body"/>
@@ -14295,7 +15989,7 @@
         <p:spPr>
           <a:xfrm>
             <a:off x="311700" y="1423325"/>
-            <a:ext cx="8832300" cy="3145800"/>
+            <a:ext cx="8520600" cy="3145800"/>
           </a:xfrm>
           <a:prstGeom prst="rect">
             <a:avLst/>
@@ -14318,13 +16012,8 @@
               <a:buChar char="❖"/>
             </a:pPr>
             <a:r>
-              <a:rPr lang="sv" sz="3000" u="sng">
-                <a:solidFill>
-                  <a:schemeClr val="hlink"/>
-                </a:solidFill>
-                <a:hlinkClick r:id="rId3"/>
-              </a:rPr>
-              <a:t>https://martinfowler.com/bliki/RulesEngine.html</a:t>
+              <a:rPr lang="sv" sz="3000"/>
+              <a:t>package</a:t>
             </a:r>
             <a:endParaRPr sz="3000"/>
           </a:p>
@@ -14340,13 +16029,8 @@
               <a:buChar char="❖"/>
             </a:pPr>
             <a:r>
-              <a:rPr lang="sv" sz="3000" u="sng">
-                <a:solidFill>
-                  <a:schemeClr val="hlink"/>
-                </a:solidFill>
-                <a:hlinkClick r:id="rId4"/>
-              </a:rPr>
-              <a:t>https://www.drools.org</a:t>
+              <a:rPr lang="sv" sz="3000"/>
+              <a:t>import</a:t>
             </a:r>
             <a:endParaRPr sz="3000"/>
           </a:p>
@@ -14362,30 +16046,8 @@
               <a:buChar char="❖"/>
             </a:pPr>
             <a:r>
-              <a:rPr lang="sv" sz="3000" u="sng">
-                <a:solidFill>
-                  <a:schemeClr val="hlink"/>
-                </a:solidFill>
-                <a:hlinkClick r:id="rId5"/>
-              </a:rPr>
-              <a:t>https://examples.javacodegeeks.com/</a:t>
-            </a:r>
-            <a:br>
-              <a:rPr lang="sv" sz="3000" u="sng">
-                <a:solidFill>
-                  <a:schemeClr val="hlink"/>
-                </a:solidFill>
-                <a:hlinkClick r:id="rId6"/>
-              </a:rPr>
-            </a:br>
-            <a:r>
-              <a:rPr lang="sv" sz="3000" u="sng">
-                <a:solidFill>
-                  <a:schemeClr val="hlink"/>
-                </a:solidFill>
-                <a:hlinkClick r:id="rId7"/>
-              </a:rPr>
-              <a:t>enterprise-java/jboss-drools-tutorial-beginners</a:t>
+              <a:rPr lang="sv" sz="3000"/>
+              <a:t>function //optional</a:t>
             </a:r>
             <a:endParaRPr sz="3000"/>
           </a:p>
@@ -14401,19 +16063,613 @@
               <a:buChar char="❖"/>
             </a:pPr>
             <a:r>
-              <a:rPr lang="sv" sz="3000" u="sng">
-                <a:solidFill>
-                  <a:schemeClr val="accent5"/>
-                </a:solidFill>
-                <a:hlinkClick r:id="rId8"/>
-              </a:rPr>
-              <a:t>http://www.jeasy.org</a:t>
-            </a:r>
-            <a:endParaRPr sz="3000" u="sng">
-              <a:solidFill>
-                <a:schemeClr val="hlink"/>
-              </a:solidFill>
-            </a:endParaRPr>
+              <a:rPr lang="sv" sz="3000"/>
+              <a:t>query //optional</a:t>
+            </a:r>
+            <a:endParaRPr sz="3000"/>
+          </a:p>
+          <a:p>
+            <a:pPr indent="-419100" lvl="0" marL="457200" rtl="0" algn="l">
+              <a:spcBef>
+                <a:spcPts val="0"/>
+              </a:spcBef>
+              <a:spcAft>
+                <a:spcPts val="0"/>
+              </a:spcAft>
+              <a:buSzPts val="3000"/>
+              <a:buChar char="❖"/>
+            </a:pPr>
+            <a:r>
+              <a:rPr lang="sv" sz="3000"/>
+              <a:t>declare //optional</a:t>
+            </a:r>
+            <a:endParaRPr sz="3000"/>
+          </a:p>
+          <a:p>
+            <a:pPr indent="-419100" lvl="0" marL="457200" rtl="0" algn="l">
+              <a:spcBef>
+                <a:spcPts val="0"/>
+              </a:spcBef>
+              <a:spcAft>
+                <a:spcPts val="0"/>
+              </a:spcAft>
+              <a:buSzPts val="3000"/>
+              <a:buChar char="❖"/>
+            </a:pPr>
+            <a:r>
+              <a:rPr lang="sv" sz="3000"/>
+              <a:t>rule</a:t>
+            </a:r>
+            <a:endParaRPr sz="3000"/>
+          </a:p>
+          <a:p>
+            <a:pPr indent="0" lvl="0" marL="0" rtl="0" algn="l">
+              <a:spcBef>
+                <a:spcPts val="1600"/>
+              </a:spcBef>
+              <a:spcAft>
+                <a:spcPts val="1600"/>
+              </a:spcAft>
+              <a:buNone/>
+            </a:pPr>
+            <a:r>
+              <a:t/>
+            </a:r>
+            <a:endParaRPr sz="3000"/>
+          </a:p>
+        </p:txBody>
+      </p:sp>
+    </p:spTree>
+  </p:cSld>
+  <p:clrMapOvr>
+    <a:masterClrMapping/>
+  </p:clrMapOvr>
+</p:sld>
+</file>
+
+<file path=ppt/slides/slide25.xml><?xml version="1.0" encoding="utf-8"?>
+<p:sld xmlns:a="http://schemas.openxmlformats.org/drawingml/2006/main" xmlns:r="http://schemas.openxmlformats.org/officeDocument/2006/relationships" xmlns:mc="http://schemas.openxmlformats.org/markup-compatibility/2006" xmlns:mv="urn:schemas-microsoft-com:mac:vml" xmlns:p="http://schemas.openxmlformats.org/presentationml/2006/main" xmlns:c="http://schemas.openxmlformats.org/drawingml/2006/chart" xmlns:dgm="http://schemas.openxmlformats.org/drawingml/2006/diagram" xmlns:o="urn:schemas-microsoft-com:office:office" xmlns:v="urn:schemas-microsoft-com:vml" xmlns:pvml="urn:schemas-microsoft-com:office:powerpoint" xmlns:com="http://schemas.openxmlformats.org/drawingml/2006/compatibility" xmlns:p14="http://schemas.microsoft.com/office/powerpoint/2010/main" xmlns:p15="http://schemas.microsoft.com/office/powerpoint/2012/main">
+  <p:cSld>
+    <p:spTree>
+      <p:nvGrpSpPr>
+        <p:cNvPr id="199" name="Shape 199"/>
+        <p:cNvGrpSpPr/>
+        <p:nvPr/>
+      </p:nvGrpSpPr>
+      <p:grpSpPr>
+        <a:xfrm>
+          <a:off x="0" y="0"/>
+          <a:ext cx="0" cy="0"/>
+          <a:chOff x="0" y="0"/>
+          <a:chExt cx="0" cy="0"/>
+        </a:xfrm>
+      </p:grpSpPr>
+      <p:sp>
+        <p:nvSpPr>
+          <p:cNvPr id="200" name="Google Shape;200;p37"/>
+          <p:cNvSpPr txBox="1"/>
+          <p:nvPr>
+            <p:ph idx="1" type="body"/>
+          </p:nvPr>
+        </p:nvSpPr>
+        <p:spPr>
+          <a:xfrm>
+            <a:off x="311700" y="1086925"/>
+            <a:ext cx="8520600" cy="3145800"/>
+          </a:xfrm>
+          <a:prstGeom prst="rect">
+            <a:avLst/>
+          </a:prstGeom>
+        </p:spPr>
+        <p:txBody>
+          <a:bodyPr anchorCtr="0" anchor="t" bIns="91425" lIns="91425" spcFirstLastPara="1" rIns="91425" wrap="square" tIns="91425">
+            <a:noAutofit/>
+          </a:bodyPr>
+          <a:lstStyle/>
+          <a:p>
+            <a:pPr indent="0" lvl="0" marL="457200" rtl="0" algn="l">
+              <a:spcBef>
+                <a:spcPts val="0"/>
+              </a:spcBef>
+              <a:spcAft>
+                <a:spcPts val="0"/>
+              </a:spcAft>
+              <a:buNone/>
+            </a:pPr>
+            <a:r>
+              <a:t/>
+            </a:r>
+            <a:endParaRPr sz="3000"/>
+          </a:p>
+          <a:p>
+            <a:pPr indent="0" lvl="0" marL="457200" rtl="0" algn="l">
+              <a:spcBef>
+                <a:spcPts val="1600"/>
+              </a:spcBef>
+              <a:spcAft>
+                <a:spcPts val="0"/>
+              </a:spcAft>
+              <a:buNone/>
+            </a:pPr>
+            <a:r>
+              <a:rPr lang="sv" sz="3000"/>
+              <a:t>package com.mejsla.drools</a:t>
+            </a:r>
+            <a:endParaRPr sz="3000"/>
+          </a:p>
+          <a:p>
+            <a:pPr indent="0" lvl="0" marL="457200" rtl="0" algn="l">
+              <a:spcBef>
+                <a:spcPts val="1600"/>
+              </a:spcBef>
+              <a:spcAft>
+                <a:spcPts val="0"/>
+              </a:spcAft>
+              <a:buNone/>
+            </a:pPr>
+            <a:r>
+              <a:rPr lang="sv" sz="3000"/>
+              <a:t>import org.slf4j.Logger</a:t>
+            </a:r>
+            <a:endParaRPr sz="3000"/>
+          </a:p>
+          <a:p>
+            <a:pPr indent="0" lvl="0" marL="0" rtl="0" algn="l">
+              <a:spcBef>
+                <a:spcPts val="1600"/>
+              </a:spcBef>
+              <a:spcAft>
+                <a:spcPts val="1600"/>
+              </a:spcAft>
+              <a:buNone/>
+            </a:pPr>
+            <a:r>
+              <a:t/>
+            </a:r>
+            <a:endParaRPr sz="3000"/>
+          </a:p>
+        </p:txBody>
+      </p:sp>
+    </p:spTree>
+  </p:cSld>
+  <p:clrMapOvr>
+    <a:masterClrMapping/>
+  </p:clrMapOvr>
+</p:sld>
+</file>
+
+<file path=ppt/slides/slide26.xml><?xml version="1.0" encoding="utf-8"?>
+<p:sld xmlns:a="http://schemas.openxmlformats.org/drawingml/2006/main" xmlns:r="http://schemas.openxmlformats.org/officeDocument/2006/relationships" xmlns:mc="http://schemas.openxmlformats.org/markup-compatibility/2006" xmlns:mv="urn:schemas-microsoft-com:mac:vml" xmlns:p="http://schemas.openxmlformats.org/presentationml/2006/main" xmlns:c="http://schemas.openxmlformats.org/drawingml/2006/chart" xmlns:dgm="http://schemas.openxmlformats.org/drawingml/2006/diagram" xmlns:o="urn:schemas-microsoft-com:office:office" xmlns:v="urn:schemas-microsoft-com:vml" xmlns:pvml="urn:schemas-microsoft-com:office:powerpoint" xmlns:com="http://schemas.openxmlformats.org/drawingml/2006/compatibility" xmlns:p14="http://schemas.microsoft.com/office/powerpoint/2010/main" xmlns:p15="http://schemas.microsoft.com/office/powerpoint/2012/main">
+  <p:cSld>
+    <p:spTree>
+      <p:nvGrpSpPr>
+        <p:cNvPr id="204" name="Shape 204"/>
+        <p:cNvGrpSpPr/>
+        <p:nvPr/>
+      </p:nvGrpSpPr>
+      <p:grpSpPr>
+        <a:xfrm>
+          <a:off x="0" y="0"/>
+          <a:ext cx="0" cy="0"/>
+          <a:chOff x="0" y="0"/>
+          <a:chExt cx="0" cy="0"/>
+        </a:xfrm>
+      </p:grpSpPr>
+      <p:sp>
+        <p:nvSpPr>
+          <p:cNvPr id="205" name="Google Shape;205;p38"/>
+          <p:cNvSpPr txBox="1"/>
+          <p:nvPr>
+            <p:ph idx="1" type="body"/>
+          </p:nvPr>
+        </p:nvSpPr>
+        <p:spPr>
+          <a:xfrm>
+            <a:off x="311700" y="1072300"/>
+            <a:ext cx="8520600" cy="3145800"/>
+          </a:xfrm>
+          <a:prstGeom prst="rect">
+            <a:avLst/>
+          </a:prstGeom>
+        </p:spPr>
+        <p:txBody>
+          <a:bodyPr anchorCtr="0" anchor="t" bIns="91425" lIns="91425" spcFirstLastPara="1" rIns="91425" wrap="square" tIns="91425">
+            <a:noAutofit/>
+          </a:bodyPr>
+          <a:lstStyle/>
+          <a:p>
+            <a:pPr indent="0" lvl="0" marL="0" rtl="0" algn="l">
+              <a:spcBef>
+                <a:spcPts val="0"/>
+              </a:spcBef>
+              <a:spcAft>
+                <a:spcPts val="0"/>
+              </a:spcAft>
+              <a:buNone/>
+            </a:pPr>
+            <a:r>
+              <a:t/>
+            </a:r>
+            <a:endParaRPr sz="3000"/>
+          </a:p>
+          <a:p>
+            <a:pPr indent="0" lvl="0" marL="0" rtl="0" algn="l">
+              <a:spcBef>
+                <a:spcPts val="1600"/>
+              </a:spcBef>
+              <a:spcAft>
+                <a:spcPts val="0"/>
+              </a:spcAft>
+              <a:buNone/>
+            </a:pPr>
+            <a:r>
+              <a:rPr lang="sv" sz="3000"/>
+              <a:t>function int sizeOfList(List people) {</a:t>
+            </a:r>
+            <a:br>
+              <a:rPr lang="sv" sz="3000"/>
+            </a:br>
+            <a:r>
+              <a:rPr lang="sv" sz="3000"/>
+              <a:t>    return people.size();</a:t>
+            </a:r>
+            <a:br>
+              <a:rPr lang="sv" sz="3000"/>
+            </a:br>
+            <a:r>
+              <a:rPr lang="sv" sz="3000"/>
+              <a:t>}</a:t>
+            </a:r>
+            <a:endParaRPr sz="3000"/>
+          </a:p>
+          <a:p>
+            <a:pPr indent="0" lvl="0" marL="0" rtl="0" algn="l">
+              <a:spcBef>
+                <a:spcPts val="1600"/>
+              </a:spcBef>
+              <a:spcAft>
+                <a:spcPts val="1600"/>
+              </a:spcAft>
+              <a:buNone/>
+            </a:pPr>
+            <a:r>
+              <a:t/>
+            </a:r>
+            <a:endParaRPr sz="3000"/>
+          </a:p>
+        </p:txBody>
+      </p:sp>
+    </p:spTree>
+  </p:cSld>
+  <p:clrMapOvr>
+    <a:masterClrMapping/>
+  </p:clrMapOvr>
+</p:sld>
+</file>
+
+<file path=ppt/slides/slide27.xml><?xml version="1.0" encoding="utf-8"?>
+<p:sld xmlns:a="http://schemas.openxmlformats.org/drawingml/2006/main" xmlns:r="http://schemas.openxmlformats.org/officeDocument/2006/relationships" xmlns:mc="http://schemas.openxmlformats.org/markup-compatibility/2006" xmlns:mv="urn:schemas-microsoft-com:mac:vml" xmlns:p="http://schemas.openxmlformats.org/presentationml/2006/main" xmlns:c="http://schemas.openxmlformats.org/drawingml/2006/chart" xmlns:dgm="http://schemas.openxmlformats.org/drawingml/2006/diagram" xmlns:o="urn:schemas-microsoft-com:office:office" xmlns:v="urn:schemas-microsoft-com:vml" xmlns:pvml="urn:schemas-microsoft-com:office:powerpoint" xmlns:com="http://schemas.openxmlformats.org/drawingml/2006/compatibility" xmlns:p14="http://schemas.microsoft.com/office/powerpoint/2010/main" xmlns:p15="http://schemas.microsoft.com/office/powerpoint/2012/main">
+  <p:cSld>
+    <p:spTree>
+      <p:nvGrpSpPr>
+        <p:cNvPr id="209" name="Shape 209"/>
+        <p:cNvGrpSpPr/>
+        <p:nvPr/>
+      </p:nvGrpSpPr>
+      <p:grpSpPr>
+        <a:xfrm>
+          <a:off x="0" y="0"/>
+          <a:ext cx="0" cy="0"/>
+          <a:chOff x="0" y="0"/>
+          <a:chExt cx="0" cy="0"/>
+        </a:xfrm>
+      </p:grpSpPr>
+      <p:sp>
+        <p:nvSpPr>
+          <p:cNvPr id="210" name="Google Shape;210;p39"/>
+          <p:cNvSpPr txBox="1"/>
+          <p:nvPr>
+            <p:ph idx="1" type="body"/>
+          </p:nvPr>
+        </p:nvSpPr>
+        <p:spPr>
+          <a:xfrm>
+            <a:off x="311700" y="843175"/>
+            <a:ext cx="8520600" cy="3567000"/>
+          </a:xfrm>
+          <a:prstGeom prst="rect">
+            <a:avLst/>
+          </a:prstGeom>
+        </p:spPr>
+        <p:txBody>
+          <a:bodyPr anchorCtr="0" anchor="t" bIns="91425" lIns="91425" spcFirstLastPara="1" rIns="91425" wrap="square" tIns="91425">
+            <a:noAutofit/>
+          </a:bodyPr>
+          <a:lstStyle/>
+          <a:p>
+            <a:pPr indent="0" lvl="0" marL="0" rtl="0" algn="l">
+              <a:spcBef>
+                <a:spcPts val="0"/>
+              </a:spcBef>
+              <a:spcAft>
+                <a:spcPts val="0"/>
+              </a:spcAft>
+              <a:buNone/>
+            </a:pPr>
+            <a:r>
+              <a:t/>
+            </a:r>
+            <a:endParaRPr sz="3000"/>
+          </a:p>
+          <a:p>
+            <a:pPr indent="0" lvl="0" marL="0" rtl="0" algn="l">
+              <a:spcBef>
+                <a:spcPts val="1600"/>
+              </a:spcBef>
+              <a:spcAft>
+                <a:spcPts val="1600"/>
+              </a:spcAft>
+              <a:buNone/>
+            </a:pPr>
+            <a:r>
+              <a:rPr lang="sv" sz="3000"/>
+              <a:t>query "people under the age of 21"</a:t>
+            </a:r>
+            <a:br>
+              <a:rPr lang="sv" sz="3000"/>
+            </a:br>
+            <a:r>
+              <a:rPr lang="sv" sz="3000"/>
+              <a:t>    person : Person( age &lt; 21 )</a:t>
+            </a:r>
+            <a:br>
+              <a:rPr lang="sv" sz="3000"/>
+            </a:br>
+            <a:r>
+              <a:rPr lang="sv" sz="3000"/>
+              <a:t>end</a:t>
+            </a:r>
+            <a:endParaRPr sz="3000"/>
+          </a:p>
+        </p:txBody>
+      </p:sp>
+    </p:spTree>
+  </p:cSld>
+  <p:clrMapOvr>
+    <a:masterClrMapping/>
+  </p:clrMapOvr>
+</p:sld>
+</file>
+
+<file path=ppt/slides/slide28.xml><?xml version="1.0" encoding="utf-8"?>
+<p:sld xmlns:a="http://schemas.openxmlformats.org/drawingml/2006/main" xmlns:r="http://schemas.openxmlformats.org/officeDocument/2006/relationships" xmlns:mc="http://schemas.openxmlformats.org/markup-compatibility/2006" xmlns:mv="urn:schemas-microsoft-com:mac:vml" xmlns:p="http://schemas.openxmlformats.org/presentationml/2006/main" xmlns:c="http://schemas.openxmlformats.org/drawingml/2006/chart" xmlns:dgm="http://schemas.openxmlformats.org/drawingml/2006/diagram" xmlns:o="urn:schemas-microsoft-com:office:office" xmlns:v="urn:schemas-microsoft-com:vml" xmlns:pvml="urn:schemas-microsoft-com:office:powerpoint" xmlns:com="http://schemas.openxmlformats.org/drawingml/2006/compatibility" xmlns:p14="http://schemas.microsoft.com/office/powerpoint/2010/main" xmlns:p15="http://schemas.microsoft.com/office/powerpoint/2012/main">
+  <p:cSld>
+    <p:spTree>
+      <p:nvGrpSpPr>
+        <p:cNvPr id="214" name="Shape 214"/>
+        <p:cNvGrpSpPr/>
+        <p:nvPr/>
+      </p:nvGrpSpPr>
+      <p:grpSpPr>
+        <a:xfrm>
+          <a:off x="0" y="0"/>
+          <a:ext cx="0" cy="0"/>
+          <a:chOff x="0" y="0"/>
+          <a:chExt cx="0" cy="0"/>
+        </a:xfrm>
+      </p:grpSpPr>
+      <p:sp>
+        <p:nvSpPr>
+          <p:cNvPr id="215" name="Google Shape;215;p40"/>
+          <p:cNvSpPr txBox="1"/>
+          <p:nvPr>
+            <p:ph idx="1" type="body"/>
+          </p:nvPr>
+        </p:nvSpPr>
+        <p:spPr>
+          <a:xfrm>
+            <a:off x="311700" y="843175"/>
+            <a:ext cx="8520600" cy="3567000"/>
+          </a:xfrm>
+          <a:prstGeom prst="rect">
+            <a:avLst/>
+          </a:prstGeom>
+        </p:spPr>
+        <p:txBody>
+          <a:bodyPr anchorCtr="0" anchor="t" bIns="91425" lIns="91425" spcFirstLastPara="1" rIns="91425" wrap="square" tIns="91425">
+            <a:noAutofit/>
+          </a:bodyPr>
+          <a:lstStyle/>
+          <a:p>
+            <a:pPr indent="0" lvl="0" marL="0" rtl="0" algn="l">
+              <a:spcBef>
+                <a:spcPts val="0"/>
+              </a:spcBef>
+              <a:spcAft>
+                <a:spcPts val="0"/>
+              </a:spcAft>
+              <a:buNone/>
+            </a:pPr>
+            <a:r>
+              <a:rPr lang="sv" sz="3000"/>
+              <a:t>declare Person</a:t>
+            </a:r>
+            <a:br>
+              <a:rPr lang="sv" sz="3000"/>
+            </a:br>
+            <a:r>
+              <a:rPr lang="sv" sz="3000"/>
+              <a:t>  name : String</a:t>
+            </a:r>
+            <a:br>
+              <a:rPr lang="sv" sz="3000"/>
+            </a:br>
+            <a:r>
+              <a:rPr lang="sv" sz="3000"/>
+              <a:t>  dateOfBirth : java.util.Date</a:t>
+            </a:r>
+            <a:br>
+              <a:rPr lang="sv" sz="3000"/>
+            </a:br>
+            <a:r>
+              <a:rPr lang="sv" sz="3000"/>
+              <a:t>  address : Address</a:t>
+            </a:r>
+            <a:br>
+              <a:rPr lang="sv" sz="3000"/>
+            </a:br>
+            <a:r>
+              <a:rPr lang="sv" sz="3000"/>
+              <a:t>end</a:t>
+            </a:r>
+            <a:endParaRPr sz="3000"/>
+          </a:p>
+          <a:p>
+            <a:pPr indent="0" lvl="0" marL="0" rtl="0" algn="l">
+              <a:spcBef>
+                <a:spcPts val="1600"/>
+              </a:spcBef>
+              <a:spcAft>
+                <a:spcPts val="1600"/>
+              </a:spcAft>
+              <a:buNone/>
+            </a:pPr>
+            <a:r>
+              <a:t/>
+            </a:r>
+            <a:endParaRPr sz="3000"/>
+          </a:p>
+        </p:txBody>
+      </p:sp>
+    </p:spTree>
+  </p:cSld>
+  <p:clrMapOvr>
+    <a:masterClrMapping/>
+  </p:clrMapOvr>
+</p:sld>
+</file>
+
+<file path=ppt/slides/slide29.xml><?xml version="1.0" encoding="utf-8"?>
+<p:sld xmlns:a="http://schemas.openxmlformats.org/drawingml/2006/main" xmlns:r="http://schemas.openxmlformats.org/officeDocument/2006/relationships" xmlns:mc="http://schemas.openxmlformats.org/markup-compatibility/2006" xmlns:mv="urn:schemas-microsoft-com:mac:vml" xmlns:p="http://schemas.openxmlformats.org/presentationml/2006/main" xmlns:c="http://schemas.openxmlformats.org/drawingml/2006/chart" xmlns:dgm="http://schemas.openxmlformats.org/drawingml/2006/diagram" xmlns:o="urn:schemas-microsoft-com:office:office" xmlns:v="urn:schemas-microsoft-com:vml" xmlns:pvml="urn:schemas-microsoft-com:office:powerpoint" xmlns:com="http://schemas.openxmlformats.org/drawingml/2006/compatibility" xmlns:p14="http://schemas.microsoft.com/office/powerpoint/2010/main" xmlns:p15="http://schemas.microsoft.com/office/powerpoint/2012/main">
+  <p:cSld>
+    <p:spTree>
+      <p:nvGrpSpPr>
+        <p:cNvPr id="219" name="Shape 219"/>
+        <p:cNvGrpSpPr/>
+        <p:nvPr/>
+      </p:nvGrpSpPr>
+      <p:grpSpPr>
+        <a:xfrm>
+          <a:off x="0" y="0"/>
+          <a:ext cx="0" cy="0"/>
+          <a:chOff x="0" y="0"/>
+          <a:chExt cx="0" cy="0"/>
+        </a:xfrm>
+      </p:grpSpPr>
+      <p:sp>
+        <p:nvSpPr>
+          <p:cNvPr id="220" name="Google Shape;220;p41"/>
+          <p:cNvSpPr txBox="1"/>
+          <p:nvPr>
+            <p:ph idx="1" type="body"/>
+          </p:nvPr>
+        </p:nvSpPr>
+        <p:spPr>
+          <a:xfrm>
+            <a:off x="311700" y="121625"/>
+            <a:ext cx="8520600" cy="4766400"/>
+          </a:xfrm>
+          <a:prstGeom prst="rect">
+            <a:avLst/>
+          </a:prstGeom>
+        </p:spPr>
+        <p:txBody>
+          <a:bodyPr anchorCtr="0" anchor="t" bIns="91425" lIns="91425" spcFirstLastPara="1" rIns="91425" wrap="square" tIns="91425">
+            <a:noAutofit/>
+          </a:bodyPr>
+          <a:lstStyle/>
+          <a:p>
+            <a:pPr indent="0" lvl="0" marL="0" rtl="0" algn="l">
+              <a:spcBef>
+                <a:spcPts val="0"/>
+              </a:spcBef>
+              <a:spcAft>
+                <a:spcPts val="0"/>
+              </a:spcAft>
+              <a:buNone/>
+            </a:pPr>
+            <a:br>
+              <a:rPr lang="sv" sz="3000"/>
+            </a:br>
+            <a:r>
+              <a:rPr lang="sv" sz="3000"/>
+              <a:t>rule "Underage"</a:t>
+            </a:r>
+            <a:br>
+              <a:rPr lang="sv" sz="3000"/>
+            </a:br>
+            <a:r>
+              <a:rPr lang="sv" sz="3000"/>
+              <a:t>  when</a:t>
+            </a:r>
+            <a:br>
+              <a:rPr lang="sv" sz="3000"/>
+            </a:br>
+            <a:r>
+              <a:rPr lang="sv" sz="3000"/>
+              <a:t>    application : LoanApplication( )</a:t>
+            </a:r>
+            <a:br>
+              <a:rPr lang="sv" sz="3000"/>
+            </a:br>
+            <a:r>
+              <a:rPr lang="sv" sz="3000"/>
+              <a:t>    Applicant(age &lt; 21)</a:t>
+            </a:r>
+            <a:br>
+              <a:rPr lang="sv" sz="3000"/>
+            </a:br>
+            <a:r>
+              <a:rPr lang="sv" sz="3000"/>
+              <a:t>  then</a:t>
+            </a:r>
+            <a:br>
+              <a:rPr lang="sv" sz="3000"/>
+            </a:br>
+            <a:r>
+              <a:rPr lang="sv" sz="3000"/>
+              <a:t>    application.setApproved(false);</a:t>
+            </a:r>
+            <a:br>
+              <a:rPr lang="sv" sz="3000"/>
+            </a:br>
+            <a:r>
+              <a:rPr lang="sv" sz="3000"/>
+              <a:t>    update(application);</a:t>
+            </a:r>
+            <a:br>
+              <a:rPr lang="sv" sz="3000"/>
+            </a:br>
+            <a:r>
+              <a:rPr lang="sv" sz="3000"/>
+              <a:t>end</a:t>
+            </a:r>
+            <a:endParaRPr sz="3000"/>
+          </a:p>
+          <a:p>
+            <a:pPr indent="0" lvl="0" marL="0" rtl="0" algn="l">
+              <a:spcBef>
+                <a:spcPts val="1600"/>
+              </a:spcBef>
+              <a:spcAft>
+                <a:spcPts val="1600"/>
+              </a:spcAft>
+              <a:buNone/>
+            </a:pPr>
+            <a:r>
+              <a:t/>
+            </a:r>
+            <a:endParaRPr sz="3000"/>
           </a:p>
         </p:txBody>
       </p:sp>
@@ -14490,6 +16746,2351 @@
 </p:sld>
 </file>
 
+<file path=ppt/slides/slide30.xml><?xml version="1.0" encoding="utf-8"?>
+<p:sld xmlns:a="http://schemas.openxmlformats.org/drawingml/2006/main" xmlns:r="http://schemas.openxmlformats.org/officeDocument/2006/relationships" xmlns:mc="http://schemas.openxmlformats.org/markup-compatibility/2006" xmlns:mv="urn:schemas-microsoft-com:mac:vml" xmlns:p="http://schemas.openxmlformats.org/presentationml/2006/main" xmlns:c="http://schemas.openxmlformats.org/drawingml/2006/chart" xmlns:dgm="http://schemas.openxmlformats.org/drawingml/2006/diagram" xmlns:o="urn:schemas-microsoft-com:office:office" xmlns:v="urn:schemas-microsoft-com:vml" xmlns:pvml="urn:schemas-microsoft-com:office:powerpoint" xmlns:com="http://schemas.openxmlformats.org/drawingml/2006/compatibility" xmlns:p14="http://schemas.microsoft.com/office/powerpoint/2010/main" xmlns:p15="http://schemas.microsoft.com/office/powerpoint/2012/main">
+  <p:cSld>
+    <p:spTree>
+      <p:nvGrpSpPr>
+        <p:cNvPr id="224" name="Shape 224"/>
+        <p:cNvGrpSpPr/>
+        <p:nvPr/>
+      </p:nvGrpSpPr>
+      <p:grpSpPr>
+        <a:xfrm>
+          <a:off x="0" y="0"/>
+          <a:ext cx="0" cy="0"/>
+          <a:chOff x="0" y="0"/>
+          <a:chExt cx="0" cy="0"/>
+        </a:xfrm>
+      </p:grpSpPr>
+      <p:sp>
+        <p:nvSpPr>
+          <p:cNvPr id="225" name="Google Shape;225;p42"/>
+          <p:cNvSpPr txBox="1"/>
+          <p:nvPr>
+            <p:ph idx="1" type="body"/>
+          </p:nvPr>
+        </p:nvSpPr>
+        <p:spPr>
+          <a:xfrm>
+            <a:off x="311700" y="121625"/>
+            <a:ext cx="8520600" cy="4766400"/>
+          </a:xfrm>
+          <a:prstGeom prst="rect">
+            <a:avLst/>
+          </a:prstGeom>
+        </p:spPr>
+        <p:txBody>
+          <a:bodyPr anchorCtr="0" anchor="t" bIns="91425" lIns="91425" spcFirstLastPara="1" rIns="91425" wrap="square" tIns="91425">
+            <a:noAutofit/>
+          </a:bodyPr>
+          <a:lstStyle/>
+          <a:p>
+            <a:pPr indent="0" lvl="0" marL="0" rtl="0" algn="l">
+              <a:spcBef>
+                <a:spcPts val="0"/>
+              </a:spcBef>
+              <a:spcAft>
+                <a:spcPts val="0"/>
+              </a:spcAft>
+              <a:buNone/>
+            </a:pPr>
+            <a:br>
+              <a:rPr lang="sv" sz="3000"/>
+            </a:br>
+            <a:r>
+              <a:rPr lang="sv" sz="3000"/>
+              <a:t>Left-side of rule always in MVEL*</a:t>
+            </a:r>
+            <a:endParaRPr sz="3000"/>
+          </a:p>
+          <a:p>
+            <a:pPr indent="0" lvl="0" marL="0" rtl="0" algn="l">
+              <a:spcBef>
+                <a:spcPts val="1600"/>
+              </a:spcBef>
+              <a:spcAft>
+                <a:spcPts val="0"/>
+              </a:spcAft>
+              <a:buNone/>
+            </a:pPr>
+            <a:r>
+              <a:rPr lang="sv" sz="3000"/>
+              <a:t>when</a:t>
+            </a:r>
+            <a:br>
+              <a:rPr lang="sv" sz="3000"/>
+            </a:br>
+            <a:r>
+              <a:rPr lang="sv" sz="3000"/>
+              <a:t>   $o : Order()</a:t>
+            </a:r>
+            <a:br>
+              <a:rPr lang="sv" sz="3000"/>
+            </a:br>
+            <a:r>
+              <a:rPr lang="sv" sz="3000"/>
+              <a:t>   $item  : OrderItem( value &gt; 100 ) from</a:t>
+            </a:r>
+            <a:br>
+              <a:rPr lang="sv" sz="3000"/>
+            </a:br>
+            <a:r>
+              <a:rPr lang="sv" sz="3000"/>
+              <a:t>                $o.items</a:t>
+            </a:r>
+            <a:endParaRPr sz="3000"/>
+          </a:p>
+          <a:p>
+            <a:pPr indent="0" lvl="0" marL="0" rtl="0" algn="l">
+              <a:spcBef>
+                <a:spcPts val="1600"/>
+              </a:spcBef>
+              <a:spcAft>
+                <a:spcPts val="0"/>
+              </a:spcAft>
+              <a:buNone/>
+            </a:pPr>
+            <a:r>
+              <a:rPr lang="sv" sz="3000"/>
+              <a:t> </a:t>
+            </a:r>
+            <a:endParaRPr sz="3000"/>
+          </a:p>
+          <a:p>
+            <a:pPr indent="0" lvl="0" marL="0" rtl="0" algn="l">
+              <a:spcBef>
+                <a:spcPts val="1600"/>
+              </a:spcBef>
+              <a:spcAft>
+                <a:spcPts val="1600"/>
+              </a:spcAft>
+              <a:buNone/>
+            </a:pPr>
+            <a:r>
+              <a:rPr lang="sv" sz="1200"/>
+              <a:t>* = MVFLEX Expression Language</a:t>
+            </a:r>
+            <a:endParaRPr sz="1200"/>
+          </a:p>
+        </p:txBody>
+      </p:sp>
+    </p:spTree>
+  </p:cSld>
+  <p:clrMapOvr>
+    <a:masterClrMapping/>
+  </p:clrMapOvr>
+</p:sld>
+</file>
+
+<file path=ppt/slides/slide31.xml><?xml version="1.0" encoding="utf-8"?>
+<p:sld xmlns:a="http://schemas.openxmlformats.org/drawingml/2006/main" xmlns:r="http://schemas.openxmlformats.org/officeDocument/2006/relationships" xmlns:mc="http://schemas.openxmlformats.org/markup-compatibility/2006" xmlns:mv="urn:schemas-microsoft-com:mac:vml" xmlns:p="http://schemas.openxmlformats.org/presentationml/2006/main" xmlns:c="http://schemas.openxmlformats.org/drawingml/2006/chart" xmlns:dgm="http://schemas.openxmlformats.org/drawingml/2006/diagram" xmlns:o="urn:schemas-microsoft-com:office:office" xmlns:v="urn:schemas-microsoft-com:vml" xmlns:pvml="urn:schemas-microsoft-com:office:powerpoint" xmlns:com="http://schemas.openxmlformats.org/drawingml/2006/compatibility" xmlns:p14="http://schemas.microsoft.com/office/powerpoint/2010/main" xmlns:p15="http://schemas.microsoft.com/office/powerpoint/2012/main">
+  <p:cSld>
+    <p:spTree>
+      <p:nvGrpSpPr>
+        <p:cNvPr id="229" name="Shape 229"/>
+        <p:cNvGrpSpPr/>
+        <p:nvPr/>
+      </p:nvGrpSpPr>
+      <p:grpSpPr>
+        <a:xfrm>
+          <a:off x="0" y="0"/>
+          <a:ext cx="0" cy="0"/>
+          <a:chOff x="0" y="0"/>
+          <a:chExt cx="0" cy="0"/>
+        </a:xfrm>
+      </p:grpSpPr>
+      <p:sp>
+        <p:nvSpPr>
+          <p:cNvPr id="230" name="Google Shape;230;p43"/>
+          <p:cNvSpPr txBox="1"/>
+          <p:nvPr>
+            <p:ph idx="1" type="body"/>
+          </p:nvPr>
+        </p:nvSpPr>
+        <p:spPr>
+          <a:xfrm>
+            <a:off x="311700" y="121625"/>
+            <a:ext cx="8520600" cy="4766400"/>
+          </a:xfrm>
+          <a:prstGeom prst="rect">
+            <a:avLst/>
+          </a:prstGeom>
+        </p:spPr>
+        <p:txBody>
+          <a:bodyPr anchorCtr="0" anchor="t" bIns="91425" lIns="91425" spcFirstLastPara="1" rIns="91425" wrap="square" tIns="91425">
+            <a:noAutofit/>
+          </a:bodyPr>
+          <a:lstStyle/>
+          <a:p>
+            <a:pPr indent="0" lvl="0" marL="0" rtl="0" algn="l">
+              <a:spcBef>
+                <a:spcPts val="0"/>
+              </a:spcBef>
+              <a:spcAft>
+                <a:spcPts val="0"/>
+              </a:spcAft>
+              <a:buNone/>
+            </a:pPr>
+            <a:br>
+              <a:rPr lang="sv" sz="3000"/>
+            </a:br>
+            <a:endParaRPr sz="3000"/>
+          </a:p>
+          <a:p>
+            <a:pPr indent="0" lvl="0" marL="0" rtl="0" algn="l">
+              <a:spcBef>
+                <a:spcPts val="1600"/>
+              </a:spcBef>
+              <a:spcAft>
+                <a:spcPts val="0"/>
+              </a:spcAft>
+              <a:buNone/>
+            </a:pPr>
+            <a:r>
+              <a:t/>
+            </a:r>
+            <a:endParaRPr sz="3000"/>
+          </a:p>
+          <a:p>
+            <a:pPr indent="0" lvl="0" marL="0" rtl="0" algn="l">
+              <a:spcBef>
+                <a:spcPts val="1600"/>
+              </a:spcBef>
+              <a:spcAft>
+                <a:spcPts val="0"/>
+              </a:spcAft>
+              <a:buNone/>
+            </a:pPr>
+            <a:r>
+              <a:rPr lang="sv" sz="3000"/>
+              <a:t>Right-side of rule is MVEL or Java</a:t>
+            </a:r>
+            <a:endParaRPr sz="3000"/>
+          </a:p>
+          <a:p>
+            <a:pPr indent="0" lvl="0" marL="0" rtl="0" algn="l">
+              <a:spcBef>
+                <a:spcPts val="1600"/>
+              </a:spcBef>
+              <a:spcAft>
+                <a:spcPts val="0"/>
+              </a:spcAft>
+              <a:buNone/>
+            </a:pPr>
+            <a:r>
+              <a:rPr lang="sv" sz="3000"/>
+              <a:t> </a:t>
+            </a:r>
+            <a:endParaRPr sz="3000"/>
+          </a:p>
+          <a:p>
+            <a:pPr indent="0" lvl="0" marL="0" rtl="0" algn="l">
+              <a:spcBef>
+                <a:spcPts val="1600"/>
+              </a:spcBef>
+              <a:spcAft>
+                <a:spcPts val="0"/>
+              </a:spcAft>
+              <a:buNone/>
+            </a:pPr>
+            <a:r>
+              <a:t/>
+            </a:r>
+            <a:endParaRPr sz="3000"/>
+          </a:p>
+          <a:p>
+            <a:pPr indent="0" lvl="0" marL="0" rtl="0" algn="l">
+              <a:spcBef>
+                <a:spcPts val="1600"/>
+              </a:spcBef>
+              <a:spcAft>
+                <a:spcPts val="1600"/>
+              </a:spcAft>
+              <a:buNone/>
+            </a:pPr>
+            <a:r>
+              <a:t/>
+            </a:r>
+            <a:endParaRPr sz="3000"/>
+          </a:p>
+        </p:txBody>
+      </p:sp>
+    </p:spTree>
+  </p:cSld>
+  <p:clrMapOvr>
+    <a:masterClrMapping/>
+  </p:clrMapOvr>
+</p:sld>
+</file>
+
+<file path=ppt/slides/slide32.xml><?xml version="1.0" encoding="utf-8"?>
+<p:sld xmlns:a="http://schemas.openxmlformats.org/drawingml/2006/main" xmlns:r="http://schemas.openxmlformats.org/officeDocument/2006/relationships" xmlns:mc="http://schemas.openxmlformats.org/markup-compatibility/2006" xmlns:mv="urn:schemas-microsoft-com:mac:vml" xmlns:p="http://schemas.openxmlformats.org/presentationml/2006/main" xmlns:c="http://schemas.openxmlformats.org/drawingml/2006/chart" xmlns:dgm="http://schemas.openxmlformats.org/drawingml/2006/diagram" xmlns:o="urn:schemas-microsoft-com:office:office" xmlns:v="urn:schemas-microsoft-com:vml" xmlns:pvml="urn:schemas-microsoft-com:office:powerpoint" xmlns:com="http://schemas.openxmlformats.org/drawingml/2006/compatibility" xmlns:p14="http://schemas.microsoft.com/office/powerpoint/2010/main" xmlns:p15="http://schemas.microsoft.com/office/powerpoint/2012/main">
+  <p:cSld>
+    <p:spTree>
+      <p:nvGrpSpPr>
+        <p:cNvPr id="234" name="Shape 234"/>
+        <p:cNvGrpSpPr/>
+        <p:nvPr/>
+      </p:nvGrpSpPr>
+      <p:grpSpPr>
+        <a:xfrm>
+          <a:off x="0" y="0"/>
+          <a:ext cx="0" cy="0"/>
+          <a:chOff x="0" y="0"/>
+          <a:chExt cx="0" cy="0"/>
+        </a:xfrm>
+      </p:grpSpPr>
+      <p:sp>
+        <p:nvSpPr>
+          <p:cNvPr id="235" name="Google Shape;235;p44"/>
+          <p:cNvSpPr txBox="1"/>
+          <p:nvPr>
+            <p:ph idx="1" type="body"/>
+          </p:nvPr>
+        </p:nvSpPr>
+        <p:spPr>
+          <a:xfrm>
+            <a:off x="311700" y="121625"/>
+            <a:ext cx="8520600" cy="4766400"/>
+          </a:xfrm>
+          <a:prstGeom prst="rect">
+            <a:avLst/>
+          </a:prstGeom>
+        </p:spPr>
+        <p:txBody>
+          <a:bodyPr anchorCtr="0" anchor="t" bIns="91425" lIns="91425" spcFirstLastPara="1" rIns="91425" wrap="square" tIns="91425">
+            <a:noAutofit/>
+          </a:bodyPr>
+          <a:lstStyle/>
+          <a:p>
+            <a:pPr indent="0" lvl="0" marL="0" rtl="0" algn="l">
+              <a:spcBef>
+                <a:spcPts val="0"/>
+              </a:spcBef>
+              <a:spcAft>
+                <a:spcPts val="0"/>
+              </a:spcAft>
+              <a:buNone/>
+            </a:pPr>
+            <a:br>
+              <a:rPr lang="sv" sz="3000"/>
+            </a:br>
+            <a:r>
+              <a:rPr lang="sv" sz="3000"/>
+              <a:t>rule "Underage"</a:t>
+            </a:r>
+            <a:br>
+              <a:rPr lang="sv" sz="3000"/>
+            </a:br>
+            <a:r>
+              <a:rPr lang="sv" sz="3000"/>
+              <a:t>  when</a:t>
+            </a:r>
+            <a:br>
+              <a:rPr lang="sv" sz="3000"/>
+            </a:br>
+            <a:r>
+              <a:rPr lang="sv" sz="3000"/>
+              <a:t>    application : LoanApplication( )</a:t>
+            </a:r>
+            <a:br>
+              <a:rPr lang="sv" sz="3000"/>
+            </a:br>
+            <a:r>
+              <a:rPr lang="sv" sz="3000"/>
+              <a:t>    Applicant(age &lt; 21)</a:t>
+            </a:r>
+            <a:br>
+              <a:rPr lang="sv" sz="3000"/>
+            </a:br>
+            <a:r>
+              <a:rPr lang="sv" sz="3000"/>
+              <a:t>  then</a:t>
+            </a:r>
+            <a:br>
+              <a:rPr lang="sv" sz="3000"/>
+            </a:br>
+            <a:r>
+              <a:rPr lang="sv" sz="3000"/>
+              <a:t>    insert new UnderageFact();</a:t>
+            </a:r>
+            <a:br>
+              <a:rPr lang="sv" sz="3000"/>
+            </a:br>
+            <a:r>
+              <a:rPr lang="sv" sz="3000"/>
+              <a:t>end</a:t>
+            </a:r>
+            <a:endParaRPr sz="3000"/>
+          </a:p>
+          <a:p>
+            <a:pPr indent="0" lvl="0" marL="0" rtl="0" algn="l">
+              <a:spcBef>
+                <a:spcPts val="1600"/>
+              </a:spcBef>
+              <a:spcAft>
+                <a:spcPts val="1600"/>
+              </a:spcAft>
+              <a:buNone/>
+            </a:pPr>
+            <a:r>
+              <a:t/>
+            </a:r>
+            <a:endParaRPr sz="3000"/>
+          </a:p>
+        </p:txBody>
+      </p:sp>
+    </p:spTree>
+  </p:cSld>
+  <p:clrMapOvr>
+    <a:masterClrMapping/>
+  </p:clrMapOvr>
+</p:sld>
+</file>
+
+<file path=ppt/slides/slide33.xml><?xml version="1.0" encoding="utf-8"?>
+<p:sld xmlns:a="http://schemas.openxmlformats.org/drawingml/2006/main" xmlns:r="http://schemas.openxmlformats.org/officeDocument/2006/relationships" xmlns:mc="http://schemas.openxmlformats.org/markup-compatibility/2006" xmlns:mv="urn:schemas-microsoft-com:mac:vml" xmlns:p="http://schemas.openxmlformats.org/presentationml/2006/main" xmlns:c="http://schemas.openxmlformats.org/drawingml/2006/chart" xmlns:dgm="http://schemas.openxmlformats.org/drawingml/2006/diagram" xmlns:o="urn:schemas-microsoft-com:office:office" xmlns:v="urn:schemas-microsoft-com:vml" xmlns:pvml="urn:schemas-microsoft-com:office:powerpoint" xmlns:com="http://schemas.openxmlformats.org/drawingml/2006/compatibility" xmlns:p14="http://schemas.microsoft.com/office/powerpoint/2010/main" xmlns:p15="http://schemas.microsoft.com/office/powerpoint/2012/main">
+  <p:cSld>
+    <p:spTree>
+      <p:nvGrpSpPr>
+        <p:cNvPr id="239" name="Shape 239"/>
+        <p:cNvGrpSpPr/>
+        <p:nvPr/>
+      </p:nvGrpSpPr>
+      <p:grpSpPr>
+        <a:xfrm>
+          <a:off x="0" y="0"/>
+          <a:ext cx="0" cy="0"/>
+          <a:chOff x="0" y="0"/>
+          <a:chExt cx="0" cy="0"/>
+        </a:xfrm>
+      </p:grpSpPr>
+      <p:sp>
+        <p:nvSpPr>
+          <p:cNvPr id="240" name="Google Shape;240;p45"/>
+          <p:cNvSpPr txBox="1"/>
+          <p:nvPr>
+            <p:ph idx="1" type="body"/>
+          </p:nvPr>
+        </p:nvSpPr>
+        <p:spPr>
+          <a:xfrm>
+            <a:off x="311700" y="121625"/>
+            <a:ext cx="8520600" cy="4766400"/>
+          </a:xfrm>
+          <a:prstGeom prst="rect">
+            <a:avLst/>
+          </a:prstGeom>
+        </p:spPr>
+        <p:txBody>
+          <a:bodyPr anchorCtr="0" anchor="t" bIns="91425" lIns="91425" spcFirstLastPara="1" rIns="91425" wrap="square" tIns="91425">
+            <a:noAutofit/>
+          </a:bodyPr>
+          <a:lstStyle/>
+          <a:p>
+            <a:pPr indent="0" lvl="0" marL="0" rtl="0" algn="l">
+              <a:spcBef>
+                <a:spcPts val="0"/>
+              </a:spcBef>
+              <a:spcAft>
+                <a:spcPts val="0"/>
+              </a:spcAft>
+              <a:buNone/>
+            </a:pPr>
+            <a:br>
+              <a:rPr lang="sv" sz="3000"/>
+            </a:br>
+            <a:r>
+              <a:rPr lang="sv" sz="3000"/>
+              <a:t>rule "Swedish applicant"</a:t>
+            </a:r>
+            <a:br>
+              <a:rPr lang="sv" sz="3000"/>
+            </a:br>
+            <a:r>
+              <a:rPr lang="sv" sz="3000"/>
+              <a:t>  when</a:t>
+            </a:r>
+            <a:br>
+              <a:rPr lang="sv" sz="3000"/>
+            </a:br>
+            <a:r>
+              <a:rPr lang="sv" sz="3000"/>
+              <a:t>    application: LoanApplication(country == “SE”)   </a:t>
+            </a:r>
+            <a:br>
+              <a:rPr lang="sv" sz="3000"/>
+            </a:br>
+            <a:r>
+              <a:rPr lang="sv" sz="3000"/>
+              <a:t>    not UnderageFact();</a:t>
+            </a:r>
+            <a:br>
+              <a:rPr lang="sv" sz="3000"/>
+            </a:br>
+            <a:r>
+              <a:rPr lang="sv" sz="3000"/>
+              <a:t>  then</a:t>
+            </a:r>
+            <a:br>
+              <a:rPr lang="sv" sz="3000"/>
+            </a:br>
+            <a:r>
+              <a:rPr lang="sv" sz="3000"/>
+              <a:t>    </a:t>
+            </a:r>
+            <a:r>
+              <a:rPr lang="sv" sz="3000"/>
+              <a:t>application.setApproved( false );</a:t>
+            </a:r>
+            <a:br>
+              <a:rPr lang="sv" sz="3000"/>
+            </a:br>
+            <a:r>
+              <a:rPr lang="sv" sz="3000"/>
+              <a:t>end</a:t>
+            </a:r>
+            <a:endParaRPr sz="3000"/>
+          </a:p>
+          <a:p>
+            <a:pPr indent="0" lvl="0" marL="0" rtl="0" algn="l">
+              <a:spcBef>
+                <a:spcPts val="1600"/>
+              </a:spcBef>
+              <a:spcAft>
+                <a:spcPts val="1600"/>
+              </a:spcAft>
+              <a:buNone/>
+            </a:pPr>
+            <a:r>
+              <a:t/>
+            </a:r>
+            <a:endParaRPr sz="3000"/>
+          </a:p>
+        </p:txBody>
+      </p:sp>
+    </p:spTree>
+  </p:cSld>
+  <p:clrMapOvr>
+    <a:masterClrMapping/>
+  </p:clrMapOvr>
+</p:sld>
+</file>
+
+<file path=ppt/slides/slide34.xml><?xml version="1.0" encoding="utf-8"?>
+<p:sld xmlns:a="http://schemas.openxmlformats.org/drawingml/2006/main" xmlns:r="http://schemas.openxmlformats.org/officeDocument/2006/relationships" xmlns:mc="http://schemas.openxmlformats.org/markup-compatibility/2006" xmlns:mv="urn:schemas-microsoft-com:mac:vml" xmlns:p="http://schemas.openxmlformats.org/presentationml/2006/main" xmlns:c="http://schemas.openxmlformats.org/drawingml/2006/chart" xmlns:dgm="http://schemas.openxmlformats.org/drawingml/2006/diagram" xmlns:o="urn:schemas-microsoft-com:office:office" xmlns:v="urn:schemas-microsoft-com:vml" xmlns:pvml="urn:schemas-microsoft-com:office:powerpoint" xmlns:com="http://schemas.openxmlformats.org/drawingml/2006/compatibility" xmlns:p14="http://schemas.microsoft.com/office/powerpoint/2010/main" xmlns:p15="http://schemas.microsoft.com/office/powerpoint/2012/main">
+  <p:cSld>
+    <p:spTree>
+      <p:nvGrpSpPr>
+        <p:cNvPr id="244" name="Shape 244"/>
+        <p:cNvGrpSpPr/>
+        <p:nvPr/>
+      </p:nvGrpSpPr>
+      <p:grpSpPr>
+        <a:xfrm>
+          <a:off x="0" y="0"/>
+          <a:ext cx="0" cy="0"/>
+          <a:chOff x="0" y="0"/>
+          <a:chExt cx="0" cy="0"/>
+        </a:xfrm>
+      </p:grpSpPr>
+      <p:sp>
+        <p:nvSpPr>
+          <p:cNvPr id="245" name="Google Shape;245;p46"/>
+          <p:cNvSpPr txBox="1"/>
+          <p:nvPr>
+            <p:ph idx="1" type="body"/>
+          </p:nvPr>
+        </p:nvSpPr>
+        <p:spPr>
+          <a:xfrm>
+            <a:off x="311700" y="121625"/>
+            <a:ext cx="8520600" cy="4766400"/>
+          </a:xfrm>
+          <a:prstGeom prst="rect">
+            <a:avLst/>
+          </a:prstGeom>
+        </p:spPr>
+        <p:txBody>
+          <a:bodyPr anchorCtr="0" anchor="t" bIns="91425" lIns="91425" spcFirstLastPara="1" rIns="91425" wrap="square" tIns="91425">
+            <a:noAutofit/>
+          </a:bodyPr>
+          <a:lstStyle/>
+          <a:p>
+            <a:pPr indent="0" lvl="0" marL="0" rtl="0" algn="l">
+              <a:spcBef>
+                <a:spcPts val="0"/>
+              </a:spcBef>
+              <a:spcAft>
+                <a:spcPts val="0"/>
+              </a:spcAft>
+              <a:buNone/>
+            </a:pPr>
+            <a:r>
+              <a:rPr lang="sv" sz="3000"/>
+              <a:t>rule "Discount for orders that include US$100,00 of toys"</a:t>
+            </a:r>
+            <a:br>
+              <a:rPr lang="sv" sz="3000"/>
+            </a:br>
+            <a:r>
+              <a:rPr lang="sv" sz="3000"/>
+              <a:t>when:</a:t>
+            </a:r>
+            <a:br>
+              <a:rPr lang="sv" sz="3000"/>
+            </a:br>
+            <a:r>
+              <a:rPr lang="sv" sz="3000"/>
+              <a:t>  </a:t>
+            </a:r>
+            <a:r>
+              <a:rPr lang="sv" sz="3000"/>
+              <a:t>$o : Order()</a:t>
+            </a:r>
+            <a:br>
+              <a:rPr lang="sv" sz="3000"/>
+            </a:br>
+            <a:r>
+              <a:rPr lang="sv" sz="3000"/>
+              <a:t>  $toysTotal : Number(doubleValue &gt; 100 )</a:t>
+            </a:r>
+            <a:br>
+              <a:rPr lang="sv" sz="3000"/>
+            </a:br>
+            <a:r>
+              <a:rPr lang="sv" sz="3000"/>
+              <a:t>               from accumulate( OrderItem( order ==  </a:t>
+            </a:r>
+            <a:br>
+              <a:rPr lang="sv" sz="3000"/>
+            </a:br>
+            <a:r>
+              <a:rPr lang="sv" sz="3000"/>
+              <a:t>                       $o, type == "toy", $value : value ),</a:t>
+            </a:r>
+            <a:br>
+              <a:rPr lang="sv" sz="3000"/>
+            </a:br>
+            <a:r>
+              <a:rPr lang="sv" sz="3000"/>
+              <a:t>                      sum( $value ) </a:t>
+            </a:r>
+            <a:endParaRPr sz="3000"/>
+          </a:p>
+          <a:p>
+            <a:pPr indent="0" lvl="0" marL="0" rtl="0" algn="l">
+              <a:spcBef>
+                <a:spcPts val="1600"/>
+              </a:spcBef>
+              <a:spcAft>
+                <a:spcPts val="0"/>
+              </a:spcAft>
+              <a:buNone/>
+            </a:pPr>
+            <a:r>
+              <a:rPr lang="sv" sz="3000"/>
+              <a:t>)</a:t>
+            </a:r>
+            <a:endParaRPr sz="3000"/>
+          </a:p>
+          <a:p>
+            <a:pPr indent="0" lvl="0" marL="0" rtl="0" algn="l">
+              <a:spcBef>
+                <a:spcPts val="1600"/>
+              </a:spcBef>
+              <a:spcAft>
+                <a:spcPts val="1600"/>
+              </a:spcAft>
+              <a:buNone/>
+            </a:pPr>
+            <a:r>
+              <a:t/>
+            </a:r>
+            <a:endParaRPr sz="3000"/>
+          </a:p>
+        </p:txBody>
+      </p:sp>
+    </p:spTree>
+  </p:cSld>
+  <p:clrMapOvr>
+    <a:masterClrMapping/>
+  </p:clrMapOvr>
+</p:sld>
+</file>
+
+<file path=ppt/slides/slide35.xml><?xml version="1.0" encoding="utf-8"?>
+<p:sld xmlns:a="http://schemas.openxmlformats.org/drawingml/2006/main" xmlns:r="http://schemas.openxmlformats.org/officeDocument/2006/relationships" xmlns:mc="http://schemas.openxmlformats.org/markup-compatibility/2006" xmlns:mv="urn:schemas-microsoft-com:mac:vml" xmlns:p="http://schemas.openxmlformats.org/presentationml/2006/main" xmlns:c="http://schemas.openxmlformats.org/drawingml/2006/chart" xmlns:dgm="http://schemas.openxmlformats.org/drawingml/2006/diagram" xmlns:o="urn:schemas-microsoft-com:office:office" xmlns:v="urn:schemas-microsoft-com:vml" xmlns:pvml="urn:schemas-microsoft-com:office:powerpoint" xmlns:com="http://schemas.openxmlformats.org/drawingml/2006/compatibility" xmlns:p14="http://schemas.microsoft.com/office/powerpoint/2010/main" xmlns:p15="http://schemas.microsoft.com/office/powerpoint/2012/main">
+  <p:cSld>
+    <p:spTree>
+      <p:nvGrpSpPr>
+        <p:cNvPr id="249" name="Shape 249"/>
+        <p:cNvGrpSpPr/>
+        <p:nvPr/>
+      </p:nvGrpSpPr>
+      <p:grpSpPr>
+        <a:xfrm>
+          <a:off x="0" y="0"/>
+          <a:ext cx="0" cy="0"/>
+          <a:chOff x="0" y="0"/>
+          <a:chExt cx="0" cy="0"/>
+        </a:xfrm>
+      </p:grpSpPr>
+      <p:sp>
+        <p:nvSpPr>
+          <p:cNvPr id="250" name="Google Shape;250;p47"/>
+          <p:cNvSpPr txBox="1"/>
+          <p:nvPr>
+            <p:ph type="title"/>
+          </p:nvPr>
+        </p:nvSpPr>
+        <p:spPr>
+          <a:xfrm>
+            <a:off x="311700" y="445025"/>
+            <a:ext cx="8520600" cy="978300"/>
+          </a:xfrm>
+          <a:prstGeom prst="rect">
+            <a:avLst/>
+          </a:prstGeom>
+        </p:spPr>
+        <p:txBody>
+          <a:bodyPr anchorCtr="0" anchor="t" bIns="91425" lIns="91425" spcFirstLastPara="1" rIns="91425" wrap="square" tIns="91425">
+            <a:noAutofit/>
+          </a:bodyPr>
+          <a:lstStyle/>
+          <a:p>
+            <a:pPr indent="0" lvl="0" marL="0" rtl="0" algn="l">
+              <a:spcBef>
+                <a:spcPts val="0"/>
+              </a:spcBef>
+              <a:spcAft>
+                <a:spcPts val="0"/>
+              </a:spcAft>
+              <a:buNone/>
+            </a:pPr>
+            <a:r>
+              <a:rPr lang="sv" sz="4800"/>
+              <a:t>Easy Rules - ett alternativ</a:t>
+            </a:r>
+            <a:endParaRPr sz="4800"/>
+          </a:p>
+        </p:txBody>
+      </p:sp>
+      <p:sp>
+        <p:nvSpPr>
+          <p:cNvPr id="251" name="Google Shape;251;p47"/>
+          <p:cNvSpPr txBox="1"/>
+          <p:nvPr>
+            <p:ph idx="1" type="body"/>
+          </p:nvPr>
+        </p:nvSpPr>
+        <p:spPr>
+          <a:xfrm>
+            <a:off x="311700" y="1423325"/>
+            <a:ext cx="8520600" cy="3145800"/>
+          </a:xfrm>
+          <a:prstGeom prst="rect">
+            <a:avLst/>
+          </a:prstGeom>
+        </p:spPr>
+        <p:txBody>
+          <a:bodyPr anchorCtr="0" anchor="t" bIns="91425" lIns="91425" spcFirstLastPara="1" rIns="91425" wrap="square" tIns="91425">
+            <a:noAutofit/>
+          </a:bodyPr>
+          <a:lstStyle/>
+          <a:p>
+            <a:pPr indent="-419100" lvl="0" marL="457200" rtl="0" algn="l">
+              <a:spcBef>
+                <a:spcPts val="0"/>
+              </a:spcBef>
+              <a:spcAft>
+                <a:spcPts val="0"/>
+              </a:spcAft>
+              <a:buSzPts val="3000"/>
+              <a:buChar char="❖"/>
+            </a:pPr>
+            <a:r>
+              <a:rPr lang="sv" sz="3000"/>
+              <a:t>Enkel regelmotor</a:t>
+            </a:r>
+            <a:endParaRPr sz="3000"/>
+          </a:p>
+          <a:p>
+            <a:pPr indent="-419100" lvl="0" marL="457200" rtl="0" algn="l">
+              <a:spcBef>
+                <a:spcPts val="0"/>
+              </a:spcBef>
+              <a:spcAft>
+                <a:spcPts val="0"/>
+              </a:spcAft>
+              <a:buSzPts val="3000"/>
+              <a:buChar char="❖"/>
+            </a:pPr>
+            <a:r>
+              <a:rPr lang="sv" sz="3000"/>
+              <a:t>Helt Java-baserad</a:t>
+            </a:r>
+            <a:endParaRPr sz="3000"/>
+          </a:p>
+          <a:p>
+            <a:pPr indent="-419100" lvl="0" marL="457200" rtl="0" algn="l">
+              <a:spcBef>
+                <a:spcPts val="0"/>
+              </a:spcBef>
+              <a:spcAft>
+                <a:spcPts val="0"/>
+              </a:spcAft>
+              <a:buSzPts val="3000"/>
+              <a:buChar char="❖"/>
+            </a:pPr>
+            <a:r>
+              <a:rPr lang="sv" sz="3000"/>
+              <a:t>“If you like Drools, you will love Easy Rules!”</a:t>
+            </a:r>
+            <a:endParaRPr sz="3000"/>
+          </a:p>
+          <a:p>
+            <a:pPr indent="-419100" lvl="0" marL="457200" rtl="0" algn="l">
+              <a:spcBef>
+                <a:spcPts val="0"/>
+              </a:spcBef>
+              <a:spcAft>
+                <a:spcPts val="0"/>
+              </a:spcAft>
+              <a:buSzPts val="3000"/>
+              <a:buChar char="❖"/>
+            </a:pPr>
+            <a:r>
+              <a:rPr lang="sv" sz="3000"/>
+              <a:t>Inte samma prestanda</a:t>
+            </a:r>
+            <a:endParaRPr sz="3000"/>
+          </a:p>
+        </p:txBody>
+      </p:sp>
+    </p:spTree>
+  </p:cSld>
+  <p:clrMapOvr>
+    <a:masterClrMapping/>
+  </p:clrMapOvr>
+</p:sld>
+</file>
+
+<file path=ppt/slides/slide36.xml><?xml version="1.0" encoding="utf-8"?>
+<p:sld xmlns:a="http://schemas.openxmlformats.org/drawingml/2006/main" xmlns:r="http://schemas.openxmlformats.org/officeDocument/2006/relationships" xmlns:mc="http://schemas.openxmlformats.org/markup-compatibility/2006" xmlns:mv="urn:schemas-microsoft-com:mac:vml" xmlns:p="http://schemas.openxmlformats.org/presentationml/2006/main" xmlns:c="http://schemas.openxmlformats.org/drawingml/2006/chart" xmlns:dgm="http://schemas.openxmlformats.org/drawingml/2006/diagram" xmlns:o="urn:schemas-microsoft-com:office:office" xmlns:v="urn:schemas-microsoft-com:vml" xmlns:pvml="urn:schemas-microsoft-com:office:powerpoint" xmlns:com="http://schemas.openxmlformats.org/drawingml/2006/compatibility" xmlns:p14="http://schemas.microsoft.com/office/powerpoint/2010/main" xmlns:p15="http://schemas.microsoft.com/office/powerpoint/2012/main">
+  <p:cSld>
+    <p:spTree>
+      <p:nvGrpSpPr>
+        <p:cNvPr id="255" name="Shape 255"/>
+        <p:cNvGrpSpPr/>
+        <p:nvPr/>
+      </p:nvGrpSpPr>
+      <p:grpSpPr>
+        <a:xfrm>
+          <a:off x="0" y="0"/>
+          <a:ext cx="0" cy="0"/>
+          <a:chOff x="0" y="0"/>
+          <a:chExt cx="0" cy="0"/>
+        </a:xfrm>
+      </p:grpSpPr>
+      <p:sp>
+        <p:nvSpPr>
+          <p:cNvPr id="256" name="Google Shape;256;p48"/>
+          <p:cNvSpPr txBox="1"/>
+          <p:nvPr/>
+        </p:nvSpPr>
+        <p:spPr>
+          <a:xfrm>
+            <a:off x="424425" y="310550"/>
+            <a:ext cx="8249100" cy="4483500"/>
+          </a:xfrm>
+          <a:prstGeom prst="rect">
+            <a:avLst/>
+          </a:prstGeom>
+          <a:noFill/>
+          <a:ln>
+            <a:noFill/>
+          </a:ln>
+        </p:spPr>
+        <p:txBody>
+          <a:bodyPr anchorCtr="0" anchor="t" bIns="91425" lIns="91425" spcFirstLastPara="1" rIns="91425" wrap="square" tIns="91425">
+            <a:noAutofit/>
+          </a:bodyPr>
+          <a:lstStyle/>
+          <a:p>
+            <a:pPr indent="0" lvl="0" marL="0" rtl="0" algn="l">
+              <a:spcBef>
+                <a:spcPts val="0"/>
+              </a:spcBef>
+              <a:spcAft>
+                <a:spcPts val="0"/>
+              </a:spcAft>
+              <a:buNone/>
+            </a:pPr>
+            <a:r>
+              <a:rPr lang="sv" sz="1800">
+                <a:solidFill>
+                  <a:srgbClr val="BBB529"/>
+                </a:solidFill>
+                <a:highlight>
+                  <a:srgbClr val="2B2B2B"/>
+                </a:highlight>
+                <a:latin typeface="Courier New"/>
+                <a:ea typeface="Courier New"/>
+                <a:cs typeface="Courier New"/>
+                <a:sym typeface="Courier New"/>
+              </a:rPr>
+              <a:t>@Rule</a:t>
+            </a:r>
+            <a:r>
+              <a:rPr lang="sv" sz="1800">
+                <a:solidFill>
+                  <a:srgbClr val="A9B7C6"/>
+                </a:solidFill>
+                <a:highlight>
+                  <a:srgbClr val="2B2B2B"/>
+                </a:highlight>
+                <a:latin typeface="Courier New"/>
+                <a:ea typeface="Courier New"/>
+                <a:cs typeface="Courier New"/>
+                <a:sym typeface="Courier New"/>
+              </a:rPr>
+              <a:t>(</a:t>
+            </a:r>
+            <a:r>
+              <a:rPr lang="sv" sz="1800">
+                <a:solidFill>
+                  <a:srgbClr val="D0D0FF"/>
+                </a:solidFill>
+                <a:highlight>
+                  <a:srgbClr val="2B2B2B"/>
+                </a:highlight>
+                <a:latin typeface="Courier New"/>
+                <a:ea typeface="Courier New"/>
+                <a:cs typeface="Courier New"/>
+                <a:sym typeface="Courier New"/>
+              </a:rPr>
+              <a:t>name </a:t>
+            </a:r>
+            <a:r>
+              <a:rPr lang="sv" sz="1800">
+                <a:solidFill>
+                  <a:srgbClr val="A9B7C6"/>
+                </a:solidFill>
+                <a:highlight>
+                  <a:srgbClr val="2B2B2B"/>
+                </a:highlight>
+                <a:latin typeface="Courier New"/>
+                <a:ea typeface="Courier New"/>
+                <a:cs typeface="Courier New"/>
+                <a:sym typeface="Courier New"/>
+              </a:rPr>
+              <a:t>= </a:t>
+            </a:r>
+            <a:r>
+              <a:rPr lang="sv" sz="1800">
+                <a:solidFill>
+                  <a:srgbClr val="6A8759"/>
+                </a:solidFill>
+                <a:highlight>
+                  <a:srgbClr val="2B2B2B"/>
+                </a:highlight>
+                <a:latin typeface="Courier New"/>
+                <a:ea typeface="Courier New"/>
+                <a:cs typeface="Courier New"/>
+                <a:sym typeface="Courier New"/>
+              </a:rPr>
+              <a:t>"increase premium for young drivers"</a:t>
+            </a:r>
+            <a:r>
+              <a:rPr lang="sv" sz="1800">
+                <a:solidFill>
+                  <a:srgbClr val="A9B7C6"/>
+                </a:solidFill>
+                <a:highlight>
+                  <a:srgbClr val="2B2B2B"/>
+                </a:highlight>
+                <a:latin typeface="Courier New"/>
+                <a:ea typeface="Courier New"/>
+                <a:cs typeface="Courier New"/>
+                <a:sym typeface="Courier New"/>
+              </a:rPr>
+              <a:t>)</a:t>
+            </a:r>
+            <a:endParaRPr sz="1800">
+              <a:solidFill>
+                <a:srgbClr val="A9B7C6"/>
+              </a:solidFill>
+              <a:highlight>
+                <a:srgbClr val="2B2B2B"/>
+              </a:highlight>
+              <a:latin typeface="Courier New"/>
+              <a:ea typeface="Courier New"/>
+              <a:cs typeface="Courier New"/>
+              <a:sym typeface="Courier New"/>
+            </a:endParaRPr>
+          </a:p>
+          <a:p>
+            <a:pPr indent="0" lvl="0" marL="0" rtl="0" algn="l">
+              <a:spcBef>
+                <a:spcPts val="0"/>
+              </a:spcBef>
+              <a:spcAft>
+                <a:spcPts val="0"/>
+              </a:spcAft>
+              <a:buNone/>
+            </a:pPr>
+            <a:r>
+              <a:rPr lang="sv" sz="1800">
+                <a:solidFill>
+                  <a:srgbClr val="CC7832"/>
+                </a:solidFill>
+                <a:highlight>
+                  <a:srgbClr val="2B2B2B"/>
+                </a:highlight>
+                <a:latin typeface="Courier New"/>
+                <a:ea typeface="Courier New"/>
+                <a:cs typeface="Courier New"/>
+                <a:sym typeface="Courier New"/>
+              </a:rPr>
+              <a:t>public class </a:t>
+            </a:r>
+            <a:r>
+              <a:rPr lang="sv" sz="1800">
+                <a:solidFill>
+                  <a:srgbClr val="A9B7C6"/>
+                </a:solidFill>
+                <a:highlight>
+                  <a:srgbClr val="2B2B2B"/>
+                </a:highlight>
+                <a:latin typeface="Courier New"/>
+                <a:ea typeface="Courier New"/>
+                <a:cs typeface="Courier New"/>
+                <a:sym typeface="Courier New"/>
+              </a:rPr>
+              <a:t>IsDriverYoung {</a:t>
+            </a:r>
+            <a:endParaRPr sz="1800">
+              <a:solidFill>
+                <a:srgbClr val="A9B7C6"/>
+              </a:solidFill>
+              <a:highlight>
+                <a:srgbClr val="2B2B2B"/>
+              </a:highlight>
+              <a:latin typeface="Courier New"/>
+              <a:ea typeface="Courier New"/>
+              <a:cs typeface="Courier New"/>
+              <a:sym typeface="Courier New"/>
+            </a:endParaRPr>
+          </a:p>
+          <a:p>
+            <a:pPr indent="0" lvl="0" marL="0" rtl="0" algn="l">
+              <a:spcBef>
+                <a:spcPts val="0"/>
+              </a:spcBef>
+              <a:spcAft>
+                <a:spcPts val="0"/>
+              </a:spcAft>
+              <a:buNone/>
+            </a:pPr>
+            <a:r>
+              <a:t/>
+            </a:r>
+            <a:endParaRPr sz="1800">
+              <a:solidFill>
+                <a:srgbClr val="A9B7C6"/>
+              </a:solidFill>
+              <a:highlight>
+                <a:srgbClr val="2B2B2B"/>
+              </a:highlight>
+              <a:latin typeface="Courier New"/>
+              <a:ea typeface="Courier New"/>
+              <a:cs typeface="Courier New"/>
+              <a:sym typeface="Courier New"/>
+            </a:endParaRPr>
+          </a:p>
+          <a:p>
+            <a:pPr indent="0" lvl="0" marL="0" rtl="0" algn="l">
+              <a:spcBef>
+                <a:spcPts val="0"/>
+              </a:spcBef>
+              <a:spcAft>
+                <a:spcPts val="0"/>
+              </a:spcAft>
+              <a:buNone/>
+            </a:pPr>
+            <a:r>
+              <a:rPr lang="sv" sz="1800">
+                <a:solidFill>
+                  <a:srgbClr val="A9B7C6"/>
+                </a:solidFill>
+                <a:highlight>
+                  <a:srgbClr val="2B2B2B"/>
+                </a:highlight>
+                <a:latin typeface="Courier New"/>
+                <a:ea typeface="Courier New"/>
+                <a:cs typeface="Courier New"/>
+                <a:sym typeface="Courier New"/>
+              </a:rPr>
+              <a:t>   </a:t>
+            </a:r>
+            <a:r>
+              <a:rPr lang="sv" sz="1800">
+                <a:solidFill>
+                  <a:srgbClr val="BBB529"/>
+                </a:solidFill>
+                <a:highlight>
+                  <a:srgbClr val="2B2B2B"/>
+                </a:highlight>
+                <a:latin typeface="Courier New"/>
+                <a:ea typeface="Courier New"/>
+                <a:cs typeface="Courier New"/>
+                <a:sym typeface="Courier New"/>
+              </a:rPr>
+              <a:t>@Condition</a:t>
+            </a:r>
+            <a:endParaRPr sz="1800">
+              <a:solidFill>
+                <a:srgbClr val="BBB529"/>
+              </a:solidFill>
+              <a:highlight>
+                <a:srgbClr val="2B2B2B"/>
+              </a:highlight>
+              <a:latin typeface="Courier New"/>
+              <a:ea typeface="Courier New"/>
+              <a:cs typeface="Courier New"/>
+              <a:sym typeface="Courier New"/>
+            </a:endParaRPr>
+          </a:p>
+          <a:p>
+            <a:pPr indent="0" lvl="0" marL="0" rtl="0" algn="l">
+              <a:spcBef>
+                <a:spcPts val="0"/>
+              </a:spcBef>
+              <a:spcAft>
+                <a:spcPts val="0"/>
+              </a:spcAft>
+              <a:buNone/>
+            </a:pPr>
+            <a:r>
+              <a:rPr lang="sv" sz="1800">
+                <a:solidFill>
+                  <a:srgbClr val="BBB529"/>
+                </a:solidFill>
+                <a:highlight>
+                  <a:srgbClr val="2B2B2B"/>
+                </a:highlight>
+                <a:latin typeface="Courier New"/>
+                <a:ea typeface="Courier New"/>
+                <a:cs typeface="Courier New"/>
+                <a:sym typeface="Courier New"/>
+              </a:rPr>
+              <a:t>   </a:t>
+            </a:r>
+            <a:r>
+              <a:rPr lang="sv" sz="1800">
+                <a:solidFill>
+                  <a:srgbClr val="CC7832"/>
+                </a:solidFill>
+                <a:highlight>
+                  <a:srgbClr val="2B2B2B"/>
+                </a:highlight>
+                <a:latin typeface="Courier New"/>
+                <a:ea typeface="Courier New"/>
+                <a:cs typeface="Courier New"/>
+                <a:sym typeface="Courier New"/>
+              </a:rPr>
+              <a:t>public boolean </a:t>
+            </a:r>
+            <a:r>
+              <a:rPr lang="sv" sz="1800">
+                <a:solidFill>
+                  <a:srgbClr val="FFC66D"/>
+                </a:solidFill>
+                <a:highlight>
+                  <a:srgbClr val="2B2B2B"/>
+                </a:highlight>
+                <a:latin typeface="Courier New"/>
+                <a:ea typeface="Courier New"/>
+                <a:cs typeface="Courier New"/>
+                <a:sym typeface="Courier New"/>
+              </a:rPr>
+              <a:t>when</a:t>
+            </a:r>
+            <a:r>
+              <a:rPr lang="sv" sz="1800">
+                <a:solidFill>
+                  <a:srgbClr val="A9B7C6"/>
+                </a:solidFill>
+                <a:highlight>
+                  <a:srgbClr val="2B2B2B"/>
+                </a:highlight>
+                <a:latin typeface="Courier New"/>
+                <a:ea typeface="Courier New"/>
+                <a:cs typeface="Courier New"/>
+                <a:sym typeface="Courier New"/>
+              </a:rPr>
+              <a:t>(</a:t>
+            </a:r>
+            <a:r>
+              <a:rPr lang="sv" sz="1800">
+                <a:solidFill>
+                  <a:srgbClr val="BBB529"/>
+                </a:solidFill>
+                <a:highlight>
+                  <a:srgbClr val="2B2B2B"/>
+                </a:highlight>
+                <a:latin typeface="Courier New"/>
+                <a:ea typeface="Courier New"/>
+                <a:cs typeface="Courier New"/>
+                <a:sym typeface="Courier New"/>
+              </a:rPr>
+              <a:t>@Fact</a:t>
+            </a:r>
+            <a:r>
+              <a:rPr lang="sv" sz="1800">
+                <a:solidFill>
+                  <a:srgbClr val="A9B7C6"/>
+                </a:solidFill>
+                <a:highlight>
+                  <a:srgbClr val="2B2B2B"/>
+                </a:highlight>
+                <a:latin typeface="Courier New"/>
+                <a:ea typeface="Courier New"/>
+                <a:cs typeface="Courier New"/>
+                <a:sym typeface="Courier New"/>
+              </a:rPr>
+              <a:t>(</a:t>
+            </a:r>
+            <a:r>
+              <a:rPr lang="sv" sz="1800">
+                <a:solidFill>
+                  <a:srgbClr val="6A8759"/>
+                </a:solidFill>
+                <a:highlight>
+                  <a:srgbClr val="2B2B2B"/>
+                </a:highlight>
+                <a:latin typeface="Courier New"/>
+                <a:ea typeface="Courier New"/>
+                <a:cs typeface="Courier New"/>
+                <a:sym typeface="Courier New"/>
+              </a:rPr>
+              <a:t>"age"</a:t>
+            </a:r>
+            <a:r>
+              <a:rPr lang="sv" sz="1800">
+                <a:solidFill>
+                  <a:srgbClr val="A9B7C6"/>
+                </a:solidFill>
+                <a:highlight>
+                  <a:srgbClr val="2B2B2B"/>
+                </a:highlight>
+                <a:latin typeface="Courier New"/>
+                <a:ea typeface="Courier New"/>
+                <a:cs typeface="Courier New"/>
+                <a:sym typeface="Courier New"/>
+              </a:rPr>
+              <a:t>) </a:t>
+            </a:r>
+            <a:r>
+              <a:rPr lang="sv" sz="1800">
+                <a:solidFill>
+                  <a:srgbClr val="CC7832"/>
+                </a:solidFill>
+                <a:highlight>
+                  <a:srgbClr val="2B2B2B"/>
+                </a:highlight>
+                <a:latin typeface="Courier New"/>
+                <a:ea typeface="Courier New"/>
+                <a:cs typeface="Courier New"/>
+                <a:sym typeface="Courier New"/>
+              </a:rPr>
+              <a:t>int </a:t>
+            </a:r>
+            <a:r>
+              <a:rPr lang="sv" sz="1800">
+                <a:solidFill>
+                  <a:srgbClr val="A9B7C6"/>
+                </a:solidFill>
+                <a:highlight>
+                  <a:srgbClr val="2B2B2B"/>
+                </a:highlight>
+                <a:latin typeface="Courier New"/>
+                <a:ea typeface="Courier New"/>
+                <a:cs typeface="Courier New"/>
+                <a:sym typeface="Courier New"/>
+              </a:rPr>
+              <a:t>age) {</a:t>
+            </a:r>
+            <a:endParaRPr sz="1800">
+              <a:solidFill>
+                <a:srgbClr val="A9B7C6"/>
+              </a:solidFill>
+              <a:highlight>
+                <a:srgbClr val="2B2B2B"/>
+              </a:highlight>
+              <a:latin typeface="Courier New"/>
+              <a:ea typeface="Courier New"/>
+              <a:cs typeface="Courier New"/>
+              <a:sym typeface="Courier New"/>
+            </a:endParaRPr>
+          </a:p>
+          <a:p>
+            <a:pPr indent="0" lvl="0" marL="0" rtl="0" algn="l">
+              <a:spcBef>
+                <a:spcPts val="0"/>
+              </a:spcBef>
+              <a:spcAft>
+                <a:spcPts val="0"/>
+              </a:spcAft>
+              <a:buNone/>
+            </a:pPr>
+            <a:r>
+              <a:rPr lang="sv" sz="1800">
+                <a:solidFill>
+                  <a:srgbClr val="A9B7C6"/>
+                </a:solidFill>
+                <a:highlight>
+                  <a:srgbClr val="2B2B2B"/>
+                </a:highlight>
+                <a:latin typeface="Courier New"/>
+                <a:ea typeface="Courier New"/>
+                <a:cs typeface="Courier New"/>
+                <a:sym typeface="Courier New"/>
+              </a:rPr>
+              <a:t>       </a:t>
+            </a:r>
+            <a:r>
+              <a:rPr lang="sv" sz="1800">
+                <a:solidFill>
+                  <a:srgbClr val="CC7832"/>
+                </a:solidFill>
+                <a:highlight>
+                  <a:srgbClr val="2B2B2B"/>
+                </a:highlight>
+                <a:latin typeface="Courier New"/>
+                <a:ea typeface="Courier New"/>
+                <a:cs typeface="Courier New"/>
+                <a:sym typeface="Courier New"/>
+              </a:rPr>
+              <a:t>return </a:t>
+            </a:r>
+            <a:r>
+              <a:rPr lang="sv" sz="1800">
+                <a:solidFill>
+                  <a:srgbClr val="A9B7C6"/>
+                </a:solidFill>
+                <a:highlight>
+                  <a:srgbClr val="2B2B2B"/>
+                </a:highlight>
+                <a:latin typeface="Courier New"/>
+                <a:ea typeface="Courier New"/>
+                <a:cs typeface="Courier New"/>
+                <a:sym typeface="Courier New"/>
+              </a:rPr>
+              <a:t>age &lt; </a:t>
+            </a:r>
+            <a:r>
+              <a:rPr lang="sv" sz="1800">
+                <a:solidFill>
+                  <a:srgbClr val="6897BB"/>
+                </a:solidFill>
+                <a:highlight>
+                  <a:srgbClr val="2B2B2B"/>
+                </a:highlight>
+                <a:latin typeface="Courier New"/>
+                <a:ea typeface="Courier New"/>
+                <a:cs typeface="Courier New"/>
+                <a:sym typeface="Courier New"/>
+              </a:rPr>
+              <a:t>25</a:t>
+            </a:r>
+            <a:r>
+              <a:rPr lang="sv" sz="1800">
+                <a:solidFill>
+                  <a:srgbClr val="CC7832"/>
+                </a:solidFill>
+                <a:highlight>
+                  <a:srgbClr val="2B2B2B"/>
+                </a:highlight>
+                <a:latin typeface="Courier New"/>
+                <a:ea typeface="Courier New"/>
+                <a:cs typeface="Courier New"/>
+                <a:sym typeface="Courier New"/>
+              </a:rPr>
+              <a:t>;</a:t>
+            </a:r>
+            <a:endParaRPr sz="1800">
+              <a:solidFill>
+                <a:srgbClr val="CC7832"/>
+              </a:solidFill>
+              <a:highlight>
+                <a:srgbClr val="2B2B2B"/>
+              </a:highlight>
+              <a:latin typeface="Courier New"/>
+              <a:ea typeface="Courier New"/>
+              <a:cs typeface="Courier New"/>
+              <a:sym typeface="Courier New"/>
+            </a:endParaRPr>
+          </a:p>
+          <a:p>
+            <a:pPr indent="0" lvl="0" marL="0" rtl="0" algn="l">
+              <a:spcBef>
+                <a:spcPts val="0"/>
+              </a:spcBef>
+              <a:spcAft>
+                <a:spcPts val="0"/>
+              </a:spcAft>
+              <a:buNone/>
+            </a:pPr>
+            <a:r>
+              <a:rPr lang="sv" sz="1800">
+                <a:solidFill>
+                  <a:srgbClr val="CC7832"/>
+                </a:solidFill>
+                <a:highlight>
+                  <a:srgbClr val="2B2B2B"/>
+                </a:highlight>
+                <a:latin typeface="Courier New"/>
+                <a:ea typeface="Courier New"/>
+                <a:cs typeface="Courier New"/>
+                <a:sym typeface="Courier New"/>
+              </a:rPr>
+              <a:t>   </a:t>
+            </a:r>
+            <a:r>
+              <a:rPr lang="sv" sz="1800">
+                <a:solidFill>
+                  <a:srgbClr val="A9B7C6"/>
+                </a:solidFill>
+                <a:highlight>
+                  <a:srgbClr val="2B2B2B"/>
+                </a:highlight>
+                <a:latin typeface="Courier New"/>
+                <a:ea typeface="Courier New"/>
+                <a:cs typeface="Courier New"/>
+                <a:sym typeface="Courier New"/>
+              </a:rPr>
+              <a:t>}</a:t>
+            </a:r>
+            <a:endParaRPr sz="1800">
+              <a:solidFill>
+                <a:srgbClr val="A9B7C6"/>
+              </a:solidFill>
+              <a:highlight>
+                <a:srgbClr val="2B2B2B"/>
+              </a:highlight>
+              <a:latin typeface="Courier New"/>
+              <a:ea typeface="Courier New"/>
+              <a:cs typeface="Courier New"/>
+              <a:sym typeface="Courier New"/>
+            </a:endParaRPr>
+          </a:p>
+          <a:p>
+            <a:pPr indent="0" lvl="0" marL="0" rtl="0" algn="l">
+              <a:spcBef>
+                <a:spcPts val="0"/>
+              </a:spcBef>
+              <a:spcAft>
+                <a:spcPts val="0"/>
+              </a:spcAft>
+              <a:buNone/>
+            </a:pPr>
+            <a:r>
+              <a:t/>
+            </a:r>
+            <a:endParaRPr sz="1800">
+              <a:solidFill>
+                <a:srgbClr val="A9B7C6"/>
+              </a:solidFill>
+              <a:highlight>
+                <a:srgbClr val="2B2B2B"/>
+              </a:highlight>
+              <a:latin typeface="Courier New"/>
+              <a:ea typeface="Courier New"/>
+              <a:cs typeface="Courier New"/>
+              <a:sym typeface="Courier New"/>
+            </a:endParaRPr>
+          </a:p>
+          <a:p>
+            <a:pPr indent="0" lvl="0" marL="0" rtl="0" algn="l">
+              <a:spcBef>
+                <a:spcPts val="0"/>
+              </a:spcBef>
+              <a:spcAft>
+                <a:spcPts val="0"/>
+              </a:spcAft>
+              <a:buNone/>
+            </a:pPr>
+            <a:r>
+              <a:rPr lang="sv" sz="1800">
+                <a:solidFill>
+                  <a:srgbClr val="A9B7C6"/>
+                </a:solidFill>
+                <a:highlight>
+                  <a:srgbClr val="2B2B2B"/>
+                </a:highlight>
+                <a:latin typeface="Courier New"/>
+                <a:ea typeface="Courier New"/>
+                <a:cs typeface="Courier New"/>
+                <a:sym typeface="Courier New"/>
+              </a:rPr>
+              <a:t>   </a:t>
+            </a:r>
+            <a:r>
+              <a:rPr lang="sv" sz="1800">
+                <a:solidFill>
+                  <a:srgbClr val="BBB529"/>
+                </a:solidFill>
+                <a:highlight>
+                  <a:srgbClr val="2B2B2B"/>
+                </a:highlight>
+                <a:latin typeface="Courier New"/>
+                <a:ea typeface="Courier New"/>
+                <a:cs typeface="Courier New"/>
+                <a:sym typeface="Courier New"/>
+              </a:rPr>
+              <a:t>@Action</a:t>
+            </a:r>
+            <a:endParaRPr sz="1800">
+              <a:solidFill>
+                <a:srgbClr val="BBB529"/>
+              </a:solidFill>
+              <a:highlight>
+                <a:srgbClr val="2B2B2B"/>
+              </a:highlight>
+              <a:latin typeface="Courier New"/>
+              <a:ea typeface="Courier New"/>
+              <a:cs typeface="Courier New"/>
+              <a:sym typeface="Courier New"/>
+            </a:endParaRPr>
+          </a:p>
+          <a:p>
+            <a:pPr indent="0" lvl="0" marL="0" rtl="0" algn="l">
+              <a:spcBef>
+                <a:spcPts val="0"/>
+              </a:spcBef>
+              <a:spcAft>
+                <a:spcPts val="0"/>
+              </a:spcAft>
+              <a:buNone/>
+            </a:pPr>
+            <a:r>
+              <a:rPr lang="sv" sz="1800">
+                <a:solidFill>
+                  <a:srgbClr val="BBB529"/>
+                </a:solidFill>
+                <a:highlight>
+                  <a:srgbClr val="2B2B2B"/>
+                </a:highlight>
+                <a:latin typeface="Courier New"/>
+                <a:ea typeface="Courier New"/>
+                <a:cs typeface="Courier New"/>
+                <a:sym typeface="Courier New"/>
+              </a:rPr>
+              <a:t>   </a:t>
+            </a:r>
+            <a:r>
+              <a:rPr lang="sv" sz="1800">
+                <a:solidFill>
+                  <a:srgbClr val="CC7832"/>
+                </a:solidFill>
+                <a:highlight>
+                  <a:srgbClr val="2B2B2B"/>
+                </a:highlight>
+                <a:latin typeface="Courier New"/>
+                <a:ea typeface="Courier New"/>
+                <a:cs typeface="Courier New"/>
+                <a:sym typeface="Courier New"/>
+              </a:rPr>
+              <a:t>public void </a:t>
+            </a:r>
+            <a:r>
+              <a:rPr lang="sv" sz="1800">
+                <a:solidFill>
+                  <a:srgbClr val="FFC66D"/>
+                </a:solidFill>
+                <a:highlight>
+                  <a:srgbClr val="2B2B2B"/>
+                </a:highlight>
+                <a:latin typeface="Courier New"/>
+                <a:ea typeface="Courier New"/>
+                <a:cs typeface="Courier New"/>
+                <a:sym typeface="Courier New"/>
+              </a:rPr>
+              <a:t>then</a:t>
+            </a:r>
+            <a:r>
+              <a:rPr lang="sv" sz="1800">
+                <a:solidFill>
+                  <a:srgbClr val="A9B7C6"/>
+                </a:solidFill>
+                <a:highlight>
+                  <a:srgbClr val="2B2B2B"/>
+                </a:highlight>
+                <a:latin typeface="Courier New"/>
+                <a:ea typeface="Courier New"/>
+                <a:cs typeface="Courier New"/>
+                <a:sym typeface="Courier New"/>
+              </a:rPr>
+              <a:t>(Facts facts) {</a:t>
+            </a:r>
+            <a:endParaRPr sz="1800">
+              <a:solidFill>
+                <a:srgbClr val="A9B7C6"/>
+              </a:solidFill>
+              <a:highlight>
+                <a:srgbClr val="2B2B2B"/>
+              </a:highlight>
+              <a:latin typeface="Courier New"/>
+              <a:ea typeface="Courier New"/>
+              <a:cs typeface="Courier New"/>
+              <a:sym typeface="Courier New"/>
+            </a:endParaRPr>
+          </a:p>
+          <a:p>
+            <a:pPr indent="0" lvl="0" marL="0" rtl="0" algn="l">
+              <a:spcBef>
+                <a:spcPts val="0"/>
+              </a:spcBef>
+              <a:spcAft>
+                <a:spcPts val="0"/>
+              </a:spcAft>
+              <a:buNone/>
+            </a:pPr>
+            <a:r>
+              <a:rPr lang="sv" sz="1800">
+                <a:solidFill>
+                  <a:srgbClr val="A9B7C6"/>
+                </a:solidFill>
+                <a:highlight>
+                  <a:srgbClr val="2B2B2B"/>
+                </a:highlight>
+                <a:latin typeface="Courier New"/>
+                <a:ea typeface="Courier New"/>
+                <a:cs typeface="Courier New"/>
+                <a:sym typeface="Courier New"/>
+              </a:rPr>
+              <a:t>       Double premium = facts.get(</a:t>
+            </a:r>
+            <a:r>
+              <a:rPr lang="sv" sz="1800">
+                <a:solidFill>
+                  <a:srgbClr val="6A8759"/>
+                </a:solidFill>
+                <a:highlight>
+                  <a:srgbClr val="2B2B2B"/>
+                </a:highlight>
+                <a:latin typeface="Courier New"/>
+                <a:ea typeface="Courier New"/>
+                <a:cs typeface="Courier New"/>
+                <a:sym typeface="Courier New"/>
+              </a:rPr>
+              <a:t>"premium"</a:t>
+            </a:r>
+            <a:r>
+              <a:rPr lang="sv" sz="1800">
+                <a:solidFill>
+                  <a:srgbClr val="A9B7C6"/>
+                </a:solidFill>
+                <a:highlight>
+                  <a:srgbClr val="2B2B2B"/>
+                </a:highlight>
+                <a:latin typeface="Courier New"/>
+                <a:ea typeface="Courier New"/>
+                <a:cs typeface="Courier New"/>
+                <a:sym typeface="Courier New"/>
+              </a:rPr>
+              <a:t>)</a:t>
+            </a:r>
+            <a:r>
+              <a:rPr lang="sv" sz="1800">
+                <a:solidFill>
+                  <a:srgbClr val="CC7832"/>
+                </a:solidFill>
+                <a:highlight>
+                  <a:srgbClr val="2B2B2B"/>
+                </a:highlight>
+                <a:latin typeface="Courier New"/>
+                <a:ea typeface="Courier New"/>
+                <a:cs typeface="Courier New"/>
+                <a:sym typeface="Courier New"/>
+              </a:rPr>
+              <a:t>;</a:t>
+            </a:r>
+            <a:endParaRPr sz="1800">
+              <a:solidFill>
+                <a:srgbClr val="CC7832"/>
+              </a:solidFill>
+              <a:highlight>
+                <a:srgbClr val="2B2B2B"/>
+              </a:highlight>
+              <a:latin typeface="Courier New"/>
+              <a:ea typeface="Courier New"/>
+              <a:cs typeface="Courier New"/>
+              <a:sym typeface="Courier New"/>
+            </a:endParaRPr>
+          </a:p>
+          <a:p>
+            <a:pPr indent="0" lvl="0" marL="0" rtl="0" algn="l">
+              <a:spcBef>
+                <a:spcPts val="0"/>
+              </a:spcBef>
+              <a:spcAft>
+                <a:spcPts val="0"/>
+              </a:spcAft>
+              <a:buNone/>
+            </a:pPr>
+            <a:r>
+              <a:rPr lang="sv" sz="1800">
+                <a:solidFill>
+                  <a:srgbClr val="CC7832"/>
+                </a:solidFill>
+                <a:highlight>
+                  <a:srgbClr val="2B2B2B"/>
+                </a:highlight>
+                <a:latin typeface="Courier New"/>
+                <a:ea typeface="Courier New"/>
+                <a:cs typeface="Courier New"/>
+                <a:sym typeface="Courier New"/>
+              </a:rPr>
+              <a:t>       </a:t>
+            </a:r>
+            <a:r>
+              <a:rPr lang="sv" sz="1800">
+                <a:solidFill>
+                  <a:srgbClr val="A9B7C6"/>
+                </a:solidFill>
+                <a:highlight>
+                  <a:srgbClr val="2B2B2B"/>
+                </a:highlight>
+                <a:latin typeface="Courier New"/>
+                <a:ea typeface="Courier New"/>
+                <a:cs typeface="Courier New"/>
+                <a:sym typeface="Courier New"/>
+              </a:rPr>
+              <a:t>premium *= </a:t>
+            </a:r>
+            <a:r>
+              <a:rPr lang="sv" sz="1800">
+                <a:solidFill>
+                  <a:srgbClr val="6897BB"/>
+                </a:solidFill>
+                <a:highlight>
+                  <a:srgbClr val="2B2B2B"/>
+                </a:highlight>
+                <a:latin typeface="Courier New"/>
+                <a:ea typeface="Courier New"/>
+                <a:cs typeface="Courier New"/>
+                <a:sym typeface="Courier New"/>
+              </a:rPr>
+              <a:t>1.10</a:t>
+            </a:r>
+            <a:r>
+              <a:rPr lang="sv" sz="1800">
+                <a:solidFill>
+                  <a:srgbClr val="CC7832"/>
+                </a:solidFill>
+                <a:highlight>
+                  <a:srgbClr val="2B2B2B"/>
+                </a:highlight>
+                <a:latin typeface="Courier New"/>
+                <a:ea typeface="Courier New"/>
+                <a:cs typeface="Courier New"/>
+                <a:sym typeface="Courier New"/>
+              </a:rPr>
+              <a:t>;</a:t>
+            </a:r>
+            <a:endParaRPr sz="1800">
+              <a:solidFill>
+                <a:srgbClr val="CC7832"/>
+              </a:solidFill>
+              <a:highlight>
+                <a:srgbClr val="2B2B2B"/>
+              </a:highlight>
+              <a:latin typeface="Courier New"/>
+              <a:ea typeface="Courier New"/>
+              <a:cs typeface="Courier New"/>
+              <a:sym typeface="Courier New"/>
+            </a:endParaRPr>
+          </a:p>
+          <a:p>
+            <a:pPr indent="0" lvl="0" marL="0" rtl="0" algn="l">
+              <a:spcBef>
+                <a:spcPts val="0"/>
+              </a:spcBef>
+              <a:spcAft>
+                <a:spcPts val="0"/>
+              </a:spcAft>
+              <a:buNone/>
+            </a:pPr>
+            <a:r>
+              <a:rPr lang="sv" sz="1800">
+                <a:solidFill>
+                  <a:srgbClr val="CC7832"/>
+                </a:solidFill>
+                <a:highlight>
+                  <a:srgbClr val="2B2B2B"/>
+                </a:highlight>
+                <a:latin typeface="Courier New"/>
+                <a:ea typeface="Courier New"/>
+                <a:cs typeface="Courier New"/>
+                <a:sym typeface="Courier New"/>
+              </a:rPr>
+              <a:t>       </a:t>
+            </a:r>
+            <a:r>
+              <a:rPr lang="sv" sz="1800">
+                <a:solidFill>
+                  <a:srgbClr val="A9B7C6"/>
+                </a:solidFill>
+                <a:highlight>
+                  <a:srgbClr val="2B2B2B"/>
+                </a:highlight>
+                <a:latin typeface="Courier New"/>
+                <a:ea typeface="Courier New"/>
+                <a:cs typeface="Courier New"/>
+                <a:sym typeface="Courier New"/>
+              </a:rPr>
+              <a:t>facts.put(</a:t>
+            </a:r>
+            <a:r>
+              <a:rPr lang="sv" sz="1800">
+                <a:solidFill>
+                  <a:srgbClr val="6A8759"/>
+                </a:solidFill>
+                <a:highlight>
+                  <a:srgbClr val="2B2B2B"/>
+                </a:highlight>
+                <a:latin typeface="Courier New"/>
+                <a:ea typeface="Courier New"/>
+                <a:cs typeface="Courier New"/>
+                <a:sym typeface="Courier New"/>
+              </a:rPr>
+              <a:t>"premium"</a:t>
+            </a:r>
+            <a:r>
+              <a:rPr lang="sv" sz="1800">
+                <a:solidFill>
+                  <a:srgbClr val="CC7832"/>
+                </a:solidFill>
+                <a:highlight>
+                  <a:srgbClr val="2B2B2B"/>
+                </a:highlight>
+                <a:latin typeface="Courier New"/>
+                <a:ea typeface="Courier New"/>
+                <a:cs typeface="Courier New"/>
+                <a:sym typeface="Courier New"/>
+              </a:rPr>
+              <a:t>, </a:t>
+            </a:r>
+            <a:r>
+              <a:rPr lang="sv" sz="1800">
+                <a:solidFill>
+                  <a:srgbClr val="A9B7C6"/>
+                </a:solidFill>
+                <a:highlight>
+                  <a:srgbClr val="2B2B2B"/>
+                </a:highlight>
+                <a:latin typeface="Courier New"/>
+                <a:ea typeface="Courier New"/>
+                <a:cs typeface="Courier New"/>
+                <a:sym typeface="Courier New"/>
+              </a:rPr>
+              <a:t>premium)</a:t>
+            </a:r>
+            <a:r>
+              <a:rPr lang="sv" sz="1800">
+                <a:solidFill>
+                  <a:srgbClr val="CC7832"/>
+                </a:solidFill>
+                <a:highlight>
+                  <a:srgbClr val="2B2B2B"/>
+                </a:highlight>
+                <a:latin typeface="Courier New"/>
+                <a:ea typeface="Courier New"/>
+                <a:cs typeface="Courier New"/>
+                <a:sym typeface="Courier New"/>
+              </a:rPr>
+              <a:t>;</a:t>
+            </a:r>
+            <a:endParaRPr sz="1800">
+              <a:solidFill>
+                <a:srgbClr val="CC7832"/>
+              </a:solidFill>
+              <a:highlight>
+                <a:srgbClr val="2B2B2B"/>
+              </a:highlight>
+              <a:latin typeface="Courier New"/>
+              <a:ea typeface="Courier New"/>
+              <a:cs typeface="Courier New"/>
+              <a:sym typeface="Courier New"/>
+            </a:endParaRPr>
+          </a:p>
+          <a:p>
+            <a:pPr indent="0" lvl="0" marL="0" rtl="0" algn="l">
+              <a:spcBef>
+                <a:spcPts val="0"/>
+              </a:spcBef>
+              <a:spcAft>
+                <a:spcPts val="0"/>
+              </a:spcAft>
+              <a:buNone/>
+            </a:pPr>
+            <a:r>
+              <a:rPr lang="sv" sz="1800">
+                <a:solidFill>
+                  <a:srgbClr val="CC7832"/>
+                </a:solidFill>
+                <a:highlight>
+                  <a:srgbClr val="2B2B2B"/>
+                </a:highlight>
+                <a:latin typeface="Courier New"/>
+                <a:ea typeface="Courier New"/>
+                <a:cs typeface="Courier New"/>
+                <a:sym typeface="Courier New"/>
+              </a:rPr>
+              <a:t>   </a:t>
+            </a:r>
+            <a:r>
+              <a:rPr lang="sv" sz="1800">
+                <a:solidFill>
+                  <a:srgbClr val="A9B7C6"/>
+                </a:solidFill>
+                <a:highlight>
+                  <a:srgbClr val="2B2B2B"/>
+                </a:highlight>
+                <a:latin typeface="Courier New"/>
+                <a:ea typeface="Courier New"/>
+                <a:cs typeface="Courier New"/>
+                <a:sym typeface="Courier New"/>
+              </a:rPr>
+              <a:t>}</a:t>
+            </a:r>
+            <a:endParaRPr sz="1800">
+              <a:solidFill>
+                <a:srgbClr val="A9B7C6"/>
+              </a:solidFill>
+              <a:highlight>
+                <a:srgbClr val="2B2B2B"/>
+              </a:highlight>
+              <a:latin typeface="Courier New"/>
+              <a:ea typeface="Courier New"/>
+              <a:cs typeface="Courier New"/>
+              <a:sym typeface="Courier New"/>
+            </a:endParaRPr>
+          </a:p>
+          <a:p>
+            <a:pPr indent="0" lvl="0" marL="0" rtl="0" algn="l">
+              <a:spcBef>
+                <a:spcPts val="0"/>
+              </a:spcBef>
+              <a:spcAft>
+                <a:spcPts val="0"/>
+              </a:spcAft>
+              <a:buNone/>
+            </a:pPr>
+            <a:r>
+              <a:rPr lang="sv" sz="1800">
+                <a:solidFill>
+                  <a:srgbClr val="A9B7C6"/>
+                </a:solidFill>
+                <a:highlight>
+                  <a:srgbClr val="2B2B2B"/>
+                </a:highlight>
+                <a:latin typeface="Courier New"/>
+                <a:ea typeface="Courier New"/>
+                <a:cs typeface="Courier New"/>
+                <a:sym typeface="Courier New"/>
+              </a:rPr>
+              <a:t>}</a:t>
+            </a:r>
+            <a:endParaRPr sz="1800">
+              <a:solidFill>
+                <a:srgbClr val="A9B7C6"/>
+              </a:solidFill>
+              <a:highlight>
+                <a:srgbClr val="2B2B2B"/>
+              </a:highlight>
+              <a:latin typeface="Courier New"/>
+              <a:ea typeface="Courier New"/>
+              <a:cs typeface="Courier New"/>
+              <a:sym typeface="Courier New"/>
+            </a:endParaRPr>
+          </a:p>
+        </p:txBody>
+      </p:sp>
+    </p:spTree>
+  </p:cSld>
+  <p:clrMapOvr>
+    <a:masterClrMapping/>
+  </p:clrMapOvr>
+</p:sld>
+</file>
+
+<file path=ppt/slides/slide37.xml><?xml version="1.0" encoding="utf-8"?>
+<p:sld xmlns:a="http://schemas.openxmlformats.org/drawingml/2006/main" xmlns:r="http://schemas.openxmlformats.org/officeDocument/2006/relationships" xmlns:mc="http://schemas.openxmlformats.org/markup-compatibility/2006" xmlns:mv="urn:schemas-microsoft-com:mac:vml" xmlns:p="http://schemas.openxmlformats.org/presentationml/2006/main" xmlns:c="http://schemas.openxmlformats.org/drawingml/2006/chart" xmlns:dgm="http://schemas.openxmlformats.org/drawingml/2006/diagram" xmlns:o="urn:schemas-microsoft-com:office:office" xmlns:v="urn:schemas-microsoft-com:vml" xmlns:pvml="urn:schemas-microsoft-com:office:powerpoint" xmlns:com="http://schemas.openxmlformats.org/drawingml/2006/compatibility" xmlns:p14="http://schemas.microsoft.com/office/powerpoint/2010/main" xmlns:p15="http://schemas.microsoft.com/office/powerpoint/2012/main">
+  <p:cSld>
+    <p:spTree>
+      <p:nvGrpSpPr>
+        <p:cNvPr id="260" name="Shape 260"/>
+        <p:cNvGrpSpPr/>
+        <p:nvPr/>
+      </p:nvGrpSpPr>
+      <p:grpSpPr>
+        <a:xfrm>
+          <a:off x="0" y="0"/>
+          <a:ext cx="0" cy="0"/>
+          <a:chOff x="0" y="0"/>
+          <a:chExt cx="0" cy="0"/>
+        </a:xfrm>
+      </p:grpSpPr>
+      <p:sp>
+        <p:nvSpPr>
+          <p:cNvPr id="261" name="Google Shape;261;p49"/>
+          <p:cNvSpPr txBox="1"/>
+          <p:nvPr>
+            <p:ph type="title"/>
+          </p:nvPr>
+        </p:nvSpPr>
+        <p:spPr>
+          <a:xfrm>
+            <a:off x="311700" y="2150850"/>
+            <a:ext cx="8520600" cy="841800"/>
+          </a:xfrm>
+          <a:prstGeom prst="rect">
+            <a:avLst/>
+          </a:prstGeom>
+        </p:spPr>
+        <p:txBody>
+          <a:bodyPr anchorCtr="0" anchor="ctr" bIns="91425" lIns="91425" spcFirstLastPara="1" rIns="91425" wrap="square" tIns="91425">
+            <a:noAutofit/>
+          </a:bodyPr>
+          <a:lstStyle/>
+          <a:p>
+            <a:pPr indent="0" lvl="0" marL="0" rtl="0" algn="ctr">
+              <a:spcBef>
+                <a:spcPts val="0"/>
+              </a:spcBef>
+              <a:spcAft>
+                <a:spcPts val="0"/>
+              </a:spcAft>
+              <a:buNone/>
+            </a:pPr>
+            <a:r>
+              <a:rPr lang="sv" sz="4800"/>
+              <a:t>Labb</a:t>
+            </a:r>
+            <a:endParaRPr sz="4800"/>
+          </a:p>
+        </p:txBody>
+      </p:sp>
+    </p:spTree>
+  </p:cSld>
+  <p:clrMapOvr>
+    <a:masterClrMapping/>
+  </p:clrMapOvr>
+</p:sld>
+</file>
+
+<file path=ppt/slides/slide38.xml><?xml version="1.0" encoding="utf-8"?>
+<p:sld xmlns:a="http://schemas.openxmlformats.org/drawingml/2006/main" xmlns:r="http://schemas.openxmlformats.org/officeDocument/2006/relationships" xmlns:mc="http://schemas.openxmlformats.org/markup-compatibility/2006" xmlns:mv="urn:schemas-microsoft-com:mac:vml" xmlns:p="http://schemas.openxmlformats.org/presentationml/2006/main" xmlns:c="http://schemas.openxmlformats.org/drawingml/2006/chart" xmlns:dgm="http://schemas.openxmlformats.org/drawingml/2006/diagram" xmlns:o="urn:schemas-microsoft-com:office:office" xmlns:v="urn:schemas-microsoft-com:vml" xmlns:pvml="urn:schemas-microsoft-com:office:powerpoint" xmlns:com="http://schemas.openxmlformats.org/drawingml/2006/compatibility" xmlns:p14="http://schemas.microsoft.com/office/powerpoint/2010/main" xmlns:p15="http://schemas.microsoft.com/office/powerpoint/2012/main">
+  <p:cSld>
+    <p:spTree>
+      <p:nvGrpSpPr>
+        <p:cNvPr id="265" name="Shape 265"/>
+        <p:cNvGrpSpPr/>
+        <p:nvPr/>
+      </p:nvGrpSpPr>
+      <p:grpSpPr>
+        <a:xfrm>
+          <a:off x="0" y="0"/>
+          <a:ext cx="0" cy="0"/>
+          <a:chOff x="0" y="0"/>
+          <a:chExt cx="0" cy="0"/>
+        </a:xfrm>
+      </p:grpSpPr>
+      <p:sp>
+        <p:nvSpPr>
+          <p:cNvPr id="266" name="Google Shape;266;p50"/>
+          <p:cNvSpPr txBox="1"/>
+          <p:nvPr>
+            <p:ph type="title"/>
+          </p:nvPr>
+        </p:nvSpPr>
+        <p:spPr>
+          <a:xfrm>
+            <a:off x="311700" y="445025"/>
+            <a:ext cx="8520600" cy="978300"/>
+          </a:xfrm>
+          <a:prstGeom prst="rect">
+            <a:avLst/>
+          </a:prstGeom>
+        </p:spPr>
+        <p:txBody>
+          <a:bodyPr anchorCtr="0" anchor="t" bIns="91425" lIns="91425" spcFirstLastPara="1" rIns="91425" wrap="square" tIns="91425">
+            <a:noAutofit/>
+          </a:bodyPr>
+          <a:lstStyle/>
+          <a:p>
+            <a:pPr indent="0" lvl="0" marL="0" rtl="0" algn="l">
+              <a:spcBef>
+                <a:spcPts val="0"/>
+              </a:spcBef>
+              <a:spcAft>
+                <a:spcPts val="0"/>
+              </a:spcAft>
+              <a:buNone/>
+            </a:pPr>
+            <a:r>
+              <a:rPr lang="sv" sz="4800"/>
+              <a:t>Labb</a:t>
+            </a:r>
+            <a:endParaRPr sz="4800"/>
+          </a:p>
+        </p:txBody>
+      </p:sp>
+      <p:sp>
+        <p:nvSpPr>
+          <p:cNvPr id="267" name="Google Shape;267;p50"/>
+          <p:cNvSpPr txBox="1"/>
+          <p:nvPr>
+            <p:ph idx="1" type="body"/>
+          </p:nvPr>
+        </p:nvSpPr>
+        <p:spPr>
+          <a:xfrm>
+            <a:off x="311700" y="1423325"/>
+            <a:ext cx="8832300" cy="3145800"/>
+          </a:xfrm>
+          <a:prstGeom prst="rect">
+            <a:avLst/>
+          </a:prstGeom>
+        </p:spPr>
+        <p:txBody>
+          <a:bodyPr anchorCtr="0" anchor="t" bIns="91425" lIns="91425" spcFirstLastPara="1" rIns="91425" wrap="square" tIns="91425">
+            <a:noAutofit/>
+          </a:bodyPr>
+          <a:lstStyle/>
+          <a:p>
+            <a:pPr indent="-419100" lvl="0" marL="457200" rtl="0" algn="l">
+              <a:spcBef>
+                <a:spcPts val="0"/>
+              </a:spcBef>
+              <a:spcAft>
+                <a:spcPts val="0"/>
+              </a:spcAft>
+              <a:buSzPts val="3000"/>
+              <a:buChar char="❖"/>
+            </a:pPr>
+            <a:r>
+              <a:rPr lang="sv" sz="3000"/>
+              <a:t>Prova på Drools</a:t>
+            </a:r>
+            <a:endParaRPr sz="3000"/>
+          </a:p>
+          <a:p>
+            <a:pPr indent="-419100" lvl="0" marL="457200" rtl="0" algn="l">
+              <a:spcBef>
+                <a:spcPts val="0"/>
+              </a:spcBef>
+              <a:spcAft>
+                <a:spcPts val="0"/>
+              </a:spcAft>
+              <a:buSzPts val="3000"/>
+              <a:buChar char="❖"/>
+            </a:pPr>
+            <a:r>
+              <a:rPr lang="sv" sz="3000" u="sng">
+                <a:solidFill>
+                  <a:schemeClr val="hlink"/>
+                </a:solidFill>
+                <a:hlinkClick r:id="rId3"/>
+              </a:rPr>
+              <a:t>https://github.com/mejsla/stepup-drools-2019</a:t>
+            </a:r>
+            <a:endParaRPr sz="3000"/>
+          </a:p>
+          <a:p>
+            <a:pPr indent="-419100" lvl="0" marL="457200" rtl="0" algn="l">
+              <a:spcBef>
+                <a:spcPts val="0"/>
+              </a:spcBef>
+              <a:spcAft>
+                <a:spcPts val="0"/>
+              </a:spcAft>
+              <a:buSzPts val="3000"/>
+              <a:buChar char="❖"/>
+            </a:pPr>
+            <a:r>
+              <a:rPr lang="sv" sz="3000"/>
+              <a:t>Instruktioner i README.md</a:t>
+            </a:r>
+            <a:endParaRPr sz="3000"/>
+          </a:p>
+        </p:txBody>
+      </p:sp>
+    </p:spTree>
+  </p:cSld>
+  <p:clrMapOvr>
+    <a:masterClrMapping/>
+  </p:clrMapOvr>
+</p:sld>
+</file>
+
+<file path=ppt/slides/slide39.xml><?xml version="1.0" encoding="utf-8"?>
+<p:sld xmlns:a="http://schemas.openxmlformats.org/drawingml/2006/main" xmlns:r="http://schemas.openxmlformats.org/officeDocument/2006/relationships" xmlns:mc="http://schemas.openxmlformats.org/markup-compatibility/2006" xmlns:mv="urn:schemas-microsoft-com:mac:vml" xmlns:p="http://schemas.openxmlformats.org/presentationml/2006/main" xmlns:c="http://schemas.openxmlformats.org/drawingml/2006/chart" xmlns:dgm="http://schemas.openxmlformats.org/drawingml/2006/diagram" xmlns:o="urn:schemas-microsoft-com:office:office" xmlns:v="urn:schemas-microsoft-com:vml" xmlns:pvml="urn:schemas-microsoft-com:office:powerpoint" xmlns:com="http://schemas.openxmlformats.org/drawingml/2006/compatibility" xmlns:p14="http://schemas.microsoft.com/office/powerpoint/2010/main" xmlns:p15="http://schemas.microsoft.com/office/powerpoint/2012/main">
+  <p:cSld>
+    <p:spTree>
+      <p:nvGrpSpPr>
+        <p:cNvPr id="271" name="Shape 271"/>
+        <p:cNvGrpSpPr/>
+        <p:nvPr/>
+      </p:nvGrpSpPr>
+      <p:grpSpPr>
+        <a:xfrm>
+          <a:off x="0" y="0"/>
+          <a:ext cx="0" cy="0"/>
+          <a:chOff x="0" y="0"/>
+          <a:chExt cx="0" cy="0"/>
+        </a:xfrm>
+      </p:grpSpPr>
+      <p:sp>
+        <p:nvSpPr>
+          <p:cNvPr id="272" name="Google Shape;272;p51"/>
+          <p:cNvSpPr txBox="1"/>
+          <p:nvPr>
+            <p:ph type="title"/>
+          </p:nvPr>
+        </p:nvSpPr>
+        <p:spPr>
+          <a:xfrm>
+            <a:off x="311700" y="445025"/>
+            <a:ext cx="8520600" cy="978300"/>
+          </a:xfrm>
+          <a:prstGeom prst="rect">
+            <a:avLst/>
+          </a:prstGeom>
+        </p:spPr>
+        <p:txBody>
+          <a:bodyPr anchorCtr="0" anchor="t" bIns="91425" lIns="91425" spcFirstLastPara="1" rIns="91425" wrap="square" tIns="91425">
+            <a:noAutofit/>
+          </a:bodyPr>
+          <a:lstStyle/>
+          <a:p>
+            <a:pPr indent="0" lvl="0" marL="0" rtl="0" algn="l">
+              <a:spcBef>
+                <a:spcPts val="0"/>
+              </a:spcBef>
+              <a:spcAft>
+                <a:spcPts val="0"/>
+              </a:spcAft>
+              <a:buNone/>
+            </a:pPr>
+            <a:r>
+              <a:rPr lang="sv" sz="4800"/>
+              <a:t>Sammanfattning</a:t>
+            </a:r>
+            <a:endParaRPr sz="4800"/>
+          </a:p>
+        </p:txBody>
+      </p:sp>
+      <p:sp>
+        <p:nvSpPr>
+          <p:cNvPr id="273" name="Google Shape;273;p51"/>
+          <p:cNvSpPr txBox="1"/>
+          <p:nvPr>
+            <p:ph idx="1" type="body"/>
+          </p:nvPr>
+        </p:nvSpPr>
+        <p:spPr>
+          <a:xfrm>
+            <a:off x="311700" y="1423325"/>
+            <a:ext cx="8520600" cy="3145800"/>
+          </a:xfrm>
+          <a:prstGeom prst="rect">
+            <a:avLst/>
+          </a:prstGeom>
+        </p:spPr>
+        <p:txBody>
+          <a:bodyPr anchorCtr="0" anchor="t" bIns="91425" lIns="91425" spcFirstLastPara="1" rIns="91425" wrap="square" tIns="91425">
+            <a:noAutofit/>
+          </a:bodyPr>
+          <a:lstStyle/>
+          <a:p>
+            <a:pPr indent="-419100" lvl="0" marL="457200" rtl="0" algn="l">
+              <a:spcBef>
+                <a:spcPts val="0"/>
+              </a:spcBef>
+              <a:spcAft>
+                <a:spcPts val="0"/>
+              </a:spcAft>
+              <a:buSzPts val="3000"/>
+              <a:buChar char="❖"/>
+            </a:pPr>
+            <a:r>
+              <a:rPr lang="sv" sz="3000"/>
+              <a:t>Deklarativ programmering</a:t>
+            </a:r>
+            <a:endParaRPr sz="3000"/>
+          </a:p>
+          <a:p>
+            <a:pPr indent="-419100" lvl="0" marL="457200" rtl="0" algn="l">
+              <a:spcBef>
+                <a:spcPts val="0"/>
+              </a:spcBef>
+              <a:spcAft>
+                <a:spcPts val="0"/>
+              </a:spcAft>
+              <a:buSzPts val="3000"/>
+              <a:buChar char="❖"/>
+            </a:pPr>
+            <a:r>
+              <a:rPr lang="sv" sz="3000"/>
+              <a:t>Komplexa verksamheter med </a:t>
+            </a:r>
+            <a:r>
+              <a:rPr lang="sv" sz="3000">
+                <a:solidFill>
+                  <a:srgbClr val="FFFFFF"/>
+                </a:solidFill>
+              </a:rPr>
+              <a:t>många regler</a:t>
+            </a:r>
+            <a:endParaRPr sz="3000">
+              <a:solidFill>
+                <a:srgbClr val="FFFFFF"/>
+              </a:solidFill>
+            </a:endParaRPr>
+          </a:p>
+          <a:p>
+            <a:pPr indent="-419100" lvl="0" marL="457200" rtl="0" algn="l">
+              <a:spcBef>
+                <a:spcPts val="0"/>
+              </a:spcBef>
+              <a:spcAft>
+                <a:spcPts val="0"/>
+              </a:spcAft>
+              <a:buSzPts val="3000"/>
+              <a:buChar char="❖"/>
+            </a:pPr>
+            <a:r>
+              <a:rPr lang="sv" sz="3000"/>
+              <a:t>Affärsregler som ändras</a:t>
+            </a:r>
+            <a:endParaRPr sz="3000"/>
+          </a:p>
+        </p:txBody>
+      </p:sp>
+    </p:spTree>
+  </p:cSld>
+  <p:clrMapOvr>
+    <a:masterClrMapping/>
+  </p:clrMapOvr>
+</p:sld>
+</file>
+
 <file path=ppt/slides/slide4.xml><?xml version="1.0" encoding="utf-8"?>
 <p:sld xmlns:a="http://schemas.openxmlformats.org/drawingml/2006/main" xmlns:r="http://schemas.openxmlformats.org/officeDocument/2006/relationships" xmlns:mc="http://schemas.openxmlformats.org/markup-compatibility/2006" xmlns:mv="urn:schemas-microsoft-com:mac:vml" xmlns:p="http://schemas.openxmlformats.org/presentationml/2006/main" xmlns:c="http://schemas.openxmlformats.org/drawingml/2006/chart" xmlns:dgm="http://schemas.openxmlformats.org/drawingml/2006/diagram" xmlns:o="urn:schemas-microsoft-com:office:office" xmlns:v="urn:schemas-microsoft-com:vml" xmlns:pvml="urn:schemas-microsoft-com:office:powerpoint" xmlns:com="http://schemas.openxmlformats.org/drawingml/2006/compatibility" xmlns:p14="http://schemas.microsoft.com/office/powerpoint/2010/main" xmlns:p15="http://schemas.microsoft.com/office/powerpoint/2012/main">
   <p:cSld>
@@ -14515,7 +19116,7 @@
         </p:nvSpPr>
         <p:spPr>
           <a:xfrm>
-            <a:off x="764250" y="1530188"/>
+            <a:off x="764250" y="1530138"/>
             <a:ext cx="7615500" cy="2083200"/>
           </a:xfrm>
           <a:prstGeom prst="rect">
@@ -14718,6 +19319,204 @@
               <a:ea typeface="Courier New"/>
               <a:cs typeface="Courier New"/>
               <a:sym typeface="Courier New"/>
+            </a:endParaRPr>
+          </a:p>
+        </p:txBody>
+      </p:sp>
+    </p:spTree>
+  </p:cSld>
+  <p:clrMapOvr>
+    <a:masterClrMapping/>
+  </p:clrMapOvr>
+</p:sld>
+</file>
+
+<file path=ppt/slides/slide40.xml><?xml version="1.0" encoding="utf-8"?>
+<p:sld xmlns:a="http://schemas.openxmlformats.org/drawingml/2006/main" xmlns:r="http://schemas.openxmlformats.org/officeDocument/2006/relationships" xmlns:mc="http://schemas.openxmlformats.org/markup-compatibility/2006" xmlns:mv="urn:schemas-microsoft-com:mac:vml" xmlns:p="http://schemas.openxmlformats.org/presentationml/2006/main" xmlns:c="http://schemas.openxmlformats.org/drawingml/2006/chart" xmlns:dgm="http://schemas.openxmlformats.org/drawingml/2006/diagram" xmlns:o="urn:schemas-microsoft-com:office:office" xmlns:v="urn:schemas-microsoft-com:vml" xmlns:pvml="urn:schemas-microsoft-com:office:powerpoint" xmlns:com="http://schemas.openxmlformats.org/drawingml/2006/compatibility" xmlns:p14="http://schemas.microsoft.com/office/powerpoint/2010/main" xmlns:p15="http://schemas.microsoft.com/office/powerpoint/2012/main">
+  <p:cSld>
+    <p:spTree>
+      <p:nvGrpSpPr>
+        <p:cNvPr id="277" name="Shape 277"/>
+        <p:cNvGrpSpPr/>
+        <p:nvPr/>
+      </p:nvGrpSpPr>
+      <p:grpSpPr>
+        <a:xfrm>
+          <a:off x="0" y="0"/>
+          <a:ext cx="0" cy="0"/>
+          <a:chOff x="0" y="0"/>
+          <a:chExt cx="0" cy="0"/>
+        </a:xfrm>
+      </p:grpSpPr>
+      <p:sp>
+        <p:nvSpPr>
+          <p:cNvPr id="278" name="Google Shape;278;p52"/>
+          <p:cNvSpPr txBox="1"/>
+          <p:nvPr>
+            <p:ph type="title"/>
+          </p:nvPr>
+        </p:nvSpPr>
+        <p:spPr>
+          <a:xfrm>
+            <a:off x="311700" y="445025"/>
+            <a:ext cx="8520600" cy="978300"/>
+          </a:xfrm>
+          <a:prstGeom prst="rect">
+            <a:avLst/>
+          </a:prstGeom>
+        </p:spPr>
+        <p:txBody>
+          <a:bodyPr anchorCtr="0" anchor="t" bIns="91425" lIns="91425" spcFirstLastPara="1" rIns="91425" wrap="square" tIns="91425">
+            <a:noAutofit/>
+          </a:bodyPr>
+          <a:lstStyle/>
+          <a:p>
+            <a:pPr indent="0" lvl="0" marL="0" rtl="0" algn="l">
+              <a:spcBef>
+                <a:spcPts val="0"/>
+              </a:spcBef>
+              <a:spcAft>
+                <a:spcPts val="0"/>
+              </a:spcAft>
+              <a:buNone/>
+            </a:pPr>
+            <a:r>
+              <a:rPr lang="sv" sz="4800"/>
+              <a:t>Nästa steg</a:t>
+            </a:r>
+            <a:endParaRPr sz="4800"/>
+          </a:p>
+        </p:txBody>
+      </p:sp>
+      <p:sp>
+        <p:nvSpPr>
+          <p:cNvPr id="279" name="Google Shape;279;p52"/>
+          <p:cNvSpPr txBox="1"/>
+          <p:nvPr>
+            <p:ph idx="1" type="body"/>
+          </p:nvPr>
+        </p:nvSpPr>
+        <p:spPr>
+          <a:xfrm>
+            <a:off x="311700" y="1423325"/>
+            <a:ext cx="8832300" cy="3145800"/>
+          </a:xfrm>
+          <a:prstGeom prst="rect">
+            <a:avLst/>
+          </a:prstGeom>
+        </p:spPr>
+        <p:txBody>
+          <a:bodyPr anchorCtr="0" anchor="t" bIns="91425" lIns="91425" spcFirstLastPara="1" rIns="91425" wrap="square" tIns="91425">
+            <a:noAutofit/>
+          </a:bodyPr>
+          <a:lstStyle/>
+          <a:p>
+            <a:pPr indent="-419100" lvl="0" marL="457200" rtl="0" algn="l">
+              <a:spcBef>
+                <a:spcPts val="0"/>
+              </a:spcBef>
+              <a:spcAft>
+                <a:spcPts val="0"/>
+              </a:spcAft>
+              <a:buSzPts val="3000"/>
+              <a:buChar char="❖"/>
+            </a:pPr>
+            <a:r>
+              <a:rPr lang="sv" sz="3000" u="sng">
+                <a:solidFill>
+                  <a:schemeClr val="hlink"/>
+                </a:solidFill>
+                <a:hlinkClick r:id="rId3"/>
+              </a:rPr>
+              <a:t>https://martinfowler.com/bliki/RulesEngine.html</a:t>
+            </a:r>
+            <a:endParaRPr sz="3000"/>
+          </a:p>
+          <a:p>
+            <a:pPr indent="-419100" lvl="0" marL="457200" rtl="0" algn="l">
+              <a:spcBef>
+                <a:spcPts val="0"/>
+              </a:spcBef>
+              <a:spcAft>
+                <a:spcPts val="0"/>
+              </a:spcAft>
+              <a:buSzPts val="3000"/>
+              <a:buChar char="❖"/>
+            </a:pPr>
+            <a:r>
+              <a:rPr lang="sv" sz="3000" u="sng">
+                <a:solidFill>
+                  <a:schemeClr val="hlink"/>
+                </a:solidFill>
+                <a:hlinkClick r:id="rId4"/>
+              </a:rPr>
+              <a:t>https://www.drools.org</a:t>
+            </a:r>
+            <a:endParaRPr sz="3000"/>
+          </a:p>
+          <a:p>
+            <a:pPr indent="-419100" lvl="0" marL="457200" rtl="0" algn="l">
+              <a:spcBef>
+                <a:spcPts val="0"/>
+              </a:spcBef>
+              <a:spcAft>
+                <a:spcPts val="0"/>
+              </a:spcAft>
+              <a:buSzPts val="3000"/>
+              <a:buChar char="❖"/>
+            </a:pPr>
+            <a:r>
+              <a:rPr lang="sv" sz="3000" u="sng">
+                <a:solidFill>
+                  <a:schemeClr val="hlink"/>
+                </a:solidFill>
+                <a:hlinkClick r:id="rId5"/>
+              </a:rPr>
+              <a:t>https://examples.javacodegeeks.com/</a:t>
+            </a:r>
+            <a:br>
+              <a:rPr lang="sv" sz="3000" u="sng">
+                <a:solidFill>
+                  <a:schemeClr val="hlink"/>
+                </a:solidFill>
+                <a:hlinkClick r:id="rId6"/>
+              </a:rPr>
+            </a:br>
+            <a:r>
+              <a:rPr lang="sv" sz="3000" u="sng">
+                <a:solidFill>
+                  <a:schemeClr val="hlink"/>
+                </a:solidFill>
+                <a:hlinkClick r:id="rId7"/>
+              </a:rPr>
+              <a:t>enterprise-java/jboss-drools-tutorial-beginners</a:t>
+            </a:r>
+            <a:endParaRPr sz="3000"/>
+          </a:p>
+          <a:p>
+            <a:pPr indent="-419100" lvl="0" marL="457200" rtl="0" algn="l">
+              <a:spcBef>
+                <a:spcPts val="0"/>
+              </a:spcBef>
+              <a:spcAft>
+                <a:spcPts val="0"/>
+              </a:spcAft>
+              <a:buSzPts val="3000"/>
+              <a:buChar char="❖"/>
+            </a:pPr>
+            <a:r>
+              <a:rPr lang="sv" sz="3000" u="sng">
+                <a:solidFill>
+                  <a:schemeClr val="accent5"/>
+                </a:solidFill>
+                <a:hlinkClick r:id="rId8"/>
+              </a:rPr>
+              <a:t>http://www.jeasy.org</a:t>
+            </a:r>
+            <a:endParaRPr sz="3000" u="sng">
+              <a:solidFill>
+                <a:schemeClr val="hlink"/>
+              </a:solidFill>
             </a:endParaRPr>
           </a:p>
         </p:txBody>
@@ -14755,8 +19554,8 @@
         </p:nvSpPr>
         <p:spPr>
           <a:xfrm>
-            <a:off x="645600" y="1575000"/>
-            <a:ext cx="7852800" cy="1993500"/>
+            <a:off x="701700" y="1575000"/>
+            <a:ext cx="7740600" cy="1993500"/>
           </a:xfrm>
           <a:prstGeom prst="rect">
             <a:avLst/>
